--- a/types/master_Illia_Olenchenko_Presentation.pptx
+++ b/types/master_Illia_Olenchenko_Presentation.pptx
@@ -20,6 +20,10 @@
     <p:sldId id="265" r:id="rId17"/>
     <p:sldId id="266" r:id="rId18"/>
     <p:sldId id="267" r:id="rId19"/>
+    <p:sldId id="268" r:id="rId20"/>
+    <p:sldId id="269" r:id="rId21"/>
+    <p:sldId id="270" r:id="rId22"/>
+    <p:sldId id="271" r:id="rId23"/>
   </p:sldIdLst>
   <p:sldSz cx="12192000" cy="6858000"/>
   <p:notesSz cx="6858000" cy="9144000"/>
@@ -340,9 +344,9 @@
           <c:layoutTarget val="inner"/>
           <c:xMode val="edge"/>
           <c:yMode val="edge"/>
-          <c:x val="0.0559485"/>
+          <c:x val="0.0335677"/>
           <c:y val="0.0406877"/>
-          <c:w val="0.577859"/>
+          <c:w val="0.591558"/>
           <c:h val="0.880951"/>
         </c:manualLayout>
       </c:layout>
@@ -546,13 +550,13 @@
               <c:numCache>
                 <c:ptCount val="3"/>
                 <c:pt idx="0">
-                  <c:v>0.022000</c:v>
+                  <c:v>0.220000</c:v>
                 </c:pt>
                 <c:pt idx="1">
-                  <c:v>0.049000</c:v>
+                  <c:v>0.490000</c:v>
                 </c:pt>
                 <c:pt idx="2">
-                  <c:v>0.143200</c:v>
+                  <c:v>0.713200</c:v>
                 </c:pt>
               </c:numCache>
             </c:numRef>
@@ -606,7 +610,6 @@
       <c:valAx>
         <c:axId val="2094734553"/>
         <c:scaling>
-          <c:logBase val="10"/>
           <c:orientation val="minMax"/>
         </c:scaling>
         <c:delete val="0"/>
@@ -652,6 +655,8 @@
         <c:crossAx val="2094734552"/>
         <c:crosses val="autoZero"/>
         <c:crossBetween val="between"/>
+        <c:majorUnit val="2"/>
+        <c:minorUnit val="1"/>
       </c:valAx>
       <c:spPr>
         <a:solidFill>
@@ -670,9 +675,9 @@
         <c:manualLayout>
           <c:xMode val="edge"/>
           <c:yMode val="edge"/>
-          <c:x val="0.689538"/>
+          <c:x val="0.682178"/>
           <c:y val="0.181682"/>
-          <c:w val="0.310462"/>
+          <c:w val="0.317822"/>
           <c:h val="0.0656877"/>
         </c:manualLayout>
       </c:layout>
@@ -838,7 +843,7 @@
                   <c:v>0.017400</c:v>
                 </c:pt>
                 <c:pt idx="1">
-                  <c:v>0.017267</c:v>
+                  <c:v>0.172671</c:v>
                 </c:pt>
                 <c:pt idx="2">
                   <c:v>0.874930</c:v>
@@ -940,223 +945,13 @@
               <c:numCache>
                 <c:ptCount val="3"/>
                 <c:pt idx="0">
-                  <c:v>0.001800</c:v>
+                  <c:v>0.018000</c:v>
                 </c:pt>
                 <c:pt idx="1">
-                  <c:v>0.003865</c:v>
+                  <c:v>0.038650</c:v>
                 </c:pt>
                 <c:pt idx="2">
-                  <c:v>0.013306</c:v>
-                </c:pt>
-              </c:numCache>
-            </c:numRef>
-          </c:val>
-          <c:smooth val="0"/>
-        </c:ser>
-        <c:ser>
-          <c:idx val="2"/>
-          <c:order val="2"/>
-          <c:tx>
-            <c:strRef>
-              <c:f>Sheet1!$D$1</c:f>
-              <c:strCache>
-                <c:ptCount val="1"/>
-                <c:pt idx="0">
-                  <c:v>1 CPU</c:v>
-                </c:pt>
-              </c:strCache>
-            </c:strRef>
-          </c:tx>
-          <c:spPr>
-            <a:solidFill>
-              <a:srgbClr val="FFFFCC"/>
-            </a:solidFill>
-            <a:ln w="12700" cap="flat">
-              <a:solidFill>
-                <a:srgbClr val="969696"/>
-              </a:solidFill>
-              <a:prstDash val="solid"/>
-              <a:round/>
-            </a:ln>
-            <a:effectLst/>
-          </c:spPr>
-          <c:marker>
-            <c:symbol val="none"/>
-            <c:size val="4"/>
-            <c:spPr>
-              <a:solidFill>
-                <a:srgbClr val="FFFFCC"/>
-              </a:solidFill>
-              <a:ln w="12700" cap="flat">
-                <a:solidFill>
-                  <a:srgbClr val="969696"/>
-                </a:solidFill>
-                <a:prstDash val="solid"/>
-                <a:round/>
-              </a:ln>
-              <a:effectLst/>
-            </c:spPr>
-          </c:marker>
-          <c:dLbls>
-            <c:numFmt formatCode="#,##0" sourceLinked="0"/>
-            <c:txPr>
-              <a:bodyPr/>
-              <a:lstStyle/>
-              <a:p>
-                <a:pPr>
-                  <a:defRPr b="0" i="0" strike="noStrike" sz="1800" u="none">
-                    <a:solidFill>
-                      <a:srgbClr val="000000"/>
-                    </a:solidFill>
-                    <a:latin typeface="Calibri"/>
-                  </a:defRPr>
-                </a:pPr>
-              </a:p>
-            </c:txPr>
-            <c:dLblPos val="t"/>
-            <c:showLegendKey val="0"/>
-            <c:showVal val="0"/>
-            <c:showCatName val="0"/>
-            <c:showSerName val="0"/>
-            <c:showPercent val="0"/>
-            <c:showBubbleSize val="0"/>
-            <c:showLeaderLines val="0"/>
-          </c:dLbls>
-          <c:cat>
-            <c:strRef>
-              <c:f>Sheet1!$A$2:$A$4</c:f>
-              <c:strCache>
-                <c:ptCount val="3"/>
-                <c:pt idx="0">
-                  <c:v>5</c:v>
-                </c:pt>
-                <c:pt idx="1">
-                  <c:v>10</c:v>
-                </c:pt>
-                <c:pt idx="2">
-                  <c:v>25</c:v>
-                </c:pt>
-              </c:strCache>
-            </c:strRef>
-          </c:cat>
-          <c:val>
-            <c:numRef>
-              <c:f>Sheet1!$D$2:$D$4</c:f>
-              <c:numCache>
-                <c:ptCount val="3"/>
-                <c:pt idx="0">
-                  <c:v>0.017400</c:v>
-                </c:pt>
-                <c:pt idx="1">
-                  <c:v>0.017267</c:v>
-                </c:pt>
-                <c:pt idx="2">
-                  <c:v>0.874930</c:v>
-                </c:pt>
-              </c:numCache>
-            </c:numRef>
-          </c:val>
-          <c:smooth val="0"/>
-        </c:ser>
-        <c:ser>
-          <c:idx val="3"/>
-          <c:order val="3"/>
-          <c:tx>
-            <c:strRef>
-              <c:f>Sheet1!$E$1</c:f>
-              <c:strCache>
-                <c:ptCount val="1"/>
-                <c:pt idx="0">
-                  <c:v>1 CPU+ 1 GPU</c:v>
-                </c:pt>
-              </c:strCache>
-            </c:strRef>
-          </c:tx>
-          <c:spPr>
-            <a:solidFill>
-              <a:srgbClr val="CCFFFF"/>
-            </a:solidFill>
-            <a:ln w="12700" cap="flat">
-              <a:solidFill>
-                <a:srgbClr val="FFCC00"/>
-              </a:solidFill>
-              <a:prstDash val="solid"/>
-              <a:round/>
-            </a:ln>
-            <a:effectLst/>
-          </c:spPr>
-          <c:marker>
-            <c:symbol val="none"/>
-            <c:size val="4"/>
-            <c:spPr>
-              <a:solidFill>
-                <a:srgbClr val="CCFFFF"/>
-              </a:solidFill>
-              <a:ln w="12700" cap="flat">
-                <a:solidFill>
-                  <a:srgbClr val="FFCC00"/>
-                </a:solidFill>
-                <a:prstDash val="solid"/>
-                <a:round/>
-              </a:ln>
-              <a:effectLst/>
-            </c:spPr>
-          </c:marker>
-          <c:dLbls>
-            <c:numFmt formatCode="#,##0" sourceLinked="0"/>
-            <c:txPr>
-              <a:bodyPr/>
-              <a:lstStyle/>
-              <a:p>
-                <a:pPr>
-                  <a:defRPr b="0" i="0" strike="noStrike" sz="1800" u="none">
-                    <a:solidFill>
-                      <a:srgbClr val="000000"/>
-                    </a:solidFill>
-                    <a:latin typeface="Calibri"/>
-                  </a:defRPr>
-                </a:pPr>
-              </a:p>
-            </c:txPr>
-            <c:dLblPos val="t"/>
-            <c:showLegendKey val="0"/>
-            <c:showVal val="0"/>
-            <c:showCatName val="0"/>
-            <c:showSerName val="0"/>
-            <c:showPercent val="0"/>
-            <c:showBubbleSize val="0"/>
-            <c:showLeaderLines val="0"/>
-          </c:dLbls>
-          <c:cat>
-            <c:strRef>
-              <c:f>Sheet1!$A$2:$A$4</c:f>
-              <c:strCache>
-                <c:ptCount val="3"/>
-                <c:pt idx="0">
-                  <c:v>5</c:v>
-                </c:pt>
-                <c:pt idx="1">
-                  <c:v>10</c:v>
-                </c:pt>
-                <c:pt idx="2">
-                  <c:v>25</c:v>
-                </c:pt>
-              </c:strCache>
-            </c:strRef>
-          </c:cat>
-          <c:val>
-            <c:numRef>
-              <c:f>Sheet1!$E$2:$E$4</c:f>
-              <c:numCache>
-                <c:ptCount val="3"/>
-                <c:pt idx="0">
-                  <c:v>0.001800</c:v>
-                </c:pt>
-                <c:pt idx="1">
-                  <c:v>0.003865</c:v>
-                </c:pt>
-                <c:pt idx="2">
-                  <c:v>0.013306</c:v>
+                  <c:v>0.133061</c:v>
                 </c:pt>
               </c:numCache>
             </c:numRef>
@@ -1210,7 +1005,6 @@
       <c:valAx>
         <c:axId val="2094734553"/>
         <c:scaling>
-          <c:logBase val="10"/>
           <c:orientation val="minMax"/>
         </c:scaling>
         <c:delete val="0"/>
@@ -1256,6 +1050,8 @@
         <c:crossAx val="2094734552"/>
         <c:crosses val="autoZero"/>
         <c:crossBetween val="between"/>
+        <c:majorUnit val="0.225"/>
+        <c:minorUnit val="0.1125"/>
       </c:valAx>
       <c:spPr>
         <a:solidFill>
@@ -1277,7 +1073,7 @@
           <c:x val="0.768151"/>
           <c:y val="0.210756"/>
           <c:w val="0.231849"/>
-          <c:h val="0.103465"/>
+          <c:h val="0.0642326"/>
         </c:manualLayout>
       </c:layout>
       <c:overlay val="1"/>
@@ -1493,7 +1289,7 @@
       <p:sp>
         <p:nvSpPr>
           <p:cNvPr id="11" name="Title Text"/>
-          <p:cNvSpPr/>
+          <p:cNvSpPr txBox="1"/>
           <p:nvPr>
             <p:ph type="title"/>
           </p:nvPr>
@@ -1525,7 +1321,7 @@
       <p:sp>
         <p:nvSpPr>
           <p:cNvPr id="12" name="Body Level One…"/>
-          <p:cNvSpPr/>
+          <p:cNvSpPr txBox="1"/>
           <p:nvPr>
             <p:ph type="body" sz="quarter" idx="1"/>
           </p:nvPr>
@@ -1608,7 +1404,7 @@
       <p:sp>
         <p:nvSpPr>
           <p:cNvPr id="13" name="Slide Number"/>
-          <p:cNvSpPr/>
+          <p:cNvSpPr txBox="1"/>
           <p:nvPr>
             <p:ph type="sldNum" sz="quarter" idx="2"/>
           </p:nvPr>
@@ -1656,7 +1452,7 @@
       <p:sp>
         <p:nvSpPr>
           <p:cNvPr id="92" name="Title Text"/>
-          <p:cNvSpPr/>
+          <p:cNvSpPr txBox="1"/>
           <p:nvPr>
             <p:ph type="title"/>
           </p:nvPr>
@@ -1680,7 +1476,7 @@
       <p:sp>
         <p:nvSpPr>
           <p:cNvPr id="93" name="Body Level One…"/>
-          <p:cNvSpPr/>
+          <p:cNvSpPr txBox="1"/>
           <p:nvPr>
             <p:ph type="body" idx="1"/>
           </p:nvPr>
@@ -1728,7 +1524,7 @@
       <p:sp>
         <p:nvSpPr>
           <p:cNvPr id="94" name="Slide Number"/>
-          <p:cNvSpPr/>
+          <p:cNvSpPr txBox="1"/>
           <p:nvPr>
             <p:ph type="sldNum" sz="quarter" idx="2"/>
           </p:nvPr>
@@ -1776,7 +1572,7 @@
       <p:sp>
         <p:nvSpPr>
           <p:cNvPr id="101" name="Title Text"/>
-          <p:cNvSpPr/>
+          <p:cNvSpPr txBox="1"/>
           <p:nvPr>
             <p:ph type="title"/>
           </p:nvPr>
@@ -1804,7 +1600,7 @@
       <p:sp>
         <p:nvSpPr>
           <p:cNvPr id="102" name="Body Level One…"/>
-          <p:cNvSpPr/>
+          <p:cNvSpPr txBox="1"/>
           <p:nvPr>
             <p:ph type="body" idx="1"/>
           </p:nvPr>
@@ -1856,7 +1652,7 @@
       <p:sp>
         <p:nvSpPr>
           <p:cNvPr id="103" name="Slide Number"/>
-          <p:cNvSpPr/>
+          <p:cNvSpPr txBox="1"/>
           <p:nvPr>
             <p:ph type="sldNum" sz="quarter" idx="2"/>
           </p:nvPr>
@@ -1904,7 +1700,7 @@
       <p:sp>
         <p:nvSpPr>
           <p:cNvPr id="20" name="Title Text"/>
-          <p:cNvSpPr/>
+          <p:cNvSpPr txBox="1"/>
           <p:nvPr>
             <p:ph type="title"/>
           </p:nvPr>
@@ -1928,7 +1724,7 @@
       <p:sp>
         <p:nvSpPr>
           <p:cNvPr id="21" name="Body Level One…"/>
-          <p:cNvSpPr/>
+          <p:cNvSpPr txBox="1"/>
           <p:nvPr>
             <p:ph type="body" idx="1"/>
           </p:nvPr>
@@ -1976,7 +1772,7 @@
       <p:sp>
         <p:nvSpPr>
           <p:cNvPr id="22" name="Slide Number"/>
-          <p:cNvSpPr/>
+          <p:cNvSpPr txBox="1"/>
           <p:nvPr>
             <p:ph type="sldNum" sz="quarter" idx="2"/>
           </p:nvPr>
@@ -2024,7 +1820,7 @@
       <p:sp>
         <p:nvSpPr>
           <p:cNvPr id="29" name="Title Text"/>
-          <p:cNvSpPr/>
+          <p:cNvSpPr txBox="1"/>
           <p:nvPr>
             <p:ph type="title"/>
           </p:nvPr>
@@ -2056,7 +1852,7 @@
       <p:sp>
         <p:nvSpPr>
           <p:cNvPr id="30" name="Body Level One…"/>
-          <p:cNvSpPr/>
+          <p:cNvSpPr txBox="1"/>
           <p:nvPr>
             <p:ph type="body" sz="quarter" idx="1"/>
           </p:nvPr>
@@ -2159,7 +1955,7 @@
       <p:sp>
         <p:nvSpPr>
           <p:cNvPr id="31" name="Slide Number"/>
-          <p:cNvSpPr/>
+          <p:cNvSpPr txBox="1"/>
           <p:nvPr>
             <p:ph type="sldNum" sz="quarter" idx="2"/>
           </p:nvPr>
@@ -2207,7 +2003,7 @@
       <p:sp>
         <p:nvSpPr>
           <p:cNvPr id="38" name="Title Text"/>
-          <p:cNvSpPr/>
+          <p:cNvSpPr txBox="1"/>
           <p:nvPr>
             <p:ph type="title"/>
           </p:nvPr>
@@ -2231,7 +2027,7 @@
       <p:sp>
         <p:nvSpPr>
           <p:cNvPr id="39" name="Body Level One…"/>
-          <p:cNvSpPr/>
+          <p:cNvSpPr txBox="1"/>
           <p:nvPr>
             <p:ph type="body" sz="half" idx="1"/>
           </p:nvPr>
@@ -2283,7 +2079,7 @@
       <p:sp>
         <p:nvSpPr>
           <p:cNvPr id="40" name="Slide Number"/>
-          <p:cNvSpPr/>
+          <p:cNvSpPr txBox="1"/>
           <p:nvPr>
             <p:ph type="sldNum" sz="quarter" idx="2"/>
           </p:nvPr>
@@ -2331,7 +2127,7 @@
       <p:sp>
         <p:nvSpPr>
           <p:cNvPr id="47" name="Title Text"/>
-          <p:cNvSpPr/>
+          <p:cNvSpPr txBox="1"/>
           <p:nvPr>
             <p:ph type="title"/>
           </p:nvPr>
@@ -2359,7 +2155,7 @@
       <p:sp>
         <p:nvSpPr>
           <p:cNvPr id="48" name="Body Level One…"/>
-          <p:cNvSpPr/>
+          <p:cNvSpPr txBox="1"/>
           <p:nvPr>
             <p:ph type="body" sz="quarter" idx="1"/>
           </p:nvPr>
@@ -2472,7 +2268,7 @@
       <p:sp>
         <p:nvSpPr>
           <p:cNvPr id="50" name="Slide Number"/>
-          <p:cNvSpPr/>
+          <p:cNvSpPr txBox="1"/>
           <p:nvPr>
             <p:ph type="sldNum" sz="quarter" idx="2"/>
           </p:nvPr>
@@ -2520,7 +2316,7 @@
       <p:sp>
         <p:nvSpPr>
           <p:cNvPr id="57" name="Title Text"/>
-          <p:cNvSpPr/>
+          <p:cNvSpPr txBox="1"/>
           <p:nvPr>
             <p:ph type="title"/>
           </p:nvPr>
@@ -2544,7 +2340,7 @@
       <p:sp>
         <p:nvSpPr>
           <p:cNvPr id="58" name="Slide Number"/>
-          <p:cNvSpPr/>
+          <p:cNvSpPr txBox="1"/>
           <p:nvPr>
             <p:ph type="sldNum" sz="quarter" idx="2"/>
           </p:nvPr>
@@ -2592,7 +2388,7 @@
       <p:sp>
         <p:nvSpPr>
           <p:cNvPr id="65" name="Slide Number"/>
-          <p:cNvSpPr/>
+          <p:cNvSpPr txBox="1"/>
           <p:nvPr>
             <p:ph type="sldNum" sz="quarter" idx="2"/>
           </p:nvPr>
@@ -2640,7 +2436,7 @@
       <p:sp>
         <p:nvSpPr>
           <p:cNvPr id="72" name="Title Text"/>
-          <p:cNvSpPr/>
+          <p:cNvSpPr txBox="1"/>
           <p:nvPr>
             <p:ph type="title"/>
           </p:nvPr>
@@ -2672,7 +2468,7 @@
       <p:sp>
         <p:nvSpPr>
           <p:cNvPr id="73" name="Body Level One…"/>
-          <p:cNvSpPr/>
+          <p:cNvSpPr txBox="1"/>
           <p:nvPr>
             <p:ph type="body" sz="half" idx="1"/>
           </p:nvPr>
@@ -2748,7 +2544,7 @@
         <p:spPr>
           <a:xfrm>
             <a:off x="839787" y="2057400"/>
-            <a:ext cx="3932239" cy="3811588"/>
+            <a:ext cx="3932238" cy="3811588"/>
           </a:xfrm>
           <a:prstGeom prst="rect">
             <a:avLst/>
@@ -2770,7 +2566,7 @@
       <p:sp>
         <p:nvSpPr>
           <p:cNvPr id="75" name="Slide Number"/>
-          <p:cNvSpPr/>
+          <p:cNvSpPr txBox="1"/>
           <p:nvPr>
             <p:ph type="sldNum" sz="quarter" idx="2"/>
           </p:nvPr>
@@ -2818,7 +2614,7 @@
       <p:sp>
         <p:nvSpPr>
           <p:cNvPr id="82" name="Title Text"/>
-          <p:cNvSpPr/>
+          <p:cNvSpPr txBox="1"/>
           <p:nvPr>
             <p:ph type="title"/>
           </p:nvPr>
@@ -2877,7 +2673,7 @@
       <p:sp>
         <p:nvSpPr>
           <p:cNvPr id="84" name="Body Level One…"/>
-          <p:cNvSpPr/>
+          <p:cNvSpPr txBox="1"/>
           <p:nvPr>
             <p:ph type="body" sz="quarter" idx="1"/>
           </p:nvPr>
@@ -2960,7 +2756,7 @@
       <p:sp>
         <p:nvSpPr>
           <p:cNvPr id="85" name="Slide Number"/>
-          <p:cNvSpPr/>
+          <p:cNvSpPr txBox="1"/>
           <p:nvPr>
             <p:ph type="sldNum" sz="quarter" idx="2"/>
           </p:nvPr>
@@ -3015,7 +2811,7 @@
       <p:sp>
         <p:nvSpPr>
           <p:cNvPr id="2" name="Title Text"/>
-          <p:cNvSpPr/>
+          <p:cNvSpPr txBox="1"/>
           <p:nvPr>
             <p:ph type="title"/>
           </p:nvPr>
@@ -3053,7 +2849,7 @@
       <p:sp>
         <p:nvSpPr>
           <p:cNvPr id="3" name="Body Level One…"/>
-          <p:cNvSpPr/>
+          <p:cNvSpPr txBox="1"/>
           <p:nvPr>
             <p:ph type="body" idx="1"/>
           </p:nvPr>
@@ -3115,7 +2911,7 @@
       <p:sp>
         <p:nvSpPr>
           <p:cNvPr id="4" name="Slide Number"/>
-          <p:cNvSpPr/>
+          <p:cNvSpPr txBox="1"/>
           <p:nvPr>
             <p:ph type="sldNum" sz="quarter" idx="2"/>
           </p:nvPr>
@@ -4011,7 +3807,7 @@
       <p:sp>
         <p:nvSpPr>
           <p:cNvPr id="113" name="TextBox 2"/>
-          <p:cNvSpPr/>
+          <p:cNvSpPr txBox="1"/>
           <p:nvPr/>
         </p:nvSpPr>
         <p:spPr>
@@ -4068,13 +3864,13 @@
       <p:sp>
         <p:nvSpPr>
           <p:cNvPr id="114" name="TextBox 3"/>
-          <p:cNvSpPr/>
+          <p:cNvSpPr txBox="1"/>
           <p:nvPr/>
         </p:nvSpPr>
         <p:spPr>
           <a:xfrm>
-            <a:off x="7468094" y="4079630"/>
-            <a:ext cx="4723906" cy="2125351"/>
+            <a:off x="7468095" y="4079630"/>
+            <a:ext cx="4723905" cy="2125351"/>
           </a:xfrm>
           <a:prstGeom prst="rect">
             <a:avLst/>
@@ -4233,8 +4029,8 @@
           <p:nvPr/>
         </p:nvGraphicFramePr>
         <p:xfrm>
-          <a:off x="1769104" y="1756728"/>
-          <a:ext cx="7765477" cy="3433468"/>
+          <a:off x="2460393" y="1712266"/>
+          <a:ext cx="7585644" cy="3433468"/>
         </p:xfrm>
         <a:graphic xmlns:a="http://schemas.openxmlformats.org/drawingml/2006/main">
           <a:graphicData uri="http://schemas.openxmlformats.org/drawingml/2006/chart">
@@ -4245,13 +4041,13 @@
       <p:sp>
         <p:nvSpPr>
           <p:cNvPr id="175" name="Заголовок 2"/>
-          <p:cNvSpPr/>
+          <p:cNvSpPr txBox="1"/>
           <p:nvPr/>
         </p:nvSpPr>
         <p:spPr>
           <a:xfrm>
-            <a:off x="838200" y="365125"/>
-            <a:ext cx="10515600" cy="1325563"/>
+            <a:off x="838200" y="1153043"/>
+            <a:ext cx="10515600" cy="1325564"/>
           </a:xfrm>
           <a:prstGeom prst="rect">
             <a:avLst/>
@@ -4290,6 +4086,78 @@
             </a:r>
             <a:r>
               <a:t>чардсона на різних архітектурах</a:t>
+            </a:r>
+          </a:p>
+        </p:txBody>
+      </p:sp>
+      <p:sp>
+        <p:nvSpPr>
+          <p:cNvPr id="176" name="TextBox 2"/>
+          <p:cNvSpPr txBox="1"/>
+          <p:nvPr/>
+        </p:nvSpPr>
+        <p:spPr>
+          <a:xfrm>
+            <a:off x="334107" y="280477"/>
+            <a:ext cx="11523786" cy="691330"/>
+          </a:xfrm>
+          <a:prstGeom prst="rect">
+            <a:avLst/>
+          </a:prstGeom>
+          <a:ln w="12700">
+            <a:miter lim="400000"/>
+          </a:ln>
+          <a:extLst>
+            <a:ext uri="{C572A759-6A51-4108-AA02-DFA0A04FC94B}">
+              <ma14:wrappingTextBoxFlag xmlns:ma14="http://schemas.microsoft.com/office/mac/drawingml/2011/main" val="1"/>
+            </a:ext>
+          </a:extLst>
+        </p:spPr>
+        <p:txBody>
+          <a:bodyPr lIns="45719" rIns="45719">
+            <a:spAutoFit/>
+          </a:bodyPr>
+          <a:lstStyle/>
+          <a:p>
+            <a:pPr algn="ctr">
+              <a:defRPr b="1" sz="2400">
+                <a:effectLst>
+                  <a:outerShdw sx="100000" sy="100000" kx="0" ky="0" algn="b" rotWithShape="0" blurRad="38100" dist="19050" dir="2700000">
+                    <a:srgbClr val="000000">
+                      <a:alpha val="40000"/>
+                    </a:srgbClr>
+                  </a:outerShdw>
+                </a:effectLst>
+                <a:latin typeface="Times New Roman"/>
+                <a:ea typeface="Times New Roman"/>
+                <a:cs typeface="Times New Roman"/>
+                <a:sym typeface="Times New Roman"/>
+              </a:defRPr>
+            </a:pPr>
+            <a:r>
+              <a:t>ЧАСТИНА 3. </a:t>
+            </a:r>
+          </a:p>
+          <a:p>
+            <a:pPr algn="ctr">
+              <a:defRPr b="1">
+                <a:effectLst>
+                  <a:outerShdw sx="100000" sy="100000" kx="0" ky="0" algn="b" rotWithShape="0" blurRad="38100" dist="19050" dir="2700000">
+                    <a:srgbClr val="000000">
+                      <a:alpha val="40000"/>
+                    </a:srgbClr>
+                  </a:outerShdw>
+                </a:effectLst>
+              </a:defRPr>
+            </a:pPr>
+            <a:r>
+              <a:rPr>
+                <a:latin typeface="Times New Roman"/>
+                <a:ea typeface="Times New Roman"/>
+                <a:cs typeface="Times New Roman"/>
+                <a:sym typeface="Times New Roman"/>
+              </a:rPr>
+              <a:t>ПАРАЛЕЛЬНІ АЛГОРИТМИ ТА ЧИСЕЛЬНІ ЕКСПЕРИМЕНТИ АРХІТЕКТУРИ 1 CPU + 1 GPU</a:t>
             </a:r>
           </a:p>
         </p:txBody>
@@ -4322,7 +4190,7 @@
       </p:grpSpPr>
       <p:pic>
         <p:nvPicPr>
-          <p:cNvPr id="177" name="Рисунок 3" descr="Рисунок 3"/>
+          <p:cNvPr id="178" name="Рисунок 3" descr="Рисунок 3"/>
           <p:cNvPicPr>
             <a:picLocks noChangeAspect="1"/>
           </p:cNvPicPr>
@@ -4351,12 +4219,12 @@
       </p:pic>
       <p:graphicFrame>
         <p:nvGraphicFramePr>
-          <p:cNvPr id="178" name="2D Line Chart"/>
+          <p:cNvPr id="179" name="2D Line Chart"/>
           <p:cNvGraphicFramePr/>
           <p:nvPr/>
         </p:nvGraphicFramePr>
         <p:xfrm>
-          <a:off x="1790439" y="1478831"/>
+          <a:off x="2094548" y="1976464"/>
           <a:ext cx="7317830" cy="3560817"/>
         </p:xfrm>
         <a:graphic xmlns:a="http://schemas.openxmlformats.org/drawingml/2006/main">
@@ -4367,14 +4235,14 @@
       </p:graphicFrame>
       <p:sp>
         <p:nvSpPr>
-          <p:cNvPr id="179" name="Заголовок 2"/>
-          <p:cNvSpPr/>
+          <p:cNvPr id="180" name="Заголовок 2"/>
+          <p:cNvSpPr txBox="1"/>
           <p:nvPr/>
         </p:nvSpPr>
         <p:spPr>
           <a:xfrm>
-            <a:off x="838200" y="365125"/>
-            <a:ext cx="10515600" cy="1325563"/>
+            <a:off x="838200" y="1194512"/>
+            <a:ext cx="10515600" cy="1325564"/>
           </a:xfrm>
           <a:prstGeom prst="rect">
             <a:avLst/>
@@ -4413,6 +4281,78 @@
           </a:p>
         </p:txBody>
       </p:sp>
+      <p:sp>
+        <p:nvSpPr>
+          <p:cNvPr id="181" name="TextBox 2"/>
+          <p:cNvSpPr txBox="1"/>
+          <p:nvPr/>
+        </p:nvSpPr>
+        <p:spPr>
+          <a:xfrm>
+            <a:off x="334107" y="266654"/>
+            <a:ext cx="11523786" cy="691330"/>
+          </a:xfrm>
+          <a:prstGeom prst="rect">
+            <a:avLst/>
+          </a:prstGeom>
+          <a:ln w="12700">
+            <a:miter lim="400000"/>
+          </a:ln>
+          <a:extLst>
+            <a:ext uri="{C572A759-6A51-4108-AA02-DFA0A04FC94B}">
+              <ma14:wrappingTextBoxFlag xmlns:ma14="http://schemas.microsoft.com/office/mac/drawingml/2011/main" val="1"/>
+            </a:ext>
+          </a:extLst>
+        </p:spPr>
+        <p:txBody>
+          <a:bodyPr lIns="45719" rIns="45719">
+            <a:spAutoFit/>
+          </a:bodyPr>
+          <a:lstStyle/>
+          <a:p>
+            <a:pPr algn="ctr">
+              <a:defRPr b="1" sz="2400">
+                <a:effectLst>
+                  <a:outerShdw sx="100000" sy="100000" kx="0" ky="0" algn="b" rotWithShape="0" blurRad="38100" dist="19050" dir="2700000">
+                    <a:srgbClr val="000000">
+                      <a:alpha val="40000"/>
+                    </a:srgbClr>
+                  </a:outerShdw>
+                </a:effectLst>
+                <a:latin typeface="Times New Roman"/>
+                <a:ea typeface="Times New Roman"/>
+                <a:cs typeface="Times New Roman"/>
+                <a:sym typeface="Times New Roman"/>
+              </a:defRPr>
+            </a:pPr>
+            <a:r>
+              <a:t>ЧАСТИНА 3. </a:t>
+            </a:r>
+          </a:p>
+          <a:p>
+            <a:pPr algn="ctr">
+              <a:defRPr b="1">
+                <a:effectLst>
+                  <a:outerShdw sx="100000" sy="100000" kx="0" ky="0" algn="b" rotWithShape="0" blurRad="38100" dist="19050" dir="2700000">
+                    <a:srgbClr val="000000">
+                      <a:alpha val="40000"/>
+                    </a:srgbClr>
+                  </a:outerShdw>
+                </a:effectLst>
+              </a:defRPr>
+            </a:pPr>
+            <a:r>
+              <a:rPr>
+                <a:latin typeface="Times New Roman"/>
+                <a:ea typeface="Times New Roman"/>
+                <a:cs typeface="Times New Roman"/>
+                <a:sym typeface="Times New Roman"/>
+              </a:rPr>
+              <a:t>ПАРАЛЕЛЬНІ АЛГОРИТМИ ТА ЧИСЕЛЬНІ ЕКСПЕРИМЕНТИ АРХІТЕКТУРИ 1 CPU + 1 GPU</a:t>
+            </a:r>
+          </a:p>
+        </p:txBody>
+      </p:sp>
     </p:spTree>
   </p:cSld>
   <p:clrMapOvr>
@@ -4441,7 +4381,2814 @@
       </p:grpSpPr>
       <p:pic>
         <p:nvPicPr>
-          <p:cNvPr id="181" name="Рисунок 1" descr="Рисунок 1"/>
+          <p:cNvPr id="183" name="Рисунок 1" descr="Рисунок 1"/>
+          <p:cNvPicPr>
+            <a:picLocks noChangeAspect="1"/>
+          </p:cNvPicPr>
+          <p:nvPr/>
+        </p:nvPicPr>
+        <p:blipFill>
+          <a:blip r:embed="rId2">
+            <a:extLst/>
+          </a:blip>
+          <a:stretch>
+            <a:fillRect/>
+          </a:stretch>
+        </p:blipFill>
+        <p:spPr>
+          <a:xfrm rot="10800000">
+            <a:off x="6072552" y="3845319"/>
+            <a:ext cx="6119448" cy="3985542"/>
+          </a:xfrm>
+          <a:prstGeom prst="rect">
+            <a:avLst/>
+          </a:prstGeom>
+          <a:ln w="12700">
+            <a:miter lim="400000"/>
+          </a:ln>
+        </p:spPr>
+      </p:pic>
+      <p:sp>
+        <p:nvSpPr>
+          <p:cNvPr id="184" name="TextBox 2"/>
+          <p:cNvSpPr txBox="1"/>
+          <p:nvPr/>
+        </p:nvSpPr>
+        <p:spPr>
+          <a:xfrm>
+            <a:off x="164122" y="363415"/>
+            <a:ext cx="11523785" cy="691330"/>
+          </a:xfrm>
+          <a:prstGeom prst="rect">
+            <a:avLst/>
+          </a:prstGeom>
+          <a:ln w="12700">
+            <a:miter lim="400000"/>
+          </a:ln>
+          <a:extLst>
+            <a:ext uri="{C572A759-6A51-4108-AA02-DFA0A04FC94B}">
+              <ma14:wrappingTextBoxFlag xmlns:ma14="http://schemas.microsoft.com/office/mac/drawingml/2011/main" val="1"/>
+            </a:ext>
+          </a:extLst>
+        </p:spPr>
+        <p:txBody>
+          <a:bodyPr lIns="45719" rIns="45719">
+            <a:spAutoFit/>
+          </a:bodyPr>
+          <a:lstStyle/>
+          <a:p>
+            <a:pPr algn="ctr">
+              <a:defRPr b="1" sz="2400">
+                <a:effectLst>
+                  <a:outerShdw sx="100000" sy="100000" kx="0" ky="0" algn="b" rotWithShape="0" blurRad="38100" dist="19050" dir="2700000">
+                    <a:srgbClr val="000000">
+                      <a:alpha val="40000"/>
+                    </a:srgbClr>
+                  </a:outerShdw>
+                </a:effectLst>
+                <a:latin typeface="Times New Roman"/>
+                <a:ea typeface="Times New Roman"/>
+                <a:cs typeface="Times New Roman"/>
+                <a:sym typeface="Times New Roman"/>
+              </a:defRPr>
+            </a:pPr>
+            <a:r>
+              <a:t>ЧАСТИНА 4. </a:t>
+            </a:r>
+          </a:p>
+          <a:p>
+            <a:pPr algn="ctr">
+              <a:defRPr b="1">
+                <a:effectLst>
+                  <a:outerShdw sx="100000" sy="100000" kx="0" ky="0" algn="b" rotWithShape="0" blurRad="38100" dist="19050" dir="2700000">
+                    <a:srgbClr val="000000">
+                      <a:alpha val="40000"/>
+                    </a:srgbClr>
+                  </a:outerShdw>
+                </a:effectLst>
+                <a:latin typeface="Times New Roman"/>
+                <a:ea typeface="Times New Roman"/>
+                <a:cs typeface="Times New Roman"/>
+                <a:sym typeface="Times New Roman"/>
+              </a:defRPr>
+            </a:pPr>
+            <a:r>
+              <a:t>ПАРАЛЕЛЬНІ АЛГОРИТМИ ТА ЧИСЕЛЬНІ ЕКСПЕРИМЕНТИ АРХІТЕКТУРИ 1 CPU + 2 GPU</a:t>
+            </a:r>
+          </a:p>
+        </p:txBody>
+      </p:sp>
+      <p:pic>
+        <p:nvPicPr>
+          <p:cNvPr id="185" name="Рисунок 3" descr="Рисунок 3"/>
+          <p:cNvPicPr>
+            <a:picLocks noChangeAspect="1"/>
+          </p:cNvPicPr>
+          <p:nvPr/>
+        </p:nvPicPr>
+        <p:blipFill>
+          <a:blip r:embed="rId3">
+            <a:extLst/>
+          </a:blip>
+          <a:stretch>
+            <a:fillRect/>
+          </a:stretch>
+        </p:blipFill>
+        <p:spPr>
+          <a:xfrm>
+            <a:off x="3816225" y="712667"/>
+            <a:ext cx="4219576" cy="1076326"/>
+          </a:xfrm>
+          <a:prstGeom prst="rect">
+            <a:avLst/>
+          </a:prstGeom>
+          <a:ln w="12700">
+            <a:miter lim="400000"/>
+          </a:ln>
+        </p:spPr>
+      </p:pic>
+      <p:sp>
+        <p:nvSpPr>
+          <p:cNvPr id="186" name="TextBox 4"/>
+          <p:cNvSpPr txBox="1"/>
+          <p:nvPr/>
+        </p:nvSpPr>
+        <p:spPr>
+          <a:xfrm>
+            <a:off x="375136" y="1558158"/>
+            <a:ext cx="11394831" cy="421393"/>
+          </a:xfrm>
+          <a:prstGeom prst="rect">
+            <a:avLst/>
+          </a:prstGeom>
+          <a:ln w="12700">
+            <a:miter lim="400000"/>
+          </a:ln>
+          <a:extLst>
+            <a:ext uri="{C572A759-6A51-4108-AA02-DFA0A04FC94B}">
+              <ma14:wrappingTextBoxFlag xmlns:ma14="http://schemas.microsoft.com/office/mac/drawingml/2011/main" val="1"/>
+            </a:ext>
+          </a:extLst>
+        </p:spPr>
+        <p:txBody>
+          <a:bodyPr lIns="45719" rIns="45719">
+            <a:spAutoFit/>
+          </a:bodyPr>
+          <a:lstStyle>
+            <a:lvl1pPr algn="ctr">
+              <a:defRPr b="1" sz="2400">
+                <a:effectLst>
+                  <a:outerShdw sx="100000" sy="100000" kx="0" ky="0" algn="b" rotWithShape="0" blurRad="38100" dist="38100" dir="2700000">
+                    <a:srgbClr val="000000">
+                      <a:alpha val="43137"/>
+                    </a:srgbClr>
+                  </a:outerShdw>
+                </a:effectLst>
+                <a:latin typeface="Times New Roman"/>
+                <a:ea typeface="Times New Roman"/>
+                <a:cs typeface="Times New Roman"/>
+                <a:sym typeface="Times New Roman"/>
+              </a:defRPr>
+            </a:lvl1pPr>
+          </a:lstStyle>
+          <a:p>
+            <a:pPr/>
+            <a:r>
+              <a:t>Розбиття блоків</a:t>
+            </a:r>
+          </a:p>
+        </p:txBody>
+      </p:sp>
+      <p:pic>
+        <p:nvPicPr>
+          <p:cNvPr id="187" name="pasted-image.png" descr="pasted-image.png"/>
+          <p:cNvPicPr>
+            <a:picLocks noChangeAspect="1"/>
+          </p:cNvPicPr>
+          <p:nvPr/>
+        </p:nvPicPr>
+        <p:blipFill>
+          <a:blip r:embed="rId4">
+            <a:extLst/>
+          </a:blip>
+          <a:stretch>
+            <a:fillRect/>
+          </a:stretch>
+        </p:blipFill>
+        <p:spPr>
+          <a:xfrm>
+            <a:off x="4104587" y="2108197"/>
+            <a:ext cx="3642855" cy="4249996"/>
+          </a:xfrm>
+          <a:prstGeom prst="rect">
+            <a:avLst/>
+          </a:prstGeom>
+          <a:ln w="12700">
+            <a:miter lim="400000"/>
+          </a:ln>
+        </p:spPr>
+      </p:pic>
+    </p:spTree>
+  </p:cSld>
+  <p:clrMapOvr>
+    <a:masterClrMapping/>
+  </p:clrMapOvr>
+  <p:transition xmlns:p14="http://schemas.microsoft.com/office/powerpoint/2010/main" spd="med" advClick="1"/>
+</p:sld>
+</file>
+
+<file path=ppt/slides/slide13.xml><?xml version="1.0" encoding="utf-8"?>
+<p:sld xmlns:a="http://schemas.openxmlformats.org/drawingml/2006/main" xmlns:r="http://schemas.openxmlformats.org/officeDocument/2006/relationships" xmlns:p="http://schemas.openxmlformats.org/presentationml/2006/main" showMasterSp="1" showMasterPhAnim="1">
+  <p:cSld>
+    <p:spTree>
+      <p:nvGrpSpPr>
+        <p:cNvPr id="1" name=""/>
+        <p:cNvGrpSpPr/>
+        <p:nvPr/>
+      </p:nvGrpSpPr>
+      <p:grpSpPr>
+        <a:xfrm>
+          <a:off x="0" y="0"/>
+          <a:ext cx="0" cy="0"/>
+          <a:chOff x="0" y="0"/>
+          <a:chExt cx="0" cy="0"/>
+        </a:xfrm>
+      </p:grpSpPr>
+      <p:pic>
+        <p:nvPicPr>
+          <p:cNvPr id="189" name="Рисунок 1" descr="Рисунок 1"/>
+          <p:cNvPicPr>
+            <a:picLocks noChangeAspect="1"/>
+          </p:cNvPicPr>
+          <p:nvPr/>
+        </p:nvPicPr>
+        <p:blipFill>
+          <a:blip r:embed="rId2">
+            <a:extLst/>
+          </a:blip>
+          <a:stretch>
+            <a:fillRect/>
+          </a:stretch>
+        </p:blipFill>
+        <p:spPr>
+          <a:xfrm rot="10800000">
+            <a:off x="6072552" y="3868766"/>
+            <a:ext cx="6119448" cy="3985542"/>
+          </a:xfrm>
+          <a:prstGeom prst="rect">
+            <a:avLst/>
+          </a:prstGeom>
+          <a:ln w="12700">
+            <a:miter lim="400000"/>
+          </a:ln>
+        </p:spPr>
+      </p:pic>
+      <p:pic>
+        <p:nvPicPr>
+          <p:cNvPr id="190" name="Рисунок 3" descr="Рисунок 3"/>
+          <p:cNvPicPr>
+            <a:picLocks noChangeAspect="1"/>
+          </p:cNvPicPr>
+          <p:nvPr/>
+        </p:nvPicPr>
+        <p:blipFill>
+          <a:blip r:embed="rId3">
+            <a:extLst/>
+          </a:blip>
+          <a:stretch>
+            <a:fillRect/>
+          </a:stretch>
+        </p:blipFill>
+        <p:spPr>
+          <a:xfrm>
+            <a:off x="3816225" y="712667"/>
+            <a:ext cx="4219576" cy="1076326"/>
+          </a:xfrm>
+          <a:prstGeom prst="rect">
+            <a:avLst/>
+          </a:prstGeom>
+          <a:ln w="12700">
+            <a:miter lim="400000"/>
+          </a:ln>
+        </p:spPr>
+      </p:pic>
+      <p:sp>
+        <p:nvSpPr>
+          <p:cNvPr id="191" name="TextBox 4"/>
+          <p:cNvSpPr txBox="1"/>
+          <p:nvPr/>
+        </p:nvSpPr>
+        <p:spPr>
+          <a:xfrm>
+            <a:off x="2813536" y="1543664"/>
+            <a:ext cx="6224955" cy="421392"/>
+          </a:xfrm>
+          <a:prstGeom prst="rect">
+            <a:avLst/>
+          </a:prstGeom>
+          <a:ln w="12700">
+            <a:miter lim="400000"/>
+          </a:ln>
+          <a:extLst>
+            <a:ext uri="{C572A759-6A51-4108-AA02-DFA0A04FC94B}">
+              <ma14:wrappingTextBoxFlag xmlns:ma14="http://schemas.microsoft.com/office/mac/drawingml/2011/main" val="1"/>
+            </a:ext>
+          </a:extLst>
+        </p:spPr>
+        <p:txBody>
+          <a:bodyPr lIns="45719" rIns="45719">
+            <a:spAutoFit/>
+          </a:bodyPr>
+          <a:lstStyle>
+            <a:lvl1pPr algn="ctr">
+              <a:defRPr b="1" sz="2400">
+                <a:effectLst>
+                  <a:outerShdw sx="100000" sy="100000" kx="0" ky="0" algn="b" rotWithShape="0" blurRad="38100" dist="38100" dir="2700000">
+                    <a:srgbClr val="000000">
+                      <a:alpha val="43137"/>
+                    </a:srgbClr>
+                  </a:outerShdw>
+                </a:effectLst>
+                <a:latin typeface="Times New Roman"/>
+                <a:ea typeface="Times New Roman"/>
+                <a:cs typeface="Times New Roman"/>
+                <a:sym typeface="Times New Roman"/>
+              </a:defRPr>
+            </a:lvl1pPr>
+          </a:lstStyle>
+          <a:p>
+            <a:pPr/>
+            <a:r>
+              <a:t>Чисельні експерименти</a:t>
+            </a:r>
+          </a:p>
+        </p:txBody>
+      </p:sp>
+      <p:sp>
+        <p:nvSpPr>
+          <p:cNvPr id="192" name="TextBox 8"/>
+          <p:cNvSpPr txBox="1"/>
+          <p:nvPr/>
+        </p:nvSpPr>
+        <p:spPr>
+          <a:xfrm>
+            <a:off x="4642337" y="3974122"/>
+            <a:ext cx="1699848" cy="358141"/>
+          </a:xfrm>
+          <a:prstGeom prst="rect">
+            <a:avLst/>
+          </a:prstGeom>
+          <a:ln w="12700">
+            <a:miter lim="400000"/>
+          </a:ln>
+          <a:extLst>
+            <a:ext uri="{C572A759-6A51-4108-AA02-DFA0A04FC94B}">
+              <ma14:wrappingTextBoxFlag xmlns:ma14="http://schemas.microsoft.com/office/mac/drawingml/2011/main" val="1"/>
+            </a:ext>
+          </a:extLst>
+        </p:spPr>
+        <p:txBody>
+          <a:bodyPr lIns="45719" rIns="45719">
+            <a:spAutoFit/>
+          </a:bodyPr>
+          <a:lstStyle>
+            <a:lvl1pPr algn="ctr"/>
+          </a:lstStyle>
+          <a:p>
+            <a:pPr/>
+            <a:r>
+              <a:t>40 кроків</a:t>
+            </a:r>
+          </a:p>
+        </p:txBody>
+      </p:sp>
+      <p:sp>
+        <p:nvSpPr>
+          <p:cNvPr id="193" name="TextBox 9"/>
+          <p:cNvSpPr txBox="1"/>
+          <p:nvPr/>
+        </p:nvSpPr>
+        <p:spPr>
+          <a:xfrm>
+            <a:off x="4642337" y="6321068"/>
+            <a:ext cx="1699848" cy="358141"/>
+          </a:xfrm>
+          <a:prstGeom prst="rect">
+            <a:avLst/>
+          </a:prstGeom>
+          <a:ln w="12700">
+            <a:miter lim="400000"/>
+          </a:ln>
+          <a:extLst>
+            <a:ext uri="{C572A759-6A51-4108-AA02-DFA0A04FC94B}">
+              <ma14:wrappingTextBoxFlag xmlns:ma14="http://schemas.microsoft.com/office/mac/drawingml/2011/main" val="1"/>
+            </a:ext>
+          </a:extLst>
+        </p:spPr>
+        <p:txBody>
+          <a:bodyPr lIns="45719" rIns="45719">
+            <a:spAutoFit/>
+          </a:bodyPr>
+          <a:lstStyle>
+            <a:lvl1pPr algn="ctr"/>
+          </a:lstStyle>
+          <a:p>
+            <a:pPr/>
+            <a:r>
+              <a:t>160 кроків</a:t>
+            </a:r>
+          </a:p>
+        </p:txBody>
+      </p:sp>
+      <p:sp>
+        <p:nvSpPr>
+          <p:cNvPr id="194" name="Text"/>
+          <p:cNvSpPr txBox="1"/>
+          <p:nvPr/>
+        </p:nvSpPr>
+        <p:spPr>
+          <a:xfrm>
+            <a:off x="2145457" y="2523038"/>
+            <a:ext cx="127001" cy="624841"/>
+          </a:xfrm>
+          <a:prstGeom prst="rect">
+            <a:avLst/>
+          </a:prstGeom>
+          <a:ln w="12700">
+            <a:miter lim="400000"/>
+          </a:ln>
+          <a:extLst>
+            <a:ext uri="{C572A759-6A51-4108-AA02-DFA0A04FC94B}">
+              <ma14:wrappingTextBoxFlag xmlns:ma14="http://schemas.microsoft.com/office/mac/drawingml/2011/main" val="1"/>
+            </a:ext>
+          </a:extLst>
+        </p:spPr>
+        <p:txBody>
+          <a:bodyPr wrap="none" lIns="45719" rIns="45719">
+            <a:spAutoFit/>
+          </a:bodyPr>
+          <a:lstStyle/>
+          <a:p>
+            <a:pPr defTabSz="12700">
+              <a:tabLst>
+                <a:tab pos="355600" algn="l"/>
+                <a:tab pos="711200" algn="l"/>
+                <a:tab pos="1066800" algn="l"/>
+                <a:tab pos="1422400" algn="l"/>
+                <a:tab pos="1778000" algn="l"/>
+                <a:tab pos="2133600" algn="l"/>
+                <a:tab pos="2489200" algn="l"/>
+                <a:tab pos="2844800" algn="l"/>
+                <a:tab pos="3200400" algn="l"/>
+                <a:tab pos="3556000" algn="l"/>
+                <a:tab pos="3911600" algn="l"/>
+                <a:tab pos="4267200" algn="l"/>
+              </a:tabLst>
+              <a:defRPr sz="1200">
+                <a:latin typeface="+mj-lt"/>
+                <a:ea typeface="+mj-ea"/>
+                <a:cs typeface="+mj-cs"/>
+                <a:sym typeface="Helvetica"/>
+              </a:defRPr>
+            </a:pPr>
+          </a:p>
+          <a:p>
+            <a:pPr defTabSz="12700">
+              <a:tabLst>
+                <a:tab pos="355600" algn="l"/>
+                <a:tab pos="711200" algn="l"/>
+                <a:tab pos="1066800" algn="l"/>
+                <a:tab pos="1422400" algn="l"/>
+                <a:tab pos="1778000" algn="l"/>
+                <a:tab pos="2133600" algn="l"/>
+                <a:tab pos="2489200" algn="l"/>
+                <a:tab pos="2844800" algn="l"/>
+                <a:tab pos="3200400" algn="l"/>
+                <a:tab pos="3556000" algn="l"/>
+                <a:tab pos="3911600" algn="l"/>
+                <a:tab pos="4267200" algn="l"/>
+              </a:tabLst>
+              <a:defRPr sz="1200">
+                <a:latin typeface="+mj-lt"/>
+                <a:ea typeface="+mj-ea"/>
+                <a:cs typeface="+mj-cs"/>
+                <a:sym typeface="Helvetica"/>
+              </a:defRPr>
+            </a:pPr>
+          </a:p>
+        </p:txBody>
+      </p:sp>
+      <p:sp>
+        <p:nvSpPr>
+          <p:cNvPr id="195" name="Text"/>
+          <p:cNvSpPr txBox="1"/>
+          <p:nvPr/>
+        </p:nvSpPr>
+        <p:spPr>
+          <a:xfrm>
+            <a:off x="2262733" y="4711441"/>
+            <a:ext cx="127001" cy="624841"/>
+          </a:xfrm>
+          <a:prstGeom prst="rect">
+            <a:avLst/>
+          </a:prstGeom>
+          <a:ln w="12700">
+            <a:miter lim="400000"/>
+          </a:ln>
+          <a:extLst>
+            <a:ext uri="{C572A759-6A51-4108-AA02-DFA0A04FC94B}">
+              <ma14:wrappingTextBoxFlag xmlns:ma14="http://schemas.microsoft.com/office/mac/drawingml/2011/main" val="1"/>
+            </a:ext>
+          </a:extLst>
+        </p:spPr>
+        <p:txBody>
+          <a:bodyPr wrap="none" lIns="45719" rIns="45719">
+            <a:spAutoFit/>
+          </a:bodyPr>
+          <a:lstStyle/>
+          <a:p>
+            <a:pPr defTabSz="12700">
+              <a:tabLst>
+                <a:tab pos="355600" algn="l"/>
+                <a:tab pos="711200" algn="l"/>
+                <a:tab pos="1066800" algn="l"/>
+                <a:tab pos="1422400" algn="l"/>
+                <a:tab pos="1778000" algn="l"/>
+                <a:tab pos="2133600" algn="l"/>
+                <a:tab pos="2489200" algn="l"/>
+                <a:tab pos="2844800" algn="l"/>
+                <a:tab pos="3200400" algn="l"/>
+                <a:tab pos="3556000" algn="l"/>
+                <a:tab pos="3911600" algn="l"/>
+                <a:tab pos="4267200" algn="l"/>
+              </a:tabLst>
+              <a:defRPr sz="1200">
+                <a:latin typeface="+mj-lt"/>
+                <a:ea typeface="+mj-ea"/>
+                <a:cs typeface="+mj-cs"/>
+                <a:sym typeface="Helvetica"/>
+              </a:defRPr>
+            </a:pPr>
+          </a:p>
+          <a:p>
+            <a:pPr defTabSz="12700">
+              <a:tabLst>
+                <a:tab pos="355600" algn="l"/>
+                <a:tab pos="711200" algn="l"/>
+                <a:tab pos="1066800" algn="l"/>
+                <a:tab pos="1422400" algn="l"/>
+                <a:tab pos="1778000" algn="l"/>
+                <a:tab pos="2133600" algn="l"/>
+                <a:tab pos="2489200" algn="l"/>
+                <a:tab pos="2844800" algn="l"/>
+                <a:tab pos="3200400" algn="l"/>
+                <a:tab pos="3556000" algn="l"/>
+                <a:tab pos="3911600" algn="l"/>
+                <a:tab pos="4267200" algn="l"/>
+              </a:tabLst>
+              <a:defRPr sz="1200">
+                <a:latin typeface="+mj-lt"/>
+                <a:ea typeface="+mj-ea"/>
+                <a:cs typeface="+mj-cs"/>
+                <a:sym typeface="Helvetica"/>
+              </a:defRPr>
+            </a:pPr>
+          </a:p>
+        </p:txBody>
+      </p:sp>
+      <p:sp>
+        <p:nvSpPr>
+          <p:cNvPr id="196" name="TextBox 2"/>
+          <p:cNvSpPr txBox="1"/>
+          <p:nvPr/>
+        </p:nvSpPr>
+        <p:spPr>
+          <a:xfrm>
+            <a:off x="164120" y="300702"/>
+            <a:ext cx="11523786" cy="691330"/>
+          </a:xfrm>
+          <a:prstGeom prst="rect">
+            <a:avLst/>
+          </a:prstGeom>
+          <a:ln w="12700">
+            <a:miter lim="400000"/>
+          </a:ln>
+          <a:extLst>
+            <a:ext uri="{C572A759-6A51-4108-AA02-DFA0A04FC94B}">
+              <ma14:wrappingTextBoxFlag xmlns:ma14="http://schemas.microsoft.com/office/mac/drawingml/2011/main" val="1"/>
+            </a:ext>
+          </a:extLst>
+        </p:spPr>
+        <p:txBody>
+          <a:bodyPr lIns="45719" rIns="45719">
+            <a:spAutoFit/>
+          </a:bodyPr>
+          <a:lstStyle/>
+          <a:p>
+            <a:pPr algn="ctr">
+              <a:defRPr b="1" sz="2400">
+                <a:effectLst>
+                  <a:outerShdw sx="100000" sy="100000" kx="0" ky="0" algn="b" rotWithShape="0" blurRad="38100" dist="19050" dir="2700000">
+                    <a:srgbClr val="000000">
+                      <a:alpha val="40000"/>
+                    </a:srgbClr>
+                  </a:outerShdw>
+                </a:effectLst>
+                <a:latin typeface="Times New Roman"/>
+                <a:ea typeface="Times New Roman"/>
+                <a:cs typeface="Times New Roman"/>
+                <a:sym typeface="Times New Roman"/>
+              </a:defRPr>
+            </a:pPr>
+            <a:r>
+              <a:t>ЧАСТИНА 4. </a:t>
+            </a:r>
+          </a:p>
+          <a:p>
+            <a:pPr algn="ctr">
+              <a:defRPr b="1">
+                <a:effectLst>
+                  <a:outerShdw sx="100000" sy="100000" kx="0" ky="0" algn="b" rotWithShape="0" blurRad="38100" dist="19050" dir="2700000">
+                    <a:srgbClr val="000000">
+                      <a:alpha val="40000"/>
+                    </a:srgbClr>
+                  </a:outerShdw>
+                </a:effectLst>
+                <a:latin typeface="Times New Roman"/>
+                <a:ea typeface="Times New Roman"/>
+                <a:cs typeface="Times New Roman"/>
+                <a:sym typeface="Times New Roman"/>
+              </a:defRPr>
+            </a:pPr>
+            <a:r>
+              <a:t>ПАРАЛЕЛЬНІ АЛГОРИТМИ ТА ЧИСЕЛЬНІ ЕКСПЕРИМЕНТИ АРХІТЕКТУРИ 1 CPU + 2 GPU</a:t>
+            </a:r>
+          </a:p>
+        </p:txBody>
+      </p:sp>
+      <p:graphicFrame>
+        <p:nvGraphicFramePr>
+          <p:cNvPr id="197" name="Table"/>
+          <p:cNvGraphicFramePr/>
+          <p:nvPr/>
+        </p:nvGraphicFramePr>
+        <p:xfrm>
+          <a:off x="1709165" y="2285380"/>
+          <a:ext cx="7957555" cy="1567256"/>
+        </p:xfrm>
+        <a:graphic xmlns:a="http://schemas.openxmlformats.org/drawingml/2006/main">
+          <a:graphicData uri="http://schemas.openxmlformats.org/drawingml/2006/table">
+            <a:tbl>
+              <a:tblPr firstCol="0" firstRow="0" lastCol="0" lastRow="0" bandCol="0" bandRow="0" rtl="0">
+                <a:tableStyleId>{4C3C2611-4C71-4FC5-86AE-919BDF0F9419}</a:tableStyleId>
+              </a:tblPr>
+              <a:tblGrid>
+                <a:gridCol w="1868350"/>
+                <a:gridCol w="1082595"/>
+                <a:gridCol w="1833427"/>
+                <a:gridCol w="1274668"/>
+                <a:gridCol w="1885811"/>
+              </a:tblGrid>
+              <a:tr h="388638">
+                <a:tc rowSpan="2">
+                  <a:txBody>
+                    <a:bodyPr/>
+                    <a:lstStyle/>
+                    <a:p>
+                      <a:pPr algn="l">
+                        <a:defRPr sz="1800"/>
+                      </a:pPr>
+                    </a:p>
+                  </a:txBody>
+                  <a:tcPr marL="50800" marR="50800" marT="50800" marB="50800" anchor="t" anchorCtr="0" horzOverflow="overflow">
+                    <a:lnL w="12700">
+                      <a:solidFill>
+                        <a:srgbClr val="000000"/>
+                      </a:solidFill>
+                      <a:miter lim="400000"/>
+                    </a:lnL>
+                    <a:lnR w="12700">
+                      <a:solidFill>
+                        <a:srgbClr val="000000"/>
+                      </a:solidFill>
+                      <a:miter lim="400000"/>
+                    </a:lnR>
+                    <a:lnT w="12700">
+                      <a:solidFill>
+                        <a:srgbClr val="000000"/>
+                      </a:solidFill>
+                      <a:miter lim="400000"/>
+                    </a:lnT>
+                    <a:lnB w="12700">
+                      <a:solidFill>
+                        <a:srgbClr val="000000"/>
+                      </a:solidFill>
+                      <a:miter lim="400000"/>
+                    </a:lnB>
+                  </a:tcPr>
+                </a:tc>
+                <a:tc gridSpan="2">
+                  <a:txBody>
+                    <a:bodyPr/>
+                    <a:lstStyle/>
+                    <a:p>
+                      <a:pPr indent="179704" algn="ctr" defTabSz="449580">
+                        <a:lnSpc>
+                          <a:spcPct val="150000"/>
+                        </a:lnSpc>
+                        <a:defRPr sz="1800"/>
+                      </a:pPr>
+                      <a:r>
+                        <a:rPr sz="1200"/>
+                        <a:t>Метод Річардсона</a:t>
+                      </a:r>
+                    </a:p>
+                  </a:txBody>
+                  <a:tcPr marL="50800" marR="50800" marT="50800" marB="50800" anchor="t" anchorCtr="0" horzOverflow="overflow">
+                    <a:lnL w="12700">
+                      <a:solidFill>
+                        <a:srgbClr val="000000"/>
+                      </a:solidFill>
+                      <a:miter lim="400000"/>
+                    </a:lnL>
+                    <a:lnR w="12700">
+                      <a:solidFill>
+                        <a:srgbClr val="000000"/>
+                      </a:solidFill>
+                      <a:miter lim="400000"/>
+                    </a:lnR>
+                    <a:lnT w="12700">
+                      <a:solidFill>
+                        <a:srgbClr val="000000"/>
+                      </a:solidFill>
+                      <a:miter lim="400000"/>
+                    </a:lnT>
+                    <a:lnB w="12700">
+                      <a:solidFill>
+                        <a:srgbClr val="000000"/>
+                      </a:solidFill>
+                      <a:miter lim="400000"/>
+                    </a:lnB>
+                  </a:tcPr>
+                </a:tc>
+                <a:tc hMerge="1">
+                  <a:tcPr/>
+                </a:tc>
+                <a:tc gridSpan="2">
+                  <a:txBody>
+                    <a:bodyPr/>
+                    <a:lstStyle/>
+                    <a:p>
+                      <a:pPr indent="179704" algn="ctr" defTabSz="449580">
+                        <a:lnSpc>
+                          <a:spcPct val="150000"/>
+                        </a:lnSpc>
+                        <a:defRPr sz="1800"/>
+                      </a:pPr>
+                      <a:r>
+                        <a:rPr sz="1200"/>
+                        <a:t>Mетод верхньої релаксації</a:t>
+                      </a:r>
+                    </a:p>
+                  </a:txBody>
+                  <a:tcPr marL="50800" marR="50800" marT="50800" marB="50800" anchor="t" anchorCtr="0" horzOverflow="overflow">
+                    <a:lnL w="12700">
+                      <a:solidFill>
+                        <a:srgbClr val="000000"/>
+                      </a:solidFill>
+                      <a:miter lim="400000"/>
+                    </a:lnL>
+                    <a:lnR w="12700">
+                      <a:solidFill>
+                        <a:srgbClr val="000000"/>
+                      </a:solidFill>
+                      <a:miter lim="400000"/>
+                    </a:lnR>
+                    <a:lnT w="12700">
+                      <a:solidFill>
+                        <a:srgbClr val="000000"/>
+                      </a:solidFill>
+                      <a:miter lim="400000"/>
+                    </a:lnT>
+                    <a:lnB w="12700">
+                      <a:solidFill>
+                        <a:srgbClr val="000000"/>
+                      </a:solidFill>
+                      <a:miter lim="400000"/>
+                    </a:lnB>
+                  </a:tcPr>
+                </a:tc>
+                <a:tc hMerge="1">
+                  <a:tcPr/>
+                </a:tc>
+              </a:tr>
+              <a:tr h="388638">
+                <a:tc vMerge="1">
+                  <a:tcPr/>
+                </a:tc>
+                <a:tc>
+                  <a:txBody>
+                    <a:bodyPr/>
+                    <a:lstStyle/>
+                    <a:p>
+                      <a:pPr indent="179704" algn="ctr" defTabSz="449580">
+                        <a:lnSpc>
+                          <a:spcPct val="150000"/>
+                        </a:lnSpc>
+                        <a:defRPr sz="1800"/>
+                      </a:pPr>
+                      <a:r>
+                        <a:rPr sz="1200"/>
+                        <a:t>1 GPU</a:t>
+                      </a:r>
+                    </a:p>
+                  </a:txBody>
+                  <a:tcPr marL="50800" marR="50800" marT="50800" marB="50800" anchor="t" anchorCtr="0" horzOverflow="overflow">
+                    <a:lnL w="12700">
+                      <a:solidFill>
+                        <a:srgbClr val="000000"/>
+                      </a:solidFill>
+                      <a:miter lim="400000"/>
+                    </a:lnL>
+                    <a:lnR w="12700">
+                      <a:solidFill>
+                        <a:srgbClr val="000000"/>
+                      </a:solidFill>
+                      <a:miter lim="400000"/>
+                    </a:lnR>
+                    <a:lnT w="12700">
+                      <a:solidFill>
+                        <a:srgbClr val="000000"/>
+                      </a:solidFill>
+                      <a:miter lim="400000"/>
+                    </a:lnT>
+                    <a:lnB w="12700">
+                      <a:solidFill>
+                        <a:srgbClr val="000000"/>
+                      </a:solidFill>
+                      <a:miter lim="400000"/>
+                    </a:lnB>
+                  </a:tcPr>
+                </a:tc>
+                <a:tc>
+                  <a:txBody>
+                    <a:bodyPr/>
+                    <a:lstStyle/>
+                    <a:p>
+                      <a:pPr indent="179704" algn="ctr" defTabSz="449580">
+                        <a:lnSpc>
+                          <a:spcPct val="150000"/>
+                        </a:lnSpc>
+                        <a:defRPr sz="1800"/>
+                      </a:pPr>
+                      <a:r>
+                        <a:rPr sz="1200"/>
+                        <a:t>2 GPU</a:t>
+                      </a:r>
+                    </a:p>
+                  </a:txBody>
+                  <a:tcPr marL="50800" marR="50800" marT="50800" marB="50800" anchor="t" anchorCtr="0" horzOverflow="overflow">
+                    <a:lnL w="12700">
+                      <a:solidFill>
+                        <a:srgbClr val="000000"/>
+                      </a:solidFill>
+                      <a:miter lim="400000"/>
+                    </a:lnL>
+                    <a:lnR w="12700">
+                      <a:solidFill>
+                        <a:srgbClr val="000000"/>
+                      </a:solidFill>
+                      <a:miter lim="400000"/>
+                    </a:lnR>
+                    <a:lnT w="12700">
+                      <a:solidFill>
+                        <a:srgbClr val="000000"/>
+                      </a:solidFill>
+                      <a:miter lim="400000"/>
+                    </a:lnT>
+                    <a:lnB w="12700">
+                      <a:solidFill>
+                        <a:srgbClr val="000000"/>
+                      </a:solidFill>
+                      <a:miter lim="400000"/>
+                    </a:lnB>
+                  </a:tcPr>
+                </a:tc>
+                <a:tc>
+                  <a:txBody>
+                    <a:bodyPr/>
+                    <a:lstStyle/>
+                    <a:p>
+                      <a:pPr indent="179704" algn="ctr" defTabSz="449580">
+                        <a:lnSpc>
+                          <a:spcPct val="150000"/>
+                        </a:lnSpc>
+                        <a:defRPr sz="1800"/>
+                      </a:pPr>
+                      <a:r>
+                        <a:rPr sz="1200"/>
+                        <a:t>1 GPU</a:t>
+                      </a:r>
+                    </a:p>
+                  </a:txBody>
+                  <a:tcPr marL="50800" marR="50800" marT="50800" marB="50800" anchor="t" anchorCtr="0" horzOverflow="overflow">
+                    <a:lnL w="12700">
+                      <a:solidFill>
+                        <a:srgbClr val="000000"/>
+                      </a:solidFill>
+                      <a:miter lim="400000"/>
+                    </a:lnL>
+                    <a:lnR w="12700">
+                      <a:solidFill>
+                        <a:srgbClr val="000000"/>
+                      </a:solidFill>
+                      <a:miter lim="400000"/>
+                    </a:lnR>
+                    <a:lnT w="12700">
+                      <a:solidFill>
+                        <a:srgbClr val="000000"/>
+                      </a:solidFill>
+                      <a:miter lim="400000"/>
+                    </a:lnT>
+                    <a:lnB w="12700">
+                      <a:solidFill>
+                        <a:srgbClr val="000000"/>
+                      </a:solidFill>
+                      <a:miter lim="400000"/>
+                    </a:lnB>
+                  </a:tcPr>
+                </a:tc>
+                <a:tc>
+                  <a:txBody>
+                    <a:bodyPr/>
+                    <a:lstStyle/>
+                    <a:p>
+                      <a:pPr indent="179704" algn="ctr" defTabSz="449580">
+                        <a:lnSpc>
+                          <a:spcPct val="150000"/>
+                        </a:lnSpc>
+                        <a:defRPr sz="1800"/>
+                      </a:pPr>
+                      <a:r>
+                        <a:rPr sz="1200"/>
+                        <a:t>2 GPU</a:t>
+                      </a:r>
+                    </a:p>
+                  </a:txBody>
+                  <a:tcPr marL="50800" marR="50800" marT="50800" marB="50800" anchor="t" anchorCtr="0" horzOverflow="overflow">
+                    <a:lnL w="12700">
+                      <a:solidFill>
+                        <a:srgbClr val="000000"/>
+                      </a:solidFill>
+                      <a:miter lim="400000"/>
+                    </a:lnL>
+                    <a:lnR w="12700">
+                      <a:solidFill>
+                        <a:srgbClr val="000000"/>
+                      </a:solidFill>
+                      <a:miter lim="400000"/>
+                    </a:lnR>
+                    <a:lnT w="12700">
+                      <a:solidFill>
+                        <a:srgbClr val="000000"/>
+                      </a:solidFill>
+                      <a:miter lim="400000"/>
+                    </a:lnT>
+                    <a:lnB w="12700">
+                      <a:solidFill>
+                        <a:srgbClr val="000000"/>
+                      </a:solidFill>
+                      <a:miter lim="400000"/>
+                    </a:lnB>
+                  </a:tcPr>
+                </a:tc>
+              </a:tr>
+              <a:tr h="388638">
+                <a:tc>
+                  <a:txBody>
+                    <a:bodyPr/>
+                    <a:lstStyle/>
+                    <a:p>
+                      <a:pPr indent="179704" algn="just" defTabSz="449580">
+                        <a:lnSpc>
+                          <a:spcPct val="150000"/>
+                        </a:lnSpc>
+                        <a:defRPr sz="1800"/>
+                      </a:pPr>
+                      <a:r>
+                        <a:rPr sz="1200"/>
+                        <a:t>Головний цикл</a:t>
+                      </a:r>
+                    </a:p>
+                  </a:txBody>
+                  <a:tcPr marL="50800" marR="50800" marT="50800" marB="50800" anchor="t" anchorCtr="0" horzOverflow="overflow">
+                    <a:lnL w="12700">
+                      <a:solidFill>
+                        <a:srgbClr val="000000"/>
+                      </a:solidFill>
+                      <a:miter lim="400000"/>
+                    </a:lnL>
+                    <a:lnR w="12700">
+                      <a:solidFill>
+                        <a:srgbClr val="000000"/>
+                      </a:solidFill>
+                      <a:miter lim="400000"/>
+                    </a:lnR>
+                    <a:lnT w="12700">
+                      <a:solidFill>
+                        <a:srgbClr val="000000"/>
+                      </a:solidFill>
+                      <a:miter lim="400000"/>
+                    </a:lnT>
+                    <a:lnB w="12700">
+                      <a:solidFill>
+                        <a:srgbClr val="000000"/>
+                      </a:solidFill>
+                      <a:miter lim="400000"/>
+                    </a:lnB>
+                  </a:tcPr>
+                </a:tc>
+                <a:tc>
+                  <a:txBody>
+                    <a:bodyPr/>
+                    <a:lstStyle/>
+                    <a:p>
+                      <a:pPr defTabSz="449580">
+                        <a:lnSpc>
+                          <a:spcPct val="150000"/>
+                        </a:lnSpc>
+                        <a:defRPr sz="1800"/>
+                      </a:pPr>
+                      <a:r>
+                        <a:rPr sz="1200"/>
+                        <a:t>0.0102</a:t>
+                      </a:r>
+                    </a:p>
+                  </a:txBody>
+                  <a:tcPr marL="50800" marR="50800" marT="50800" marB="50800" anchor="t" anchorCtr="0" horzOverflow="overflow">
+                    <a:lnL w="12700">
+                      <a:solidFill>
+                        <a:srgbClr val="000000"/>
+                      </a:solidFill>
+                      <a:miter lim="400000"/>
+                    </a:lnL>
+                    <a:lnR w="12700">
+                      <a:solidFill>
+                        <a:srgbClr val="000000"/>
+                      </a:solidFill>
+                      <a:miter lim="400000"/>
+                    </a:lnR>
+                    <a:lnT w="12700">
+                      <a:solidFill>
+                        <a:srgbClr val="000000"/>
+                      </a:solidFill>
+                      <a:miter lim="400000"/>
+                    </a:lnT>
+                    <a:lnB w="12700">
+                      <a:solidFill>
+                        <a:srgbClr val="000000"/>
+                      </a:solidFill>
+                      <a:miter lim="400000"/>
+                    </a:lnB>
+                  </a:tcPr>
+                </a:tc>
+                <a:tc>
+                  <a:txBody>
+                    <a:bodyPr/>
+                    <a:lstStyle/>
+                    <a:p>
+                      <a:pPr defTabSz="449580">
+                        <a:lnSpc>
+                          <a:spcPct val="150000"/>
+                        </a:lnSpc>
+                        <a:defRPr sz="1800"/>
+                      </a:pPr>
+                      <a:r>
+                        <a:rPr sz="1200"/>
+                        <a:t>0.00879</a:t>
+                      </a:r>
+                    </a:p>
+                  </a:txBody>
+                  <a:tcPr marL="50800" marR="50800" marT="50800" marB="50800" anchor="t" anchorCtr="0" horzOverflow="overflow">
+                    <a:lnL w="12700">
+                      <a:solidFill>
+                        <a:srgbClr val="000000"/>
+                      </a:solidFill>
+                      <a:miter lim="400000"/>
+                    </a:lnL>
+                    <a:lnR w="12700">
+                      <a:solidFill>
+                        <a:srgbClr val="000000"/>
+                      </a:solidFill>
+                      <a:miter lim="400000"/>
+                    </a:lnR>
+                    <a:lnT w="12700">
+                      <a:solidFill>
+                        <a:srgbClr val="000000"/>
+                      </a:solidFill>
+                      <a:miter lim="400000"/>
+                    </a:lnT>
+                    <a:lnB w="12700">
+                      <a:solidFill>
+                        <a:srgbClr val="000000"/>
+                      </a:solidFill>
+                      <a:miter lim="400000"/>
+                    </a:lnB>
+                  </a:tcPr>
+                </a:tc>
+                <a:tc>
+                  <a:txBody>
+                    <a:bodyPr/>
+                    <a:lstStyle/>
+                    <a:p>
+                      <a:pPr indent="179704" defTabSz="449580">
+                        <a:lnSpc>
+                          <a:spcPct val="150000"/>
+                        </a:lnSpc>
+                        <a:defRPr sz="1800"/>
+                      </a:pPr>
+                      <a:r>
+                        <a:rPr sz="1200"/>
+                        <a:t>0.763</a:t>
+                      </a:r>
+                    </a:p>
+                  </a:txBody>
+                  <a:tcPr marL="50800" marR="50800" marT="50800" marB="50800" anchor="t" anchorCtr="0" horzOverflow="overflow">
+                    <a:lnL w="12700">
+                      <a:solidFill>
+                        <a:srgbClr val="000000"/>
+                      </a:solidFill>
+                      <a:miter lim="400000"/>
+                    </a:lnL>
+                    <a:lnR w="12700">
+                      <a:solidFill>
+                        <a:srgbClr val="000000"/>
+                      </a:solidFill>
+                      <a:miter lim="400000"/>
+                    </a:lnR>
+                    <a:lnT w="12700">
+                      <a:solidFill>
+                        <a:srgbClr val="000000"/>
+                      </a:solidFill>
+                      <a:miter lim="400000"/>
+                    </a:lnT>
+                    <a:lnB w="12700">
+                      <a:solidFill>
+                        <a:srgbClr val="000000"/>
+                      </a:solidFill>
+                      <a:miter lim="400000"/>
+                    </a:lnB>
+                  </a:tcPr>
+                </a:tc>
+                <a:tc>
+                  <a:txBody>
+                    <a:bodyPr/>
+                    <a:lstStyle/>
+                    <a:p>
+                      <a:pPr defTabSz="449580">
+                        <a:lnSpc>
+                          <a:spcPct val="150000"/>
+                        </a:lnSpc>
+                        <a:defRPr sz="1800"/>
+                      </a:pPr>
+                      <a:r>
+                        <a:rPr sz="1200"/>
+                        <a:t>0.6372</a:t>
+                      </a:r>
+                    </a:p>
+                  </a:txBody>
+                  <a:tcPr marL="50800" marR="50800" marT="50800" marB="50800" anchor="t" anchorCtr="0" horzOverflow="overflow">
+                    <a:lnL w="12700">
+                      <a:solidFill>
+                        <a:srgbClr val="000000"/>
+                      </a:solidFill>
+                      <a:miter lim="400000"/>
+                    </a:lnL>
+                    <a:lnR w="12700">
+                      <a:solidFill>
+                        <a:srgbClr val="000000"/>
+                      </a:solidFill>
+                      <a:miter lim="400000"/>
+                    </a:lnR>
+                    <a:lnT w="12700">
+                      <a:solidFill>
+                        <a:srgbClr val="000000"/>
+                      </a:solidFill>
+                      <a:miter lim="400000"/>
+                    </a:lnT>
+                    <a:lnB w="12700">
+                      <a:solidFill>
+                        <a:srgbClr val="000000"/>
+                      </a:solidFill>
+                      <a:miter lim="400000"/>
+                    </a:lnB>
+                  </a:tcPr>
+                </a:tc>
+              </a:tr>
+              <a:tr h="388638">
+                <a:tc>
+                  <a:txBody>
+                    <a:bodyPr/>
+                    <a:lstStyle/>
+                    <a:p>
+                      <a:pPr indent="179704" algn="just" defTabSz="449580">
+                        <a:lnSpc>
+                          <a:spcPct val="150000"/>
+                        </a:lnSpc>
+                        <a:defRPr sz="1800"/>
+                      </a:pPr>
+                      <a:r>
+                        <a:rPr sz="1200"/>
+                        <a:t>Загальний цикл</a:t>
+                      </a:r>
+                    </a:p>
+                  </a:txBody>
+                  <a:tcPr marL="50800" marR="50800" marT="50800" marB="50800" anchor="t" anchorCtr="0" horzOverflow="overflow">
+                    <a:lnL w="12700">
+                      <a:solidFill>
+                        <a:srgbClr val="000000"/>
+                      </a:solidFill>
+                      <a:miter lim="400000"/>
+                    </a:lnL>
+                    <a:lnR w="12700">
+                      <a:solidFill>
+                        <a:srgbClr val="000000"/>
+                      </a:solidFill>
+                      <a:miter lim="400000"/>
+                    </a:lnR>
+                    <a:lnT w="12700">
+                      <a:solidFill>
+                        <a:srgbClr val="000000"/>
+                      </a:solidFill>
+                      <a:miter lim="400000"/>
+                    </a:lnT>
+                    <a:lnB w="12700">
+                      <a:solidFill>
+                        <a:srgbClr val="000000"/>
+                      </a:solidFill>
+                      <a:miter lim="400000"/>
+                    </a:lnB>
+                  </a:tcPr>
+                </a:tc>
+                <a:tc>
+                  <a:txBody>
+                    <a:bodyPr/>
+                    <a:lstStyle/>
+                    <a:p>
+                      <a:pPr defTabSz="449580">
+                        <a:lnSpc>
+                          <a:spcPct val="150000"/>
+                        </a:lnSpc>
+                        <a:defRPr sz="1800"/>
+                      </a:pPr>
+                      <a:r>
+                        <a:rPr sz="1200"/>
+                        <a:t>3.17</a:t>
+                      </a:r>
+                    </a:p>
+                  </a:txBody>
+                  <a:tcPr marL="50800" marR="50800" marT="50800" marB="50800" anchor="t" anchorCtr="0" horzOverflow="overflow">
+                    <a:lnL w="12700">
+                      <a:solidFill>
+                        <a:srgbClr val="000000"/>
+                      </a:solidFill>
+                      <a:miter lim="400000"/>
+                    </a:lnL>
+                    <a:lnR w="12700">
+                      <a:solidFill>
+                        <a:srgbClr val="000000"/>
+                      </a:solidFill>
+                      <a:miter lim="400000"/>
+                    </a:lnR>
+                    <a:lnT w="12700">
+                      <a:solidFill>
+                        <a:srgbClr val="000000"/>
+                      </a:solidFill>
+                      <a:miter lim="400000"/>
+                    </a:lnT>
+                    <a:lnB w="12700">
+                      <a:solidFill>
+                        <a:srgbClr val="000000"/>
+                      </a:solidFill>
+                      <a:miter lim="400000"/>
+                    </a:lnB>
+                  </a:tcPr>
+                </a:tc>
+                <a:tc>
+                  <a:txBody>
+                    <a:bodyPr/>
+                    <a:lstStyle/>
+                    <a:p>
+                      <a:pPr defTabSz="449580">
+                        <a:lnSpc>
+                          <a:spcPct val="150000"/>
+                        </a:lnSpc>
+                        <a:defRPr sz="1800"/>
+                      </a:pPr>
+                      <a:r>
+                        <a:rPr sz="1200"/>
+                        <a:t>3.44</a:t>
+                      </a:r>
+                    </a:p>
+                  </a:txBody>
+                  <a:tcPr marL="50800" marR="50800" marT="50800" marB="50800" anchor="t" anchorCtr="0" horzOverflow="overflow">
+                    <a:lnL w="12700">
+                      <a:solidFill>
+                        <a:srgbClr val="000000"/>
+                      </a:solidFill>
+                      <a:miter lim="400000"/>
+                    </a:lnL>
+                    <a:lnR w="12700">
+                      <a:solidFill>
+                        <a:srgbClr val="000000"/>
+                      </a:solidFill>
+                      <a:miter lim="400000"/>
+                    </a:lnR>
+                    <a:lnT w="12700">
+                      <a:solidFill>
+                        <a:srgbClr val="000000"/>
+                      </a:solidFill>
+                      <a:miter lim="400000"/>
+                    </a:lnT>
+                    <a:lnB w="12700">
+                      <a:solidFill>
+                        <a:srgbClr val="000000"/>
+                      </a:solidFill>
+                      <a:miter lim="400000"/>
+                    </a:lnB>
+                  </a:tcPr>
+                </a:tc>
+                <a:tc>
+                  <a:txBody>
+                    <a:bodyPr/>
+                    <a:lstStyle/>
+                    <a:p>
+                      <a:pPr defTabSz="449580">
+                        <a:lnSpc>
+                          <a:spcPct val="150000"/>
+                        </a:lnSpc>
+                        <a:defRPr sz="1800"/>
+                      </a:pPr>
+                      <a:r>
+                        <a:rPr sz="1200"/>
+                        <a:t>60.2</a:t>
+                      </a:r>
+                    </a:p>
+                  </a:txBody>
+                  <a:tcPr marL="50800" marR="50800" marT="50800" marB="50800" anchor="t" anchorCtr="0" horzOverflow="overflow">
+                    <a:lnL w="12700">
+                      <a:solidFill>
+                        <a:srgbClr val="000000"/>
+                      </a:solidFill>
+                      <a:miter lim="400000"/>
+                    </a:lnL>
+                    <a:lnR w="12700">
+                      <a:solidFill>
+                        <a:srgbClr val="000000"/>
+                      </a:solidFill>
+                      <a:miter lim="400000"/>
+                    </a:lnR>
+                    <a:lnT w="12700">
+                      <a:solidFill>
+                        <a:srgbClr val="000000"/>
+                      </a:solidFill>
+                      <a:miter lim="400000"/>
+                    </a:lnT>
+                    <a:lnB w="12700">
+                      <a:solidFill>
+                        <a:srgbClr val="000000"/>
+                      </a:solidFill>
+                      <a:miter lim="400000"/>
+                    </a:lnB>
+                  </a:tcPr>
+                </a:tc>
+                <a:tc>
+                  <a:txBody>
+                    <a:bodyPr/>
+                    <a:lstStyle/>
+                    <a:p>
+                      <a:pPr defTabSz="449580">
+                        <a:lnSpc>
+                          <a:spcPct val="150000"/>
+                        </a:lnSpc>
+                        <a:defRPr sz="1800"/>
+                      </a:pPr>
+                      <a:r>
+                        <a:rPr sz="1200"/>
+                        <a:t>63.23</a:t>
+                      </a:r>
+                    </a:p>
+                  </a:txBody>
+                  <a:tcPr marL="50800" marR="50800" marT="50800" marB="50800" anchor="t" anchorCtr="0" horzOverflow="overflow">
+                    <a:lnL w="12700">
+                      <a:solidFill>
+                        <a:srgbClr val="000000"/>
+                      </a:solidFill>
+                      <a:miter lim="400000"/>
+                    </a:lnL>
+                    <a:lnR w="12700">
+                      <a:solidFill>
+                        <a:srgbClr val="000000"/>
+                      </a:solidFill>
+                      <a:miter lim="400000"/>
+                    </a:lnR>
+                    <a:lnT w="12700">
+                      <a:solidFill>
+                        <a:srgbClr val="000000"/>
+                      </a:solidFill>
+                      <a:miter lim="400000"/>
+                    </a:lnT>
+                    <a:lnB w="12700">
+                      <a:solidFill>
+                        <a:srgbClr val="000000"/>
+                      </a:solidFill>
+                      <a:miter lim="400000"/>
+                    </a:lnB>
+                  </a:tcPr>
+                </a:tc>
+              </a:tr>
+            </a:tbl>
+          </a:graphicData>
+        </a:graphic>
+      </p:graphicFrame>
+      <p:sp>
+        <p:nvSpPr>
+          <p:cNvPr id="198" name="Text"/>
+          <p:cNvSpPr txBox="1"/>
+          <p:nvPr/>
+        </p:nvSpPr>
+        <p:spPr>
+          <a:xfrm>
+            <a:off x="3206750" y="2832100"/>
+            <a:ext cx="127000" cy="624840"/>
+          </a:xfrm>
+          <a:prstGeom prst="rect">
+            <a:avLst/>
+          </a:prstGeom>
+          <a:ln w="12700">
+            <a:miter lim="400000"/>
+          </a:ln>
+          <a:extLst>
+            <a:ext uri="{C572A759-6A51-4108-AA02-DFA0A04FC94B}">
+              <ma14:wrappingTextBoxFlag xmlns:ma14="http://schemas.microsoft.com/office/mac/drawingml/2011/main" val="1"/>
+            </a:ext>
+          </a:extLst>
+        </p:spPr>
+        <p:txBody>
+          <a:bodyPr wrap="none" lIns="45719" rIns="45719">
+            <a:spAutoFit/>
+          </a:bodyPr>
+          <a:lstStyle/>
+          <a:p>
+            <a:pPr defTabSz="12700">
+              <a:tabLst>
+                <a:tab pos="355600" algn="l"/>
+                <a:tab pos="711200" algn="l"/>
+                <a:tab pos="1066800" algn="l"/>
+                <a:tab pos="1422400" algn="l"/>
+                <a:tab pos="1778000" algn="l"/>
+                <a:tab pos="2133600" algn="l"/>
+                <a:tab pos="2489200" algn="l"/>
+                <a:tab pos="2844800" algn="l"/>
+                <a:tab pos="3200400" algn="l"/>
+                <a:tab pos="3556000" algn="l"/>
+                <a:tab pos="3911600" algn="l"/>
+                <a:tab pos="4267200" algn="l"/>
+              </a:tabLst>
+              <a:defRPr sz="1200">
+                <a:latin typeface="+mj-lt"/>
+                <a:ea typeface="+mj-ea"/>
+                <a:cs typeface="+mj-cs"/>
+                <a:sym typeface="Helvetica"/>
+              </a:defRPr>
+            </a:pPr>
+          </a:p>
+          <a:p>
+            <a:pPr defTabSz="12700">
+              <a:tabLst>
+                <a:tab pos="355600" algn="l"/>
+                <a:tab pos="711200" algn="l"/>
+                <a:tab pos="1066800" algn="l"/>
+                <a:tab pos="1422400" algn="l"/>
+                <a:tab pos="1778000" algn="l"/>
+                <a:tab pos="2133600" algn="l"/>
+                <a:tab pos="2489200" algn="l"/>
+                <a:tab pos="2844800" algn="l"/>
+                <a:tab pos="3200400" algn="l"/>
+                <a:tab pos="3556000" algn="l"/>
+                <a:tab pos="3911600" algn="l"/>
+                <a:tab pos="4267200" algn="l"/>
+              </a:tabLst>
+              <a:defRPr sz="1200">
+                <a:latin typeface="+mj-lt"/>
+                <a:ea typeface="+mj-ea"/>
+                <a:cs typeface="+mj-cs"/>
+                <a:sym typeface="Helvetica"/>
+              </a:defRPr>
+            </a:pPr>
+          </a:p>
+        </p:txBody>
+      </p:sp>
+      <p:graphicFrame>
+        <p:nvGraphicFramePr>
+          <p:cNvPr id="199" name="Table"/>
+          <p:cNvGraphicFramePr/>
+          <p:nvPr/>
+        </p:nvGraphicFramePr>
+        <p:xfrm>
+          <a:off x="1686492" y="4713329"/>
+          <a:ext cx="8002901" cy="1565397"/>
+        </p:xfrm>
+        <a:graphic xmlns:a="http://schemas.openxmlformats.org/drawingml/2006/main">
+          <a:graphicData uri="http://schemas.openxmlformats.org/drawingml/2006/table">
+            <a:tbl>
+              <a:tblPr firstCol="0" firstRow="0" lastCol="0" lastRow="0" bandCol="0" bandRow="0" rtl="0">
+                <a:tableStyleId>{4C3C2611-4C71-4FC5-86AE-919BDF0F9419}</a:tableStyleId>
+              </a:tblPr>
+              <a:tblGrid>
+                <a:gridCol w="1879014"/>
+                <a:gridCol w="1088774"/>
+                <a:gridCol w="1843892"/>
+                <a:gridCol w="1281944"/>
+                <a:gridCol w="1896575"/>
+              </a:tblGrid>
+              <a:tr h="392168">
+                <a:tc rowSpan="2">
+                  <a:txBody>
+                    <a:bodyPr/>
+                    <a:lstStyle/>
+                    <a:p>
+                      <a:pPr algn="l">
+                        <a:defRPr sz="1800"/>
+                      </a:pPr>
+                    </a:p>
+                  </a:txBody>
+                  <a:tcPr marL="50800" marR="50800" marT="50800" marB="50800" anchor="t" anchorCtr="0" horzOverflow="overflow">
+                    <a:lnL w="12700">
+                      <a:solidFill>
+                        <a:srgbClr val="000000"/>
+                      </a:solidFill>
+                      <a:miter lim="400000"/>
+                    </a:lnL>
+                    <a:lnR w="12700">
+                      <a:solidFill>
+                        <a:srgbClr val="000000"/>
+                      </a:solidFill>
+                      <a:miter lim="400000"/>
+                    </a:lnR>
+                    <a:lnT w="12700">
+                      <a:solidFill>
+                        <a:srgbClr val="000000"/>
+                      </a:solidFill>
+                      <a:miter lim="400000"/>
+                    </a:lnT>
+                    <a:lnB w="12700">
+                      <a:solidFill>
+                        <a:srgbClr val="000000"/>
+                      </a:solidFill>
+                      <a:miter lim="400000"/>
+                    </a:lnB>
+                  </a:tcPr>
+                </a:tc>
+                <a:tc gridSpan="2">
+                  <a:txBody>
+                    <a:bodyPr/>
+                    <a:lstStyle/>
+                    <a:p>
+                      <a:pPr indent="179704" algn="ctr" defTabSz="449580">
+                        <a:lnSpc>
+                          <a:spcPct val="150000"/>
+                        </a:lnSpc>
+                        <a:defRPr sz="1800"/>
+                      </a:pPr>
+                      <a:r>
+                        <a:rPr sz="1200"/>
+                        <a:t>Метод Річардсона</a:t>
+                      </a:r>
+                    </a:p>
+                  </a:txBody>
+                  <a:tcPr marL="50800" marR="50800" marT="50800" marB="50800" anchor="t" anchorCtr="0" horzOverflow="overflow">
+                    <a:lnL w="12700">
+                      <a:solidFill>
+                        <a:srgbClr val="000000"/>
+                      </a:solidFill>
+                      <a:miter lim="400000"/>
+                    </a:lnL>
+                    <a:lnR w="12700">
+                      <a:solidFill>
+                        <a:srgbClr val="000000"/>
+                      </a:solidFill>
+                      <a:miter lim="400000"/>
+                    </a:lnR>
+                    <a:lnT w="12700">
+                      <a:solidFill>
+                        <a:srgbClr val="000000"/>
+                      </a:solidFill>
+                      <a:miter lim="400000"/>
+                    </a:lnT>
+                    <a:lnB w="12700">
+                      <a:solidFill>
+                        <a:srgbClr val="000000"/>
+                      </a:solidFill>
+                      <a:miter lim="400000"/>
+                    </a:lnB>
+                  </a:tcPr>
+                </a:tc>
+                <a:tc hMerge="1">
+                  <a:tcPr/>
+                </a:tc>
+                <a:tc gridSpan="2">
+                  <a:txBody>
+                    <a:bodyPr/>
+                    <a:lstStyle/>
+                    <a:p>
+                      <a:pPr indent="179704" algn="ctr" defTabSz="449580">
+                        <a:lnSpc>
+                          <a:spcPct val="150000"/>
+                        </a:lnSpc>
+                        <a:defRPr sz="1800"/>
+                      </a:pPr>
+                      <a:r>
+                        <a:rPr sz="1200"/>
+                        <a:t>Mетод верхньої релаксації</a:t>
+                      </a:r>
+                    </a:p>
+                  </a:txBody>
+                  <a:tcPr marL="50800" marR="50800" marT="50800" marB="50800" anchor="t" anchorCtr="0" horzOverflow="overflow">
+                    <a:lnL w="12700">
+                      <a:solidFill>
+                        <a:srgbClr val="000000"/>
+                      </a:solidFill>
+                      <a:miter lim="400000"/>
+                    </a:lnL>
+                    <a:lnR w="12700">
+                      <a:solidFill>
+                        <a:srgbClr val="000000"/>
+                      </a:solidFill>
+                      <a:miter lim="400000"/>
+                    </a:lnR>
+                    <a:lnT w="12700">
+                      <a:solidFill>
+                        <a:srgbClr val="000000"/>
+                      </a:solidFill>
+                      <a:miter lim="400000"/>
+                    </a:lnT>
+                    <a:lnB w="12700">
+                      <a:solidFill>
+                        <a:srgbClr val="000000"/>
+                      </a:solidFill>
+                      <a:miter lim="400000"/>
+                    </a:lnB>
+                  </a:tcPr>
+                </a:tc>
+                <a:tc hMerge="1">
+                  <a:tcPr/>
+                </a:tc>
+              </a:tr>
+              <a:tr h="392168">
+                <a:tc vMerge="1">
+                  <a:tcPr/>
+                </a:tc>
+                <a:tc>
+                  <a:txBody>
+                    <a:bodyPr/>
+                    <a:lstStyle/>
+                    <a:p>
+                      <a:pPr indent="179704" algn="ctr" defTabSz="449580">
+                        <a:lnSpc>
+                          <a:spcPct val="150000"/>
+                        </a:lnSpc>
+                        <a:defRPr sz="1800"/>
+                      </a:pPr>
+                      <a:r>
+                        <a:rPr sz="1200"/>
+                        <a:t>1 GPU</a:t>
+                      </a:r>
+                    </a:p>
+                  </a:txBody>
+                  <a:tcPr marL="50800" marR="50800" marT="50800" marB="50800" anchor="t" anchorCtr="0" horzOverflow="overflow">
+                    <a:lnL w="12700">
+                      <a:solidFill>
+                        <a:srgbClr val="000000"/>
+                      </a:solidFill>
+                      <a:miter lim="400000"/>
+                    </a:lnL>
+                    <a:lnR w="12700">
+                      <a:solidFill>
+                        <a:srgbClr val="000000"/>
+                      </a:solidFill>
+                      <a:miter lim="400000"/>
+                    </a:lnR>
+                    <a:lnT w="12700">
+                      <a:solidFill>
+                        <a:srgbClr val="000000"/>
+                      </a:solidFill>
+                      <a:miter lim="400000"/>
+                    </a:lnT>
+                    <a:lnB w="12700">
+                      <a:solidFill>
+                        <a:srgbClr val="000000"/>
+                      </a:solidFill>
+                      <a:miter lim="400000"/>
+                    </a:lnB>
+                  </a:tcPr>
+                </a:tc>
+                <a:tc>
+                  <a:txBody>
+                    <a:bodyPr/>
+                    <a:lstStyle/>
+                    <a:p>
+                      <a:pPr indent="179704" algn="ctr" defTabSz="449580">
+                        <a:lnSpc>
+                          <a:spcPct val="150000"/>
+                        </a:lnSpc>
+                        <a:defRPr sz="1800"/>
+                      </a:pPr>
+                      <a:r>
+                        <a:rPr sz="1200"/>
+                        <a:t>2 GPU</a:t>
+                      </a:r>
+                    </a:p>
+                  </a:txBody>
+                  <a:tcPr marL="50800" marR="50800" marT="50800" marB="50800" anchor="t" anchorCtr="0" horzOverflow="overflow">
+                    <a:lnL w="12700">
+                      <a:solidFill>
+                        <a:srgbClr val="000000"/>
+                      </a:solidFill>
+                      <a:miter lim="400000"/>
+                    </a:lnL>
+                    <a:lnR w="12700">
+                      <a:solidFill>
+                        <a:srgbClr val="000000"/>
+                      </a:solidFill>
+                      <a:miter lim="400000"/>
+                    </a:lnR>
+                    <a:lnT w="12700">
+                      <a:solidFill>
+                        <a:srgbClr val="000000"/>
+                      </a:solidFill>
+                      <a:miter lim="400000"/>
+                    </a:lnT>
+                    <a:lnB w="12700">
+                      <a:solidFill>
+                        <a:srgbClr val="000000"/>
+                      </a:solidFill>
+                      <a:miter lim="400000"/>
+                    </a:lnB>
+                  </a:tcPr>
+                </a:tc>
+                <a:tc>
+                  <a:txBody>
+                    <a:bodyPr/>
+                    <a:lstStyle/>
+                    <a:p>
+                      <a:pPr indent="179704" algn="ctr" defTabSz="449580">
+                        <a:lnSpc>
+                          <a:spcPct val="150000"/>
+                        </a:lnSpc>
+                        <a:defRPr sz="1800"/>
+                      </a:pPr>
+                      <a:r>
+                        <a:rPr sz="1200"/>
+                        <a:t>1 GPU</a:t>
+                      </a:r>
+                    </a:p>
+                  </a:txBody>
+                  <a:tcPr marL="50800" marR="50800" marT="50800" marB="50800" anchor="t" anchorCtr="0" horzOverflow="overflow">
+                    <a:lnL w="12700">
+                      <a:solidFill>
+                        <a:srgbClr val="000000"/>
+                      </a:solidFill>
+                      <a:miter lim="400000"/>
+                    </a:lnL>
+                    <a:lnR w="12700">
+                      <a:solidFill>
+                        <a:srgbClr val="000000"/>
+                      </a:solidFill>
+                      <a:miter lim="400000"/>
+                    </a:lnR>
+                    <a:lnT w="12700">
+                      <a:solidFill>
+                        <a:srgbClr val="000000"/>
+                      </a:solidFill>
+                      <a:miter lim="400000"/>
+                    </a:lnT>
+                    <a:lnB w="12700">
+                      <a:solidFill>
+                        <a:srgbClr val="000000"/>
+                      </a:solidFill>
+                      <a:miter lim="400000"/>
+                    </a:lnB>
+                  </a:tcPr>
+                </a:tc>
+                <a:tc>
+                  <a:txBody>
+                    <a:bodyPr/>
+                    <a:lstStyle/>
+                    <a:p>
+                      <a:pPr indent="179704" algn="ctr" defTabSz="449580">
+                        <a:lnSpc>
+                          <a:spcPct val="150000"/>
+                        </a:lnSpc>
+                        <a:defRPr sz="1800"/>
+                      </a:pPr>
+                      <a:r>
+                        <a:rPr sz="1200"/>
+                        <a:t>2 GPU</a:t>
+                      </a:r>
+                    </a:p>
+                  </a:txBody>
+                  <a:tcPr marL="50800" marR="50800" marT="50800" marB="50800" anchor="t" anchorCtr="0" horzOverflow="overflow">
+                    <a:lnL w="12700">
+                      <a:solidFill>
+                        <a:srgbClr val="000000"/>
+                      </a:solidFill>
+                      <a:miter lim="400000"/>
+                    </a:lnL>
+                    <a:lnR w="12700">
+                      <a:solidFill>
+                        <a:srgbClr val="000000"/>
+                      </a:solidFill>
+                      <a:miter lim="400000"/>
+                    </a:lnR>
+                    <a:lnT w="12700">
+                      <a:solidFill>
+                        <a:srgbClr val="000000"/>
+                      </a:solidFill>
+                      <a:miter lim="400000"/>
+                    </a:lnT>
+                    <a:lnB w="12700">
+                      <a:solidFill>
+                        <a:srgbClr val="000000"/>
+                      </a:solidFill>
+                      <a:miter lim="400000"/>
+                    </a:lnB>
+                  </a:tcPr>
+                </a:tc>
+              </a:tr>
+              <a:tr h="392168">
+                <a:tc>
+                  <a:txBody>
+                    <a:bodyPr/>
+                    <a:lstStyle/>
+                    <a:p>
+                      <a:pPr indent="179704" algn="just" defTabSz="449580">
+                        <a:lnSpc>
+                          <a:spcPct val="150000"/>
+                        </a:lnSpc>
+                        <a:defRPr sz="1800"/>
+                      </a:pPr>
+                      <a:r>
+                        <a:rPr sz="1200"/>
+                        <a:t>Головний цикл</a:t>
+                      </a:r>
+                    </a:p>
+                  </a:txBody>
+                  <a:tcPr marL="50800" marR="50800" marT="50800" marB="50800" anchor="t" anchorCtr="0" horzOverflow="overflow">
+                    <a:lnL w="12700">
+                      <a:solidFill>
+                        <a:srgbClr val="000000"/>
+                      </a:solidFill>
+                      <a:miter lim="400000"/>
+                    </a:lnL>
+                    <a:lnR w="12700">
+                      <a:solidFill>
+                        <a:srgbClr val="000000"/>
+                      </a:solidFill>
+                      <a:miter lim="400000"/>
+                    </a:lnR>
+                    <a:lnT w="12700">
+                      <a:solidFill>
+                        <a:srgbClr val="000000"/>
+                      </a:solidFill>
+                      <a:miter lim="400000"/>
+                    </a:lnT>
+                    <a:lnB w="12700">
+                      <a:solidFill>
+                        <a:srgbClr val="000000"/>
+                      </a:solidFill>
+                      <a:miter lim="400000"/>
+                    </a:lnB>
+                  </a:tcPr>
+                </a:tc>
+                <a:tc>
+                  <a:txBody>
+                    <a:bodyPr/>
+                    <a:lstStyle/>
+                    <a:p>
+                      <a:pPr defTabSz="449580">
+                        <a:lnSpc>
+                          <a:spcPct val="150000"/>
+                        </a:lnSpc>
+                        <a:defRPr sz="1800"/>
+                      </a:pPr>
+                      <a:r>
+                        <a:rPr sz="1200"/>
+                        <a:t>0.0405</a:t>
+                      </a:r>
+                    </a:p>
+                  </a:txBody>
+                  <a:tcPr marL="50800" marR="50800" marT="50800" marB="50800" anchor="t" anchorCtr="0" horzOverflow="overflow">
+                    <a:lnL w="12700">
+                      <a:solidFill>
+                        <a:srgbClr val="000000"/>
+                      </a:solidFill>
+                      <a:miter lim="400000"/>
+                    </a:lnL>
+                    <a:lnR w="12700">
+                      <a:solidFill>
+                        <a:srgbClr val="000000"/>
+                      </a:solidFill>
+                      <a:miter lim="400000"/>
+                    </a:lnR>
+                    <a:lnT w="12700">
+                      <a:solidFill>
+                        <a:srgbClr val="000000"/>
+                      </a:solidFill>
+                      <a:miter lim="400000"/>
+                    </a:lnT>
+                    <a:lnB w="12700">
+                      <a:solidFill>
+                        <a:srgbClr val="000000"/>
+                      </a:solidFill>
+                      <a:miter lim="400000"/>
+                    </a:lnB>
+                  </a:tcPr>
+                </a:tc>
+                <a:tc>
+                  <a:txBody>
+                    <a:bodyPr/>
+                    <a:lstStyle/>
+                    <a:p>
+                      <a:pPr defTabSz="449580">
+                        <a:lnSpc>
+                          <a:spcPct val="150000"/>
+                        </a:lnSpc>
+                        <a:defRPr sz="1800"/>
+                      </a:pPr>
+                      <a:r>
+                        <a:rPr sz="1200"/>
+                        <a:t>0.0323</a:t>
+                      </a:r>
+                    </a:p>
+                  </a:txBody>
+                  <a:tcPr marL="50800" marR="50800" marT="50800" marB="50800" anchor="t" anchorCtr="0" horzOverflow="overflow">
+                    <a:lnL w="12700">
+                      <a:solidFill>
+                        <a:srgbClr val="000000"/>
+                      </a:solidFill>
+                      <a:miter lim="400000"/>
+                    </a:lnL>
+                    <a:lnR w="12700">
+                      <a:solidFill>
+                        <a:srgbClr val="000000"/>
+                      </a:solidFill>
+                      <a:miter lim="400000"/>
+                    </a:lnR>
+                    <a:lnT w="12700">
+                      <a:solidFill>
+                        <a:srgbClr val="000000"/>
+                      </a:solidFill>
+                      <a:miter lim="400000"/>
+                    </a:lnT>
+                    <a:lnB w="12700">
+                      <a:solidFill>
+                        <a:srgbClr val="000000"/>
+                      </a:solidFill>
+                      <a:miter lim="400000"/>
+                    </a:lnB>
+                  </a:tcPr>
+                </a:tc>
+                <a:tc>
+                  <a:txBody>
+                    <a:bodyPr/>
+                    <a:lstStyle/>
+                    <a:p>
+                      <a:pPr indent="179704" defTabSz="449580">
+                        <a:lnSpc>
+                          <a:spcPct val="150000"/>
+                        </a:lnSpc>
+                        <a:defRPr sz="1800"/>
+                      </a:pPr>
+                      <a:r>
+                        <a:rPr sz="1200"/>
+                        <a:t>1.43</a:t>
+                      </a:r>
+                    </a:p>
+                  </a:txBody>
+                  <a:tcPr marL="50800" marR="50800" marT="50800" marB="50800" anchor="t" anchorCtr="0" horzOverflow="overflow">
+                    <a:lnL w="12700">
+                      <a:solidFill>
+                        <a:srgbClr val="000000"/>
+                      </a:solidFill>
+                      <a:miter lim="400000"/>
+                    </a:lnL>
+                    <a:lnR w="12700">
+                      <a:solidFill>
+                        <a:srgbClr val="000000"/>
+                      </a:solidFill>
+                      <a:miter lim="400000"/>
+                    </a:lnR>
+                    <a:lnT w="12700">
+                      <a:solidFill>
+                        <a:srgbClr val="000000"/>
+                      </a:solidFill>
+                      <a:miter lim="400000"/>
+                    </a:lnT>
+                    <a:lnB w="12700">
+                      <a:solidFill>
+                        <a:srgbClr val="000000"/>
+                      </a:solidFill>
+                      <a:miter lim="400000"/>
+                    </a:lnB>
+                  </a:tcPr>
+                </a:tc>
+                <a:tc>
+                  <a:txBody>
+                    <a:bodyPr/>
+                    <a:lstStyle/>
+                    <a:p>
+                      <a:pPr defTabSz="449580">
+                        <a:lnSpc>
+                          <a:spcPct val="150000"/>
+                        </a:lnSpc>
+                        <a:defRPr sz="1800"/>
+                      </a:pPr>
+                      <a:r>
+                        <a:rPr sz="1200"/>
+                        <a:t>0.837</a:t>
+                      </a:r>
+                    </a:p>
+                  </a:txBody>
+                  <a:tcPr marL="50800" marR="50800" marT="50800" marB="50800" anchor="t" anchorCtr="0" horzOverflow="overflow">
+                    <a:lnL w="12700">
+                      <a:solidFill>
+                        <a:srgbClr val="000000"/>
+                      </a:solidFill>
+                      <a:miter lim="400000"/>
+                    </a:lnL>
+                    <a:lnR w="12700">
+                      <a:solidFill>
+                        <a:srgbClr val="000000"/>
+                      </a:solidFill>
+                      <a:miter lim="400000"/>
+                    </a:lnR>
+                    <a:lnT w="12700">
+                      <a:solidFill>
+                        <a:srgbClr val="000000"/>
+                      </a:solidFill>
+                      <a:miter lim="400000"/>
+                    </a:lnT>
+                    <a:lnB w="12700">
+                      <a:solidFill>
+                        <a:srgbClr val="000000"/>
+                      </a:solidFill>
+                      <a:miter lim="400000"/>
+                    </a:lnB>
+                  </a:tcPr>
+                </a:tc>
+              </a:tr>
+              <a:tr h="392168">
+                <a:tc>
+                  <a:txBody>
+                    <a:bodyPr/>
+                    <a:lstStyle/>
+                    <a:p>
+                      <a:pPr indent="179704" algn="just" defTabSz="449580">
+                        <a:lnSpc>
+                          <a:spcPct val="150000"/>
+                        </a:lnSpc>
+                        <a:defRPr sz="1800"/>
+                      </a:pPr>
+                      <a:r>
+                        <a:rPr sz="1200"/>
+                        <a:t>Загальний цикл</a:t>
+                      </a:r>
+                    </a:p>
+                  </a:txBody>
+                  <a:tcPr marL="50800" marR="50800" marT="50800" marB="50800" anchor="t" anchorCtr="0" horzOverflow="overflow">
+                    <a:lnL w="12700">
+                      <a:solidFill>
+                        <a:srgbClr val="000000"/>
+                      </a:solidFill>
+                      <a:miter lim="400000"/>
+                    </a:lnL>
+                    <a:lnR w="12700">
+                      <a:solidFill>
+                        <a:srgbClr val="000000"/>
+                      </a:solidFill>
+                      <a:miter lim="400000"/>
+                    </a:lnR>
+                    <a:lnT w="12700">
+                      <a:solidFill>
+                        <a:srgbClr val="000000"/>
+                      </a:solidFill>
+                      <a:miter lim="400000"/>
+                    </a:lnT>
+                    <a:lnB w="12700">
+                      <a:solidFill>
+                        <a:srgbClr val="000000"/>
+                      </a:solidFill>
+                      <a:miter lim="400000"/>
+                    </a:lnB>
+                  </a:tcPr>
+                </a:tc>
+                <a:tc>
+                  <a:txBody>
+                    <a:bodyPr/>
+                    <a:lstStyle/>
+                    <a:p>
+                      <a:pPr defTabSz="449580">
+                        <a:lnSpc>
+                          <a:spcPct val="150000"/>
+                        </a:lnSpc>
+                        <a:defRPr sz="1800"/>
+                      </a:pPr>
+                      <a:r>
+                        <a:rPr sz="1200"/>
+                        <a:t>120</a:t>
+                      </a:r>
+                    </a:p>
+                  </a:txBody>
+                  <a:tcPr marL="50800" marR="50800" marT="50800" marB="50800" anchor="t" anchorCtr="0" horzOverflow="overflow">
+                    <a:lnL w="12700">
+                      <a:solidFill>
+                        <a:srgbClr val="000000"/>
+                      </a:solidFill>
+                      <a:miter lim="400000"/>
+                    </a:lnL>
+                    <a:lnR w="12700">
+                      <a:solidFill>
+                        <a:srgbClr val="000000"/>
+                      </a:solidFill>
+                      <a:miter lim="400000"/>
+                    </a:lnR>
+                    <a:lnT w="12700">
+                      <a:solidFill>
+                        <a:srgbClr val="000000"/>
+                      </a:solidFill>
+                      <a:miter lim="400000"/>
+                    </a:lnT>
+                    <a:lnB w="12700">
+                      <a:solidFill>
+                        <a:srgbClr val="000000"/>
+                      </a:solidFill>
+                      <a:miter lim="400000"/>
+                    </a:lnB>
+                  </a:tcPr>
+                </a:tc>
+                <a:tc>
+                  <a:txBody>
+                    <a:bodyPr/>
+                    <a:lstStyle/>
+                    <a:p>
+                      <a:pPr defTabSz="449580">
+                        <a:lnSpc>
+                          <a:spcPct val="150000"/>
+                        </a:lnSpc>
+                        <a:defRPr sz="1800"/>
+                      </a:pPr>
+                      <a:r>
+                        <a:rPr sz="1200"/>
+                        <a:t>120</a:t>
+                      </a:r>
+                    </a:p>
+                  </a:txBody>
+                  <a:tcPr marL="50800" marR="50800" marT="50800" marB="50800" anchor="t" anchorCtr="0" horzOverflow="overflow">
+                    <a:lnL w="12700">
+                      <a:solidFill>
+                        <a:srgbClr val="000000"/>
+                      </a:solidFill>
+                      <a:miter lim="400000"/>
+                    </a:lnL>
+                    <a:lnR w="12700">
+                      <a:solidFill>
+                        <a:srgbClr val="000000"/>
+                      </a:solidFill>
+                      <a:miter lim="400000"/>
+                    </a:lnR>
+                    <a:lnT w="12700">
+                      <a:solidFill>
+                        <a:srgbClr val="000000"/>
+                      </a:solidFill>
+                      <a:miter lim="400000"/>
+                    </a:lnT>
+                    <a:lnB w="12700">
+                      <a:solidFill>
+                        <a:srgbClr val="000000"/>
+                      </a:solidFill>
+                      <a:miter lim="400000"/>
+                    </a:lnB>
+                  </a:tcPr>
+                </a:tc>
+                <a:tc>
+                  <a:txBody>
+                    <a:bodyPr/>
+                    <a:lstStyle/>
+                    <a:p>
+                      <a:pPr defTabSz="449580">
+                        <a:lnSpc>
+                          <a:spcPct val="150000"/>
+                        </a:lnSpc>
+                        <a:defRPr sz="1800"/>
+                      </a:pPr>
+                      <a:r>
+                        <a:rPr sz="1200"/>
+                        <a:t>108.9</a:t>
+                      </a:r>
+                    </a:p>
+                  </a:txBody>
+                  <a:tcPr marL="50800" marR="50800" marT="50800" marB="50800" anchor="t" anchorCtr="0" horzOverflow="overflow">
+                    <a:lnL w="12700">
+                      <a:solidFill>
+                        <a:srgbClr val="000000"/>
+                      </a:solidFill>
+                      <a:miter lim="400000"/>
+                    </a:lnL>
+                    <a:lnR w="12700">
+                      <a:solidFill>
+                        <a:srgbClr val="000000"/>
+                      </a:solidFill>
+                      <a:miter lim="400000"/>
+                    </a:lnR>
+                    <a:lnT w="12700">
+                      <a:solidFill>
+                        <a:srgbClr val="000000"/>
+                      </a:solidFill>
+                      <a:miter lim="400000"/>
+                    </a:lnT>
+                    <a:lnB w="12700">
+                      <a:solidFill>
+                        <a:srgbClr val="000000"/>
+                      </a:solidFill>
+                      <a:miter lim="400000"/>
+                    </a:lnB>
+                  </a:tcPr>
+                </a:tc>
+                <a:tc>
+                  <a:txBody>
+                    <a:bodyPr/>
+                    <a:lstStyle/>
+                    <a:p>
+                      <a:pPr defTabSz="449580">
+                        <a:lnSpc>
+                          <a:spcPct val="150000"/>
+                        </a:lnSpc>
+                        <a:defRPr sz="1800"/>
+                      </a:pPr>
+                      <a:r>
+                        <a:rPr sz="1200"/>
+                        <a:t>105.3</a:t>
+                      </a:r>
+                    </a:p>
+                  </a:txBody>
+                  <a:tcPr marL="50800" marR="50800" marT="50800" marB="50800" anchor="t" anchorCtr="0" horzOverflow="overflow">
+                    <a:lnL w="12700">
+                      <a:solidFill>
+                        <a:srgbClr val="000000"/>
+                      </a:solidFill>
+                      <a:miter lim="400000"/>
+                    </a:lnL>
+                    <a:lnR w="12700">
+                      <a:solidFill>
+                        <a:srgbClr val="000000"/>
+                      </a:solidFill>
+                      <a:miter lim="400000"/>
+                    </a:lnR>
+                    <a:lnT w="12700">
+                      <a:solidFill>
+                        <a:srgbClr val="000000"/>
+                      </a:solidFill>
+                      <a:miter lim="400000"/>
+                    </a:lnT>
+                    <a:lnB w="12700">
+                      <a:solidFill>
+                        <a:srgbClr val="000000"/>
+                      </a:solidFill>
+                      <a:miter lim="400000"/>
+                    </a:lnB>
+                  </a:tcPr>
+                </a:tc>
+              </a:tr>
+            </a:tbl>
+          </a:graphicData>
+        </a:graphic>
+      </p:graphicFrame>
+      <p:sp>
+        <p:nvSpPr>
+          <p:cNvPr id="200" name="Text"/>
+          <p:cNvSpPr txBox="1"/>
+          <p:nvPr/>
+        </p:nvSpPr>
+        <p:spPr>
+          <a:xfrm>
+            <a:off x="1686492" y="4713329"/>
+            <a:ext cx="127001" cy="624841"/>
+          </a:xfrm>
+          <a:prstGeom prst="rect">
+            <a:avLst/>
+          </a:prstGeom>
+          <a:ln w="12700">
+            <a:miter lim="400000"/>
+          </a:ln>
+          <a:extLst>
+            <a:ext uri="{C572A759-6A51-4108-AA02-DFA0A04FC94B}">
+              <ma14:wrappingTextBoxFlag xmlns:ma14="http://schemas.microsoft.com/office/mac/drawingml/2011/main" val="1"/>
+            </a:ext>
+          </a:extLst>
+        </p:spPr>
+        <p:txBody>
+          <a:bodyPr wrap="none" lIns="45719" rIns="45719">
+            <a:spAutoFit/>
+          </a:bodyPr>
+          <a:lstStyle/>
+          <a:p>
+            <a:pPr defTabSz="12700">
+              <a:tabLst>
+                <a:tab pos="355600" algn="l"/>
+                <a:tab pos="711200" algn="l"/>
+                <a:tab pos="1066800" algn="l"/>
+                <a:tab pos="1422400" algn="l"/>
+                <a:tab pos="1778000" algn="l"/>
+                <a:tab pos="2133600" algn="l"/>
+                <a:tab pos="2489200" algn="l"/>
+                <a:tab pos="2844800" algn="l"/>
+                <a:tab pos="3200400" algn="l"/>
+                <a:tab pos="3556000" algn="l"/>
+                <a:tab pos="3911600" algn="l"/>
+                <a:tab pos="4267200" algn="l"/>
+              </a:tabLst>
+              <a:defRPr sz="1200">
+                <a:latin typeface="+mj-lt"/>
+                <a:ea typeface="+mj-ea"/>
+                <a:cs typeface="+mj-cs"/>
+                <a:sym typeface="Helvetica"/>
+              </a:defRPr>
+            </a:pPr>
+          </a:p>
+          <a:p>
+            <a:pPr defTabSz="12700">
+              <a:tabLst>
+                <a:tab pos="355600" algn="l"/>
+                <a:tab pos="711200" algn="l"/>
+                <a:tab pos="1066800" algn="l"/>
+                <a:tab pos="1422400" algn="l"/>
+                <a:tab pos="1778000" algn="l"/>
+                <a:tab pos="2133600" algn="l"/>
+                <a:tab pos="2489200" algn="l"/>
+                <a:tab pos="2844800" algn="l"/>
+                <a:tab pos="3200400" algn="l"/>
+                <a:tab pos="3556000" algn="l"/>
+                <a:tab pos="3911600" algn="l"/>
+                <a:tab pos="4267200" algn="l"/>
+              </a:tabLst>
+              <a:defRPr sz="1200">
+                <a:latin typeface="+mj-lt"/>
+                <a:ea typeface="+mj-ea"/>
+                <a:cs typeface="+mj-cs"/>
+                <a:sym typeface="Helvetica"/>
+              </a:defRPr>
+            </a:pPr>
+          </a:p>
+        </p:txBody>
+      </p:sp>
+    </p:spTree>
+  </p:cSld>
+  <p:clrMapOvr>
+    <a:masterClrMapping/>
+  </p:clrMapOvr>
+  <p:transition xmlns:p14="http://schemas.microsoft.com/office/powerpoint/2010/main" spd="med" advClick="1"/>
+</p:sld>
+</file>
+
+<file path=ppt/slides/slide14.xml><?xml version="1.0" encoding="utf-8"?>
+<p:sld xmlns:a="http://schemas.openxmlformats.org/drawingml/2006/main" xmlns:r="http://schemas.openxmlformats.org/officeDocument/2006/relationships" xmlns:p="http://schemas.openxmlformats.org/presentationml/2006/main" showMasterSp="1" showMasterPhAnim="1">
+  <p:cSld>
+    <p:spTree>
+      <p:nvGrpSpPr>
+        <p:cNvPr id="1" name=""/>
+        <p:cNvGrpSpPr/>
+        <p:nvPr/>
+      </p:nvGrpSpPr>
+      <p:grpSpPr>
+        <a:xfrm>
+          <a:off x="0" y="0"/>
+          <a:ext cx="0" cy="0"/>
+          <a:chOff x="0" y="0"/>
+          <a:chExt cx="0" cy="0"/>
+        </a:xfrm>
+      </p:grpSpPr>
+      <p:pic>
+        <p:nvPicPr>
+          <p:cNvPr id="202" name="Рисунок 3" descr="Рисунок 3"/>
+          <p:cNvPicPr>
+            <a:picLocks noChangeAspect="1"/>
+          </p:cNvPicPr>
+          <p:nvPr/>
+        </p:nvPicPr>
+        <p:blipFill>
+          <a:blip r:embed="rId2">
+            <a:extLst/>
+          </a:blip>
+          <a:stretch>
+            <a:fillRect/>
+          </a:stretch>
+        </p:blipFill>
+        <p:spPr>
+          <a:xfrm>
+            <a:off x="0" y="3880489"/>
+            <a:ext cx="6119448" cy="3985541"/>
+          </a:xfrm>
+          <a:prstGeom prst="rect">
+            <a:avLst/>
+          </a:prstGeom>
+          <a:ln w="12700">
+            <a:miter lim="400000"/>
+          </a:ln>
+        </p:spPr>
+      </p:pic>
+      <p:sp>
+        <p:nvSpPr>
+          <p:cNvPr id="203" name="Заголовок 2"/>
+          <p:cNvSpPr txBox="1"/>
+          <p:nvPr/>
+        </p:nvSpPr>
+        <p:spPr>
+          <a:xfrm>
+            <a:off x="838200" y="1153043"/>
+            <a:ext cx="10515600" cy="1325564"/>
+          </a:xfrm>
+          <a:prstGeom prst="rect">
+            <a:avLst/>
+          </a:prstGeom>
+          <a:ln w="12700">
+            <a:miter lim="400000"/>
+          </a:ln>
+          <a:extLst>
+            <a:ext uri="{C572A759-6A51-4108-AA02-DFA0A04FC94B}">
+              <ma14:wrappingTextBoxFlag xmlns:ma14="http://schemas.microsoft.com/office/mac/drawingml/2011/main" val="1"/>
+            </a:ext>
+          </a:extLst>
+        </p:spPr>
+        <p:txBody>
+          <a:bodyPr lIns="45719" rIns="45719">
+            <a:normAutofit fontScale="100000" lnSpcReduction="0"/>
+          </a:bodyPr>
+          <a:lstStyle/>
+          <a:p>
+            <a:pPr algn="ctr">
+              <a:lnSpc>
+                <a:spcPct val="90000"/>
+              </a:lnSpc>
+              <a:defRPr b="1" sz="2400">
+                <a:latin typeface="Times New Roman"/>
+                <a:ea typeface="Times New Roman"/>
+                <a:cs typeface="Times New Roman"/>
+                <a:sym typeface="Times New Roman"/>
+              </a:defRPr>
+            </a:pPr>
+            <a:r>
+              <a:t>Прискорення методу Р</a:t>
+            </a:r>
+            <a:r>
+              <a:t>і</a:t>
+            </a:r>
+            <a:r>
+              <a:t>чардсона на різних архітектурах</a:t>
+            </a:r>
+          </a:p>
+        </p:txBody>
+      </p:sp>
+      <p:sp>
+        <p:nvSpPr>
+          <p:cNvPr id="204" name="TextBox 2"/>
+          <p:cNvSpPr txBox="1"/>
+          <p:nvPr/>
+        </p:nvSpPr>
+        <p:spPr>
+          <a:xfrm>
+            <a:off x="334107" y="252830"/>
+            <a:ext cx="11523786" cy="691330"/>
+          </a:xfrm>
+          <a:prstGeom prst="rect">
+            <a:avLst/>
+          </a:prstGeom>
+          <a:ln w="12700">
+            <a:miter lim="400000"/>
+          </a:ln>
+          <a:extLst>
+            <a:ext uri="{C572A759-6A51-4108-AA02-DFA0A04FC94B}">
+              <ma14:wrappingTextBoxFlag xmlns:ma14="http://schemas.microsoft.com/office/mac/drawingml/2011/main" val="1"/>
+            </a:ext>
+          </a:extLst>
+        </p:spPr>
+        <p:txBody>
+          <a:bodyPr lIns="45719" rIns="45719">
+            <a:spAutoFit/>
+          </a:bodyPr>
+          <a:lstStyle/>
+          <a:p>
+            <a:pPr algn="ctr">
+              <a:defRPr b="1" sz="2400">
+                <a:effectLst>
+                  <a:outerShdw sx="100000" sy="100000" kx="0" ky="0" algn="b" rotWithShape="0" blurRad="38100" dist="19050" dir="2700000">
+                    <a:srgbClr val="000000">
+                      <a:alpha val="40000"/>
+                    </a:srgbClr>
+                  </a:outerShdw>
+                </a:effectLst>
+                <a:latin typeface="Times New Roman"/>
+                <a:ea typeface="Times New Roman"/>
+                <a:cs typeface="Times New Roman"/>
+                <a:sym typeface="Times New Roman"/>
+              </a:defRPr>
+            </a:pPr>
+            <a:r>
+              <a:t>ЧАСТИНА 4. </a:t>
+            </a:r>
+          </a:p>
+          <a:p>
+            <a:pPr algn="ctr">
+              <a:defRPr b="1">
+                <a:effectLst>
+                  <a:outerShdw sx="100000" sy="100000" kx="0" ky="0" algn="b" rotWithShape="0" blurRad="38100" dist="19050" dir="2700000">
+                    <a:srgbClr val="000000">
+                      <a:alpha val="40000"/>
+                    </a:srgbClr>
+                  </a:outerShdw>
+                </a:effectLst>
+                <a:latin typeface="Times New Roman"/>
+                <a:ea typeface="Times New Roman"/>
+                <a:cs typeface="Times New Roman"/>
+                <a:sym typeface="Times New Roman"/>
+              </a:defRPr>
+            </a:pPr>
+            <a:r>
+              <a:t>ПАРАЛЕЛЬНІ АЛГОРИТМИ ТА ЧИСЕЛЬНІ ЕКСПЕРИМЕНТИ АРХІТЕКТУРИ 1 CPU + 2 GPU</a:t>
+            </a:r>
+          </a:p>
+        </p:txBody>
+      </p:sp>
+      <p:pic>
+        <p:nvPicPr>
+          <p:cNvPr id="205" name="pasted-image.png" descr="pasted-image.png"/>
+          <p:cNvPicPr>
+            <a:picLocks noChangeAspect="1"/>
+          </p:cNvPicPr>
+          <p:nvPr/>
+        </p:nvPicPr>
+        <p:blipFill>
+          <a:blip r:embed="rId3">
+            <a:extLst/>
+          </a:blip>
+          <a:stretch>
+            <a:fillRect/>
+          </a:stretch>
+        </p:blipFill>
+        <p:spPr>
+          <a:xfrm>
+            <a:off x="2745280" y="2315114"/>
+            <a:ext cx="6701440" cy="2908868"/>
+          </a:xfrm>
+          <a:prstGeom prst="rect">
+            <a:avLst/>
+          </a:prstGeom>
+          <a:ln w="12700">
+            <a:miter lim="400000"/>
+          </a:ln>
+        </p:spPr>
+      </p:pic>
+    </p:spTree>
+  </p:cSld>
+  <p:clrMapOvr>
+    <a:masterClrMapping/>
+  </p:clrMapOvr>
+  <p:transition xmlns:p14="http://schemas.microsoft.com/office/powerpoint/2010/main" spd="med" advClick="1"/>
+</p:sld>
+</file>
+
+<file path=ppt/slides/slide15.xml><?xml version="1.0" encoding="utf-8"?>
+<p:sld xmlns:a="http://schemas.openxmlformats.org/drawingml/2006/main" xmlns:r="http://schemas.openxmlformats.org/officeDocument/2006/relationships" xmlns:p="http://schemas.openxmlformats.org/presentationml/2006/main" showMasterSp="1" showMasterPhAnim="1">
+  <p:cSld>
+    <p:spTree>
+      <p:nvGrpSpPr>
+        <p:cNvPr id="1" name=""/>
+        <p:cNvGrpSpPr/>
+        <p:nvPr/>
+      </p:nvGrpSpPr>
+      <p:grpSpPr>
+        <a:xfrm>
+          <a:off x="0" y="0"/>
+          <a:ext cx="0" cy="0"/>
+          <a:chOff x="0" y="0"/>
+          <a:chExt cx="0" cy="0"/>
+        </a:xfrm>
+      </p:grpSpPr>
+      <p:pic>
+        <p:nvPicPr>
+          <p:cNvPr id="207" name="Рисунок 3" descr="Рисунок 3"/>
+          <p:cNvPicPr>
+            <a:picLocks noChangeAspect="1"/>
+          </p:cNvPicPr>
+          <p:nvPr/>
+        </p:nvPicPr>
+        <p:blipFill>
+          <a:blip r:embed="rId2">
+            <a:extLst/>
+          </a:blip>
+          <a:stretch>
+            <a:fillRect/>
+          </a:stretch>
+        </p:blipFill>
+        <p:spPr>
+          <a:xfrm rot="10800000">
+            <a:off x="6072552" y="3798427"/>
+            <a:ext cx="6119448" cy="3985541"/>
+          </a:xfrm>
+          <a:prstGeom prst="rect">
+            <a:avLst/>
+          </a:prstGeom>
+          <a:ln w="12700">
+            <a:miter lim="400000"/>
+          </a:ln>
+        </p:spPr>
+      </p:pic>
+      <p:sp>
+        <p:nvSpPr>
+          <p:cNvPr id="208" name="Заголовок 2"/>
+          <p:cNvSpPr txBox="1"/>
+          <p:nvPr/>
+        </p:nvSpPr>
+        <p:spPr>
+          <a:xfrm>
+            <a:off x="838200" y="1194512"/>
+            <a:ext cx="10515600" cy="1325564"/>
+          </a:xfrm>
+          <a:prstGeom prst="rect">
+            <a:avLst/>
+          </a:prstGeom>
+          <a:ln w="12700">
+            <a:miter lim="400000"/>
+          </a:ln>
+          <a:extLst>
+            <a:ext uri="{C572A759-6A51-4108-AA02-DFA0A04FC94B}">
+              <ma14:wrappingTextBoxFlag xmlns:ma14="http://schemas.microsoft.com/office/mac/drawingml/2011/main" val="1"/>
+            </a:ext>
+          </a:extLst>
+        </p:spPr>
+        <p:txBody>
+          <a:bodyPr lIns="45719" rIns="45719">
+            <a:normAutofit fontScale="100000" lnSpcReduction="0"/>
+          </a:bodyPr>
+          <a:lstStyle>
+            <a:lvl1pPr algn="ctr">
+              <a:lnSpc>
+                <a:spcPct val="90000"/>
+              </a:lnSpc>
+              <a:defRPr b="1" sz="2400">
+                <a:latin typeface="Times New Roman"/>
+                <a:ea typeface="Times New Roman"/>
+                <a:cs typeface="Times New Roman"/>
+                <a:sym typeface="Times New Roman"/>
+              </a:defRPr>
+            </a:lvl1pPr>
+          </a:lstStyle>
+          <a:p>
+            <a:pPr/>
+            <a:r>
+              <a:t>Часи виконання методу верхньої релаксації на різних архітектурах</a:t>
+            </a:r>
+          </a:p>
+        </p:txBody>
+      </p:sp>
+      <p:sp>
+        <p:nvSpPr>
+          <p:cNvPr id="209" name="TextBox 2"/>
+          <p:cNvSpPr txBox="1"/>
+          <p:nvPr/>
+        </p:nvSpPr>
+        <p:spPr>
+          <a:xfrm>
+            <a:off x="334107" y="211361"/>
+            <a:ext cx="11523786" cy="691330"/>
+          </a:xfrm>
+          <a:prstGeom prst="rect">
+            <a:avLst/>
+          </a:prstGeom>
+          <a:ln w="12700">
+            <a:miter lim="400000"/>
+          </a:ln>
+          <a:extLst>
+            <a:ext uri="{C572A759-6A51-4108-AA02-DFA0A04FC94B}">
+              <ma14:wrappingTextBoxFlag xmlns:ma14="http://schemas.microsoft.com/office/mac/drawingml/2011/main" val="1"/>
+            </a:ext>
+          </a:extLst>
+        </p:spPr>
+        <p:txBody>
+          <a:bodyPr lIns="45719" rIns="45719">
+            <a:spAutoFit/>
+          </a:bodyPr>
+          <a:lstStyle/>
+          <a:p>
+            <a:pPr algn="ctr">
+              <a:defRPr b="1" sz="2400">
+                <a:effectLst>
+                  <a:outerShdw sx="100000" sy="100000" kx="0" ky="0" algn="b" rotWithShape="0" blurRad="38100" dist="19050" dir="2700000">
+                    <a:srgbClr val="000000">
+                      <a:alpha val="40000"/>
+                    </a:srgbClr>
+                  </a:outerShdw>
+                </a:effectLst>
+                <a:latin typeface="Times New Roman"/>
+                <a:ea typeface="Times New Roman"/>
+                <a:cs typeface="Times New Roman"/>
+                <a:sym typeface="Times New Roman"/>
+              </a:defRPr>
+            </a:pPr>
+            <a:r>
+              <a:t>ЧАСТИНА 4. </a:t>
+            </a:r>
+          </a:p>
+          <a:p>
+            <a:pPr algn="ctr">
+              <a:defRPr b="1">
+                <a:effectLst>
+                  <a:outerShdw sx="100000" sy="100000" kx="0" ky="0" algn="b" rotWithShape="0" blurRad="38100" dist="19050" dir="2700000">
+                    <a:srgbClr val="000000">
+                      <a:alpha val="40000"/>
+                    </a:srgbClr>
+                  </a:outerShdw>
+                </a:effectLst>
+                <a:latin typeface="Times New Roman"/>
+                <a:ea typeface="Times New Roman"/>
+                <a:cs typeface="Times New Roman"/>
+                <a:sym typeface="Times New Roman"/>
+              </a:defRPr>
+            </a:pPr>
+            <a:r>
+              <a:t>ПАРАЛЕЛЬНІ АЛГОРИТМИ ТА ЧИСЕЛЬНІ ЕКСПЕРИМЕНТИ АРХІТЕКТУРИ 1 CPU + 2 GPU</a:t>
+            </a:r>
+          </a:p>
+        </p:txBody>
+      </p:sp>
+      <p:pic>
+        <p:nvPicPr>
+          <p:cNvPr id="210" name="pasted-image.png" descr="pasted-image.png"/>
+          <p:cNvPicPr>
+            <a:picLocks noChangeAspect="1"/>
+          </p:cNvPicPr>
+          <p:nvPr/>
+        </p:nvPicPr>
+        <p:blipFill>
+          <a:blip r:embed="rId3">
+            <a:extLst/>
+          </a:blip>
+          <a:stretch>
+            <a:fillRect/>
+          </a:stretch>
+        </p:blipFill>
+        <p:spPr>
+          <a:xfrm>
+            <a:off x="2724322" y="2425700"/>
+            <a:ext cx="6743356" cy="2967828"/>
+          </a:xfrm>
+          <a:prstGeom prst="rect">
+            <a:avLst/>
+          </a:prstGeom>
+          <a:ln w="12700">
+            <a:miter lim="400000"/>
+          </a:ln>
+        </p:spPr>
+      </p:pic>
+    </p:spTree>
+  </p:cSld>
+  <p:clrMapOvr>
+    <a:masterClrMapping/>
+  </p:clrMapOvr>
+  <p:transition xmlns:p14="http://schemas.microsoft.com/office/powerpoint/2010/main" spd="med" advClick="1"/>
+</p:sld>
+</file>
+
+<file path=ppt/slides/slide16.xml><?xml version="1.0" encoding="utf-8"?>
+<p:sld xmlns:a="http://schemas.openxmlformats.org/drawingml/2006/main" xmlns:r="http://schemas.openxmlformats.org/officeDocument/2006/relationships" xmlns:p="http://schemas.openxmlformats.org/presentationml/2006/main" showMasterSp="1" showMasterPhAnim="1">
+  <p:cSld>
+    <p:spTree>
+      <p:nvGrpSpPr>
+        <p:cNvPr id="1" name=""/>
+        <p:cNvGrpSpPr/>
+        <p:nvPr/>
+      </p:nvGrpSpPr>
+      <p:grpSpPr>
+        <a:xfrm>
+          <a:off x="0" y="0"/>
+          <a:ext cx="0" cy="0"/>
+          <a:chOff x="0" y="0"/>
+          <a:chExt cx="0" cy="0"/>
+        </a:xfrm>
+      </p:grpSpPr>
+      <p:pic>
+        <p:nvPicPr>
+          <p:cNvPr id="212" name="Рисунок 1" descr="Рисунок 1"/>
           <p:cNvPicPr>
             <a:picLocks noChangeAspect="1"/>
           </p:cNvPicPr>
@@ -4470,8 +7217,8 @@
       </p:pic>
       <p:sp>
         <p:nvSpPr>
-          <p:cNvPr id="182" name="Прямоугольник 6"/>
-          <p:cNvSpPr/>
+          <p:cNvPr id="213" name="Прямоугольник 6"/>
+          <p:cNvSpPr txBox="1"/>
           <p:nvPr/>
         </p:nvSpPr>
         <p:spPr>
@@ -4574,7 +7321,7 @@
       <p:sp>
         <p:nvSpPr>
           <p:cNvPr id="117" name="TextBox 2"/>
-          <p:cNvSpPr/>
+          <p:cNvSpPr txBox="1"/>
           <p:nvPr/>
         </p:nvSpPr>
         <p:spPr>
@@ -4623,7 +7370,7 @@
             </a:r>
             <a:r>
               <a:rPr b="0" sz="2400"/>
-              <a:t>: розробка та дослідження гібридних ітераційних алгоритмів для розв’язання різницевих рівнянь для еліптичних операторів. Використання повного спектру можливостей гібридних схем.</a:t>
+              <a:t>: розробка та дослідження гібридних ітераційних алгоритмів для розв’язання різницевих рівнянь для еліптичних операторів. Використання повного спектру можливостей гібридних архітектур.</a:t>
             </a:r>
             <a:endParaRPr sz="2400"/>
           </a:p>
@@ -4772,7 +7519,7 @@
       <p:sp>
         <p:nvSpPr>
           <p:cNvPr id="121" name="TextBox 2"/>
-          <p:cNvSpPr/>
+          <p:cNvSpPr txBox="1"/>
           <p:nvPr/>
         </p:nvSpPr>
         <p:spPr>
@@ -4940,9 +7687,9 @@
           </a:stretch>
         </p:blipFill>
         <p:spPr>
-          <a:xfrm rot="10800000">
-            <a:off x="6072552" y="3845319"/>
-            <a:ext cx="6119448" cy="3985542"/>
+          <a:xfrm>
+            <a:off x="0" y="3950827"/>
+            <a:ext cx="6119448" cy="3985541"/>
           </a:xfrm>
           <a:prstGeom prst="rect">
             <a:avLst/>
@@ -4955,52 +7702,7 @@
       <p:sp>
         <p:nvSpPr>
           <p:cNvPr id="126" name="TextBox 2"/>
-          <p:cNvSpPr/>
-          <p:nvPr/>
-        </p:nvSpPr>
-        <p:spPr>
-          <a:xfrm>
-            <a:off x="316521" y="1699846"/>
-            <a:ext cx="10527325" cy="889135"/>
-          </a:xfrm>
-          <a:prstGeom prst="rect">
-            <a:avLst/>
-          </a:prstGeom>
-          <a:ln w="12700">
-            <a:miter lim="400000"/>
-          </a:ln>
-          <a:extLst>
-            <a:ext uri="{C572A759-6A51-4108-AA02-DFA0A04FC94B}">
-              <ma14:wrappingTextBoxFlag xmlns:ma14="http://schemas.microsoft.com/office/mac/drawingml/2011/main" val="1"/>
-            </a:ext>
-          </a:extLst>
-        </p:spPr>
-        <p:txBody>
-          <a:bodyPr lIns="45719" rIns="45719">
-            <a:spAutoFit/>
-          </a:bodyPr>
-          <a:lstStyle>
-            <a:lvl1pPr>
-              <a:defRPr sz="2800">
-                <a:latin typeface="Times New Roman"/>
-                <a:ea typeface="Times New Roman"/>
-                <a:cs typeface="Times New Roman"/>
-                <a:sym typeface="Times New Roman"/>
-              </a:defRPr>
-            </a:lvl1pPr>
-          </a:lstStyle>
-          <a:p>
-            <a:pPr/>
-            <a:r>
-              <a:t>	Програмні інтерфейси, які дозволяють максимально задіяти потужності гібридного компю’тера:</a:t>
-            </a:r>
-          </a:p>
-        </p:txBody>
-      </p:sp>
-      <p:sp>
-        <p:nvSpPr>
-          <p:cNvPr id="127" name="TextBox 4"/>
-          <p:cNvSpPr/>
+          <p:cNvSpPr txBox="1"/>
           <p:nvPr/>
         </p:nvSpPr>
         <p:spPr>
@@ -5069,7 +7771,7 @@
       </p:sp>
       <p:pic>
         <p:nvPicPr>
-          <p:cNvPr id="128" name="Рисунок 5" descr="Рисунок 5"/>
+          <p:cNvPr id="127" name="Рисунок 3" descr="Рисунок 3"/>
           <p:cNvPicPr>
             <a:picLocks noChangeAspect="1"/>
           </p:cNvPicPr>
@@ -5098,14 +7800,14 @@
       </p:pic>
       <p:sp>
         <p:nvSpPr>
-          <p:cNvPr id="129" name="TextBox 6"/>
-          <p:cNvSpPr/>
+          <p:cNvPr id="128" name="TextBox 4"/>
+          <p:cNvSpPr txBox="1"/>
           <p:nvPr/>
         </p:nvSpPr>
         <p:spPr>
           <a:xfrm>
-            <a:off x="4255475" y="3590273"/>
-            <a:ext cx="6482863" cy="1701935"/>
+            <a:off x="3950677" y="1441937"/>
+            <a:ext cx="4085124" cy="421393"/>
           </a:xfrm>
           <a:prstGeom prst="rect">
             <a:avLst/>
@@ -5125,10 +7827,15 @@
           </a:bodyPr>
           <a:lstStyle/>
           <a:p>
-            <a:pPr marL="285750" indent="-285750">
-              <a:buSzPct val="100000"/>
-              <a:buChar char="▪"/>
-              <a:defRPr sz="2800">
+            <a:pPr algn="ctr">
+              <a:defRPr b="1" sz="2400">
+                <a:effectLst>
+                  <a:outerShdw sx="100000" sy="100000" kx="0" ky="0" algn="b" rotWithShape="0" blurRad="38100" dist="38100" dir="2700000">
+                    <a:srgbClr val="000000">
+                      <a:alpha val="43137"/>
+                    </a:srgbClr>
+                  </a:outerShdw>
+                </a:effectLst>
                 <a:latin typeface="Times New Roman"/>
                 <a:ea typeface="Times New Roman"/>
                 <a:cs typeface="Times New Roman"/>
@@ -5136,14 +7843,76 @@
               </a:defRPr>
             </a:pPr>
             <a:r>
-              <a:t>NVidia CUDA</a:t>
-            </a:r>
-          </a:p>
+              <a:t>Технологія </a:t>
+            </a:r>
+            <a:r>
+              <a:t>CUDA</a:t>
+            </a:r>
+          </a:p>
+        </p:txBody>
+      </p:sp>
+      <p:pic>
+        <p:nvPicPr>
+          <p:cNvPr id="129" name="Рисунок 5" descr="Рисунок 5"/>
+          <p:cNvPicPr>
+            <a:picLocks noChangeAspect="1"/>
+          </p:cNvPicPr>
+          <p:nvPr/>
+        </p:nvPicPr>
+        <p:blipFill>
+          <a:blip r:embed="rId4">
+            <a:extLst/>
+          </a:blip>
+          <a:stretch>
+            <a:fillRect/>
+          </a:stretch>
+        </p:blipFill>
+        <p:spPr>
+          <a:xfrm>
+            <a:off x="8721969" y="1342498"/>
+            <a:ext cx="2421132" cy="1495077"/>
+          </a:xfrm>
+          <a:prstGeom prst="rect">
+            <a:avLst/>
+          </a:prstGeom>
+          <a:ln w="12700">
+            <a:miter lim="400000"/>
+          </a:ln>
+        </p:spPr>
+      </p:pic>
+      <p:sp>
+        <p:nvSpPr>
+          <p:cNvPr id="130" name="TextBox 6"/>
+          <p:cNvSpPr txBox="1"/>
+          <p:nvPr/>
+        </p:nvSpPr>
+        <p:spPr>
+          <a:xfrm>
+            <a:off x="2060330" y="2527276"/>
+            <a:ext cx="7731367" cy="2821693"/>
+          </a:xfrm>
+          <a:prstGeom prst="rect">
+            <a:avLst/>
+          </a:prstGeom>
+          <a:ln w="12700">
+            <a:miter lim="400000"/>
+          </a:ln>
+          <a:extLst>
+            <a:ext uri="{C572A759-6A51-4108-AA02-DFA0A04FC94B}">
+              <ma14:wrappingTextBoxFlag xmlns:ma14="http://schemas.microsoft.com/office/mac/drawingml/2011/main" val="1"/>
+            </a:ext>
+          </a:extLst>
+        </p:spPr>
+        <p:txBody>
+          <a:bodyPr lIns="45719" rIns="45719">
+            <a:spAutoFit/>
+          </a:bodyPr>
+          <a:lstStyle/>
           <a:p>
             <a:pPr marL="285750" indent="-285750">
               <a:buSzPct val="100000"/>
               <a:buChar char="▪"/>
-              <a:defRPr sz="2800">
+              <a:defRPr sz="2400">
                 <a:latin typeface="Times New Roman"/>
                 <a:ea typeface="Times New Roman"/>
                 <a:cs typeface="Times New Roman"/>
@@ -5151,14 +7920,17 @@
               </a:defRPr>
             </a:pPr>
             <a:r>
-              <a:t>ATI Stream Technology</a:t>
-            </a:r>
-          </a:p>
-          <a:p>
-            <a:pPr marL="285750" indent="-285750">
+              <a:t>CUDA </a:t>
+            </a:r>
+            <a:r>
+              <a:t>архітектура</a:t>
+            </a:r>
+          </a:p>
+          <a:p>
+            <a:pPr lvl="1" marL="742950" indent="-285750">
               <a:buSzPct val="100000"/>
               <a:buChar char="▪"/>
-              <a:defRPr sz="2800">
+              <a:defRPr sz="2400">
                 <a:latin typeface="Times New Roman"/>
                 <a:ea typeface="Times New Roman"/>
                 <a:cs typeface="Times New Roman"/>
@@ -5166,14 +7938,20 @@
               </a:defRPr>
             </a:pPr>
             <a:r>
-              <a:t>OpenMP</a:t>
-            </a:r>
-          </a:p>
-          <a:p>
-            <a:pPr marL="285750" indent="-285750">
+              <a:t>Використання </a:t>
+            </a:r>
+            <a:r>
+              <a:t>GPU </a:t>
+            </a:r>
+            <a:r>
+              <a:t>обчислень для звичайних цілей</a:t>
+            </a:r>
+          </a:p>
+          <a:p>
+            <a:pPr lvl="1" marL="742950" indent="-285750">
               <a:buSzPct val="100000"/>
               <a:buChar char="▪"/>
-              <a:defRPr sz="2800">
+              <a:defRPr sz="2400">
                 <a:latin typeface="Times New Roman"/>
                 <a:ea typeface="Times New Roman"/>
                 <a:cs typeface="Times New Roman"/>
@@ -5181,7 +7959,73 @@
               </a:defRPr>
             </a:pPr>
             <a:r>
-              <a:t>MPI</a:t>
+              <a:t>Збереження продуктивності</a:t>
+            </a:r>
+          </a:p>
+          <a:p>
+            <a:pPr marL="285750" indent="-285750">
+              <a:buSzPct val="100000"/>
+              <a:buChar char="▪"/>
+              <a:defRPr sz="2400">
+                <a:latin typeface="Times New Roman"/>
+                <a:ea typeface="Times New Roman"/>
+                <a:cs typeface="Times New Roman"/>
+                <a:sym typeface="Times New Roman"/>
+              </a:defRPr>
+            </a:pPr>
+            <a:r>
+              <a:t>CUDA  - C/C++ </a:t>
+            </a:r>
+            <a:r>
+              <a:t>мова програмування</a:t>
+            </a:r>
+          </a:p>
+          <a:p>
+            <a:pPr lvl="1" marL="742950" indent="-285750">
+              <a:buSzPct val="100000"/>
+              <a:buChar char="▪"/>
+              <a:defRPr sz="2400">
+                <a:latin typeface="Times New Roman"/>
+                <a:ea typeface="Times New Roman"/>
+                <a:cs typeface="Times New Roman"/>
+                <a:sym typeface="Times New Roman"/>
+              </a:defRPr>
+            </a:pPr>
+            <a:r>
+              <a:t>Заснована на стандартизованому </a:t>
+            </a:r>
+            <a:r>
+              <a:t>C/C++</a:t>
+            </a:r>
+          </a:p>
+          <a:p>
+            <a:pPr lvl="1" marL="742950" indent="-285750">
+              <a:buSzPct val="100000"/>
+              <a:buChar char="▪"/>
+              <a:defRPr sz="2400">
+                <a:latin typeface="Times New Roman"/>
+                <a:ea typeface="Times New Roman"/>
+                <a:cs typeface="Times New Roman"/>
+                <a:sym typeface="Times New Roman"/>
+              </a:defRPr>
+            </a:pPr>
+            <a:r>
+              <a:t>Має малий набір доповнень для включення можливостей гетерогенного програмування</a:t>
+            </a:r>
+          </a:p>
+          <a:p>
+            <a:pPr lvl="1" marL="742950" indent="-285750">
+              <a:buSzPct val="100000"/>
+              <a:buChar char="▪"/>
+              <a:defRPr sz="2400">
+                <a:latin typeface="Times New Roman"/>
+                <a:ea typeface="Times New Roman"/>
+                <a:cs typeface="Times New Roman"/>
+                <a:sym typeface="Times New Roman"/>
+              </a:defRPr>
+            </a:pPr>
+            <a:r>
+              <a:t>Чітке API для управління пристроями, пам’яттю.</a:t>
             </a:r>
           </a:p>
         </p:txBody>
@@ -5214,7 +8058,7 @@
       </p:grpSpPr>
       <p:pic>
         <p:nvPicPr>
-          <p:cNvPr id="131" name="Рисунок 1" descr="Рисунок 1"/>
+          <p:cNvPr id="132" name="Рисунок 1" descr="Рисунок 1"/>
           <p:cNvPicPr>
             <a:picLocks noChangeAspect="1"/>
           </p:cNvPicPr>
@@ -5230,7 +8074,7 @@
         </p:blipFill>
         <p:spPr>
           <a:xfrm>
-            <a:off x="0" y="3950827"/>
+            <a:off x="0" y="3915659"/>
             <a:ext cx="6119448" cy="3985541"/>
           </a:xfrm>
           <a:prstGeom prst="rect">
@@ -5243,8 +8087,8 @@
       </p:pic>
       <p:sp>
         <p:nvSpPr>
-          <p:cNvPr id="132" name="TextBox 2"/>
-          <p:cNvSpPr/>
+          <p:cNvPr id="133" name="TextBox 3"/>
+          <p:cNvSpPr txBox="1"/>
           <p:nvPr/>
         </p:nvSpPr>
         <p:spPr>
@@ -5286,7 +8130,7 @@
               </a:defRPr>
             </a:pPr>
             <a:r>
-              <a:t>ЧАСТИНА 1. </a:t>
+              <a:t>ЧАСТИНА 2. </a:t>
             </a:r>
           </a:p>
           <a:p>
@@ -5306,14 +8150,14 @@
               </a:defRPr>
             </a:pPr>
             <a:r>
-              <a:t>Огляд архітектур паралельних комп’ютерів  та засобів паралелізації</a:t>
+              <a:t>Аналіз алгоритмів ітераційних методів</a:t>
             </a:r>
           </a:p>
         </p:txBody>
       </p:sp>
       <p:pic>
         <p:nvPicPr>
-          <p:cNvPr id="133" name="Рисунок 3" descr="Рисунок 3"/>
+          <p:cNvPr id="134" name="Рисунок 4" descr="Рисунок 4"/>
           <p:cNvPicPr>
             <a:picLocks noChangeAspect="1"/>
           </p:cNvPicPr>
@@ -5342,400 +8186,14 @@
       </p:pic>
       <p:sp>
         <p:nvSpPr>
-          <p:cNvPr id="134" name="TextBox 4"/>
-          <p:cNvSpPr/>
-          <p:nvPr/>
-        </p:nvSpPr>
-        <p:spPr>
-          <a:xfrm>
-            <a:off x="3950677" y="1441937"/>
-            <a:ext cx="4085125" cy="421393"/>
-          </a:xfrm>
-          <a:prstGeom prst="rect">
-            <a:avLst/>
-          </a:prstGeom>
-          <a:ln w="12700">
-            <a:miter lim="400000"/>
-          </a:ln>
-          <a:extLst>
-            <a:ext uri="{C572A759-6A51-4108-AA02-DFA0A04FC94B}">
-              <ma14:wrappingTextBoxFlag xmlns:ma14="http://schemas.microsoft.com/office/mac/drawingml/2011/main" val="1"/>
-            </a:ext>
-          </a:extLst>
-        </p:spPr>
-        <p:txBody>
-          <a:bodyPr lIns="45719" rIns="45719">
-            <a:spAutoFit/>
-          </a:bodyPr>
-          <a:lstStyle/>
-          <a:p>
-            <a:pPr algn="ctr">
-              <a:defRPr b="1" sz="2400">
-                <a:effectLst>
-                  <a:outerShdw sx="100000" sy="100000" kx="0" ky="0" algn="b" rotWithShape="0" blurRad="38100" dist="38100" dir="2700000">
-                    <a:srgbClr val="000000">
-                      <a:alpha val="43137"/>
-                    </a:srgbClr>
-                  </a:outerShdw>
-                </a:effectLst>
-                <a:latin typeface="Times New Roman"/>
-                <a:ea typeface="Times New Roman"/>
-                <a:cs typeface="Times New Roman"/>
-                <a:sym typeface="Times New Roman"/>
-              </a:defRPr>
-            </a:pPr>
-            <a:r>
-              <a:t>Технологія </a:t>
-            </a:r>
-            <a:r>
-              <a:t>CUDA</a:t>
-            </a:r>
-          </a:p>
-        </p:txBody>
-      </p:sp>
-      <p:pic>
-        <p:nvPicPr>
-          <p:cNvPr id="135" name="Рисунок 5" descr="Рисунок 5"/>
-          <p:cNvPicPr>
-            <a:picLocks noChangeAspect="1"/>
-          </p:cNvPicPr>
-          <p:nvPr/>
-        </p:nvPicPr>
-        <p:blipFill>
-          <a:blip r:embed="rId4">
-            <a:extLst/>
-          </a:blip>
-          <a:stretch>
-            <a:fillRect/>
-          </a:stretch>
-        </p:blipFill>
-        <p:spPr>
-          <a:xfrm>
-            <a:off x="8721969" y="1342498"/>
-            <a:ext cx="2421132" cy="1495077"/>
-          </a:xfrm>
-          <a:prstGeom prst="rect">
-            <a:avLst/>
-          </a:prstGeom>
-          <a:ln w="12700">
-            <a:miter lim="400000"/>
-          </a:ln>
-        </p:spPr>
-      </p:pic>
-      <p:sp>
-        <p:nvSpPr>
-          <p:cNvPr id="136" name="TextBox 6"/>
-          <p:cNvSpPr/>
-          <p:nvPr/>
-        </p:nvSpPr>
-        <p:spPr>
-          <a:xfrm>
-            <a:off x="2060330" y="2527276"/>
-            <a:ext cx="7731367" cy="2821693"/>
-          </a:xfrm>
-          <a:prstGeom prst="rect">
-            <a:avLst/>
-          </a:prstGeom>
-          <a:ln w="12700">
-            <a:miter lim="400000"/>
-          </a:ln>
-          <a:extLst>
-            <a:ext uri="{C572A759-6A51-4108-AA02-DFA0A04FC94B}">
-              <ma14:wrappingTextBoxFlag xmlns:ma14="http://schemas.microsoft.com/office/mac/drawingml/2011/main" val="1"/>
-            </a:ext>
-          </a:extLst>
-        </p:spPr>
-        <p:txBody>
-          <a:bodyPr lIns="45719" rIns="45719">
-            <a:spAutoFit/>
-          </a:bodyPr>
-          <a:lstStyle/>
-          <a:p>
-            <a:pPr marL="285750" indent="-285750">
-              <a:buSzPct val="100000"/>
-              <a:buChar char="▪"/>
-              <a:defRPr sz="2400">
-                <a:latin typeface="Times New Roman"/>
-                <a:ea typeface="Times New Roman"/>
-                <a:cs typeface="Times New Roman"/>
-                <a:sym typeface="Times New Roman"/>
-              </a:defRPr>
-            </a:pPr>
-            <a:r>
-              <a:t>CUDA </a:t>
-            </a:r>
-            <a:r>
-              <a:t>архітектура</a:t>
-            </a:r>
-          </a:p>
-          <a:p>
-            <a:pPr lvl="1" marL="742950" indent="-285750">
-              <a:buSzPct val="100000"/>
-              <a:buChar char="▪"/>
-              <a:defRPr sz="2400">
-                <a:latin typeface="Times New Roman"/>
-                <a:ea typeface="Times New Roman"/>
-                <a:cs typeface="Times New Roman"/>
-                <a:sym typeface="Times New Roman"/>
-              </a:defRPr>
-            </a:pPr>
-            <a:r>
-              <a:t>Використання </a:t>
-            </a:r>
-            <a:r>
-              <a:t>GPU </a:t>
-            </a:r>
-            <a:r>
-              <a:t>обчислень для звичайних цілей</a:t>
-            </a:r>
-          </a:p>
-          <a:p>
-            <a:pPr lvl="1" marL="742950" indent="-285750">
-              <a:buSzPct val="100000"/>
-              <a:buChar char="▪"/>
-              <a:defRPr sz="2400">
-                <a:latin typeface="Times New Roman"/>
-                <a:ea typeface="Times New Roman"/>
-                <a:cs typeface="Times New Roman"/>
-                <a:sym typeface="Times New Roman"/>
-              </a:defRPr>
-            </a:pPr>
-            <a:r>
-              <a:t>Збереження продуктивності</a:t>
-            </a:r>
-          </a:p>
-          <a:p>
-            <a:pPr marL="285750" indent="-285750">
-              <a:buSzPct val="100000"/>
-              <a:buChar char="▪"/>
-              <a:defRPr sz="2400">
-                <a:latin typeface="Times New Roman"/>
-                <a:ea typeface="Times New Roman"/>
-                <a:cs typeface="Times New Roman"/>
-                <a:sym typeface="Times New Roman"/>
-              </a:defRPr>
-            </a:pPr>
-            <a:r>
-              <a:t>CUDA  - C/C++ </a:t>
-            </a:r>
-            <a:r>
-              <a:t>мова програмування</a:t>
-            </a:r>
-          </a:p>
-          <a:p>
-            <a:pPr lvl="1" marL="742950" indent="-285750">
-              <a:buSzPct val="100000"/>
-              <a:buChar char="▪"/>
-              <a:defRPr sz="2400">
-                <a:latin typeface="Times New Roman"/>
-                <a:ea typeface="Times New Roman"/>
-                <a:cs typeface="Times New Roman"/>
-                <a:sym typeface="Times New Roman"/>
-              </a:defRPr>
-            </a:pPr>
-            <a:r>
-              <a:t>Заснована на стандартизованому </a:t>
-            </a:r>
-            <a:r>
-              <a:t>C/C++</a:t>
-            </a:r>
-          </a:p>
-          <a:p>
-            <a:pPr lvl="1" marL="742950" indent="-285750">
-              <a:buSzPct val="100000"/>
-              <a:buChar char="▪"/>
-              <a:defRPr sz="2400">
-                <a:latin typeface="Times New Roman"/>
-                <a:ea typeface="Times New Roman"/>
-                <a:cs typeface="Times New Roman"/>
-                <a:sym typeface="Times New Roman"/>
-              </a:defRPr>
-            </a:pPr>
-            <a:r>
-              <a:t>Має малий набір доповнень для включення можливостей гетерогенного програмування</a:t>
-            </a:r>
-          </a:p>
-          <a:p>
-            <a:pPr lvl="1" marL="742950" indent="-285750">
-              <a:buSzPct val="100000"/>
-              <a:buChar char="▪"/>
-              <a:defRPr sz="2400">
-                <a:latin typeface="Times New Roman"/>
-                <a:ea typeface="Times New Roman"/>
-                <a:cs typeface="Times New Roman"/>
-                <a:sym typeface="Times New Roman"/>
-              </a:defRPr>
-            </a:pPr>
-            <a:r>
-              <a:t>Чітке API для управління пристроями, пам’яттю.</a:t>
-            </a:r>
-          </a:p>
-        </p:txBody>
-      </p:sp>
-    </p:spTree>
-  </p:cSld>
-  <p:clrMapOvr>
-    <a:masterClrMapping/>
-  </p:clrMapOvr>
-  <p:transition xmlns:p14="http://schemas.microsoft.com/office/powerpoint/2010/main" spd="med" advClick="1"/>
-</p:sld>
-</file>
-
-<file path=ppt/slides/slide6.xml><?xml version="1.0" encoding="utf-8"?>
-<p:sld xmlns:a="http://schemas.openxmlformats.org/drawingml/2006/main" xmlns:r="http://schemas.openxmlformats.org/officeDocument/2006/relationships" xmlns:p="http://schemas.openxmlformats.org/presentationml/2006/main" showMasterSp="1" showMasterPhAnim="1">
-  <p:cSld>
-    <p:spTree>
-      <p:nvGrpSpPr>
-        <p:cNvPr id="1" name=""/>
-        <p:cNvGrpSpPr/>
-        <p:nvPr/>
-      </p:nvGrpSpPr>
-      <p:grpSpPr>
-        <a:xfrm>
-          <a:off x="0" y="0"/>
-          <a:ext cx="0" cy="0"/>
-          <a:chOff x="0" y="0"/>
-          <a:chExt cx="0" cy="0"/>
-        </a:xfrm>
-      </p:grpSpPr>
-      <p:pic>
-        <p:nvPicPr>
-          <p:cNvPr id="138" name="Рисунок 1" descr="Рисунок 1"/>
-          <p:cNvPicPr>
-            <a:picLocks noChangeAspect="1"/>
-          </p:cNvPicPr>
-          <p:nvPr/>
-        </p:nvPicPr>
-        <p:blipFill>
-          <a:blip r:embed="rId2">
-            <a:extLst/>
-          </a:blip>
-          <a:stretch>
-            <a:fillRect/>
-          </a:stretch>
-        </p:blipFill>
-        <p:spPr>
-          <a:xfrm>
-            <a:off x="0" y="3915659"/>
-            <a:ext cx="6119448" cy="3985541"/>
-          </a:xfrm>
-          <a:prstGeom prst="rect">
-            <a:avLst/>
-          </a:prstGeom>
-          <a:ln w="12700">
-            <a:miter lim="400000"/>
-          </a:ln>
-        </p:spPr>
-      </p:pic>
-      <p:sp>
-        <p:nvSpPr>
-          <p:cNvPr id="139" name="TextBox 3"/>
-          <p:cNvSpPr/>
-          <p:nvPr/>
-        </p:nvSpPr>
-        <p:spPr>
-          <a:xfrm>
-            <a:off x="164122" y="363415"/>
-            <a:ext cx="11523785" cy="764293"/>
-          </a:xfrm>
-          <a:prstGeom prst="rect">
-            <a:avLst/>
-          </a:prstGeom>
-          <a:ln w="12700">
-            <a:miter lim="400000"/>
-          </a:ln>
-          <a:extLst>
-            <a:ext uri="{C572A759-6A51-4108-AA02-DFA0A04FC94B}">
-              <ma14:wrappingTextBoxFlag xmlns:ma14="http://schemas.microsoft.com/office/mac/drawingml/2011/main" val="1"/>
-            </a:ext>
-          </a:extLst>
-        </p:spPr>
-        <p:txBody>
-          <a:bodyPr lIns="45719" rIns="45719">
-            <a:spAutoFit/>
-          </a:bodyPr>
-          <a:lstStyle/>
-          <a:p>
-            <a:pPr algn="ctr">
-              <a:defRPr b="1" sz="2400">
-                <a:effectLst>
-                  <a:outerShdw sx="100000" sy="100000" kx="0" ky="0" algn="b" rotWithShape="0" blurRad="38100" dist="19050" dir="2700000">
-                    <a:srgbClr val="000000">
-                      <a:alpha val="40000"/>
-                    </a:srgbClr>
-                  </a:outerShdw>
-                </a:effectLst>
-                <a:latin typeface="Times New Roman"/>
-                <a:ea typeface="Times New Roman"/>
-                <a:cs typeface="Times New Roman"/>
-                <a:sym typeface="Times New Roman"/>
-              </a:defRPr>
-            </a:pPr>
-            <a:r>
-              <a:t>ЧАСТИНА 2. </a:t>
-            </a:r>
-          </a:p>
-          <a:p>
-            <a:pPr algn="ctr">
-              <a:defRPr b="1" sz="2400">
-                <a:effectLst>
-                  <a:outerShdw sx="100000" sy="100000" kx="0" ky="0" algn="b" rotWithShape="0" blurRad="38100" dist="19050" dir="2700000">
-                    <a:srgbClr val="000000">
-                      <a:alpha val="40000"/>
-                    </a:srgbClr>
-                  </a:outerShdw>
-                </a:effectLst>
-                <a:latin typeface="Times New Roman"/>
-                <a:ea typeface="Times New Roman"/>
-                <a:cs typeface="Times New Roman"/>
-                <a:sym typeface="Times New Roman"/>
-              </a:defRPr>
-            </a:pPr>
-            <a:r>
-              <a:t>Аналіз алгоритмів ітераційних методів</a:t>
-            </a:r>
-          </a:p>
-        </p:txBody>
-      </p:sp>
-      <p:pic>
-        <p:nvPicPr>
-          <p:cNvPr id="140" name="Рисунок 4" descr="Рисунок 4"/>
-          <p:cNvPicPr>
-            <a:picLocks noChangeAspect="1"/>
-          </p:cNvPicPr>
-          <p:nvPr/>
-        </p:nvPicPr>
-        <p:blipFill>
-          <a:blip r:embed="rId3">
-            <a:extLst/>
-          </a:blip>
-          <a:stretch>
-            <a:fillRect/>
-          </a:stretch>
-        </p:blipFill>
-        <p:spPr>
-          <a:xfrm>
-            <a:off x="3816225" y="712667"/>
-            <a:ext cx="4219576" cy="1076326"/>
-          </a:xfrm>
-          <a:prstGeom prst="rect">
-            <a:avLst/>
-          </a:prstGeom>
-          <a:ln w="12700">
-            <a:miter lim="400000"/>
-          </a:ln>
-        </p:spPr>
-      </p:pic>
-      <p:sp>
-        <p:nvSpPr>
-          <p:cNvPr id="141" name="TextBox 5"/>
-          <p:cNvSpPr/>
+          <p:cNvPr id="135" name="TextBox 5"/>
+          <p:cNvSpPr txBox="1"/>
           <p:nvPr/>
         </p:nvSpPr>
         <p:spPr>
           <a:xfrm>
             <a:off x="2051538" y="1543664"/>
-            <a:ext cx="9144001" cy="421392"/>
+            <a:ext cx="9144000" cy="421392"/>
           </a:xfrm>
           <a:prstGeom prst="rect">
             <a:avLst/>
@@ -5780,7 +8238,7 @@
       </p:sp>
       <p:grpSp>
         <p:nvGrpSpPr>
-          <p:cNvPr id="144" name="TextBox 6"/>
+          <p:cNvPr id="138" name="TextBox 6"/>
           <p:cNvGrpSpPr/>
           <p:nvPr/>
         </p:nvGrpSpPr>
@@ -5794,7 +8252,7 @@
         </p:grpSpPr>
         <p:sp>
           <p:nvSpPr>
-            <p:cNvPr id="142" name="Rectangle"/>
+            <p:cNvPr id="136" name="Rectangle"/>
             <p:cNvSpPr/>
             <p:nvPr/>
           </p:nvSpPr>
@@ -5831,8 +8289,8 @@
         </p:sp>
         <p:sp>
           <p:nvSpPr>
-            <p:cNvPr id="143" name="Text"/>
-            <p:cNvSpPr/>
+            <p:cNvPr id="137" name="Text"/>
+            <p:cNvSpPr txBox="1"/>
             <p:nvPr/>
           </p:nvSpPr>
           <p:spPr>
@@ -5871,7 +8329,7 @@
       </p:grpSp>
       <p:grpSp>
         <p:nvGrpSpPr>
-          <p:cNvPr id="147" name="TextBox 8"/>
+          <p:cNvPr id="141" name="TextBox 8"/>
           <p:cNvGrpSpPr/>
           <p:nvPr/>
         </p:nvGrpSpPr>
@@ -5885,7 +8343,7 @@
         </p:grpSpPr>
         <p:sp>
           <p:nvSpPr>
-            <p:cNvPr id="145" name="Rectangle"/>
+            <p:cNvPr id="139" name="Rectangle"/>
             <p:cNvSpPr/>
             <p:nvPr/>
           </p:nvSpPr>
@@ -5922,8 +8380,8 @@
         </p:sp>
         <p:sp>
           <p:nvSpPr>
-            <p:cNvPr id="146" name="Text"/>
-            <p:cNvSpPr/>
+            <p:cNvPr id="140" name="Text"/>
+            <p:cNvSpPr txBox="1"/>
             <p:nvPr/>
           </p:nvSpPr>
           <p:spPr>
@@ -5969,7 +8427,7 @@
 </p:sld>
 </file>
 
-<file path=ppt/slides/slide7.xml><?xml version="1.0" encoding="utf-8"?>
+<file path=ppt/slides/slide6.xml><?xml version="1.0" encoding="utf-8"?>
 <p:sld xmlns:a="http://schemas.openxmlformats.org/drawingml/2006/main" xmlns:r="http://schemas.openxmlformats.org/officeDocument/2006/relationships" xmlns:p="http://schemas.openxmlformats.org/presentationml/2006/main" showMasterSp="1" showMasterPhAnim="1">
   <p:cSld>
     <p:spTree>
@@ -5988,7 +8446,7 @@
       </p:grpSpPr>
       <p:pic>
         <p:nvPicPr>
-          <p:cNvPr id="149" name="Рисунок 1" descr="Рисунок 1"/>
+          <p:cNvPr id="143" name="Рисунок 1" descr="Рисунок 1"/>
           <p:cNvPicPr>
             <a:picLocks noChangeAspect="1"/>
           </p:cNvPicPr>
@@ -6017,8 +8475,8 @@
       </p:pic>
       <p:sp>
         <p:nvSpPr>
-          <p:cNvPr id="150" name="TextBox 2"/>
-          <p:cNvSpPr/>
+          <p:cNvPr id="144" name="TextBox 2"/>
+          <p:cNvSpPr txBox="1"/>
           <p:nvPr/>
         </p:nvSpPr>
         <p:spPr>
@@ -6087,7 +8545,7 @@
       </p:sp>
       <p:pic>
         <p:nvPicPr>
-          <p:cNvPr id="151" name="Рисунок 3" descr="Рисунок 3"/>
+          <p:cNvPr id="145" name="Рисунок 3" descr="Рисунок 3"/>
           <p:cNvPicPr>
             <a:picLocks noChangeAspect="1"/>
           </p:cNvPicPr>
@@ -6116,8 +8574,8 @@
       </p:pic>
       <p:sp>
         <p:nvSpPr>
-          <p:cNvPr id="152" name="TextBox 4"/>
-          <p:cNvSpPr/>
+          <p:cNvPr id="146" name="TextBox 4"/>
+          <p:cNvSpPr txBox="1"/>
           <p:nvPr/>
         </p:nvSpPr>
         <p:spPr>
@@ -6161,112 +8619,21 @@
           <a:p>
             <a:pPr/>
             <a:r>
-              <a:t>Постановка модельної задачі та впорядкування</a:t>
+              <a:t>Постановка модельної задачі</a:t>
             </a:r>
           </a:p>
         </p:txBody>
       </p:sp>
-      <p:grpSp>
-        <p:nvGrpSpPr>
-          <p:cNvPr id="155" name="TextBox 5"/>
-          <p:cNvGrpSpPr/>
-          <p:nvPr/>
-        </p:nvGrpSpPr>
-        <p:grpSpPr>
-          <a:xfrm>
-            <a:off x="1793629" y="2383570"/>
-            <a:ext cx="8768862" cy="2844626"/>
-            <a:chOff x="0" y="0"/>
-            <a:chExt cx="8768860" cy="2844625"/>
-          </a:xfrm>
-        </p:grpSpPr>
-        <p:sp>
-          <p:nvSpPr>
-            <p:cNvPr id="153" name="Rectangle"/>
-            <p:cNvSpPr/>
-            <p:nvPr/>
-          </p:nvSpPr>
-          <p:spPr>
-            <a:xfrm>
-              <a:off x="0" y="-1"/>
-              <a:ext cx="8768861" cy="2844627"/>
-            </a:xfrm>
-            <a:prstGeom prst="rect">
-              <a:avLst/>
-            </a:prstGeom>
-            <a:blipFill rotWithShape="1">
-              <a:blip r:embed="rId4"/>
-              <a:srcRect l="0" t="0" r="0" b="0"/>
-              <a:stretch>
-                <a:fillRect/>
-              </a:stretch>
-            </a:blipFill>
-            <a:ln w="12700" cap="flat">
-              <a:noFill/>
-              <a:miter lim="400000"/>
-            </a:ln>
-            <a:effectLst/>
-          </p:spPr>
-          <p:txBody>
-            <a:bodyPr wrap="square" lIns="45719" tIns="45719" rIns="45719" bIns="45719" numCol="1" anchor="t">
-              <a:noAutofit/>
-            </a:bodyPr>
-            <a:lstStyle/>
-            <a:p>
-              <a:pPr/>
-            </a:p>
-          </p:txBody>
-        </p:sp>
-        <p:sp>
-          <p:nvSpPr>
-            <p:cNvPr id="154" name="Text"/>
-            <p:cNvSpPr/>
-            <p:nvPr/>
-          </p:nvSpPr>
-          <p:spPr>
-            <a:xfrm>
-              <a:off x="0" y="-1"/>
-              <a:ext cx="8768861" cy="358141"/>
-            </a:xfrm>
-            <a:prstGeom prst="rect">
-              <a:avLst/>
-            </a:prstGeom>
-            <a:noFill/>
-            <a:ln w="12700" cap="flat">
-              <a:noFill/>
-              <a:miter lim="400000"/>
-            </a:ln>
-            <a:effectLst/>
-            <a:extLst>
-              <a:ext uri="{C572A759-6A51-4108-AA02-DFA0A04FC94B}">
-                <ma14:wrappingTextBoxFlag xmlns:ma14="http://schemas.microsoft.com/office/mac/drawingml/2011/main" val="1"/>
-              </a:ext>
-            </a:extLst>
-          </p:spPr>
-          <p:txBody>
-            <a:bodyPr wrap="square" lIns="45719" tIns="45719" rIns="45719" bIns="45719" numCol="1" anchor="t">
-              <a:spAutoFit/>
-            </a:bodyPr>
-            <a:lstStyle/>
-            <a:p>
-              <a:pPr/>
-              <a:r>
-                <a:t> </a:t>
-              </a:r>
-            </a:p>
-          </p:txBody>
-        </p:sp>
-      </p:grpSp>
       <p:sp>
         <p:nvSpPr>
-          <p:cNvPr id="156" name="TextBox 6"/>
-          <p:cNvSpPr/>
+          <p:cNvPr id="147" name="У якості модельної розглядаємо задачу для рівнянь другого порядку в прямокутнику з заданими граничними умовами."/>
+          <p:cNvSpPr txBox="1"/>
           <p:nvPr/>
         </p:nvSpPr>
         <p:spPr>
           <a:xfrm>
-            <a:off x="1699842" y="6067862"/>
-            <a:ext cx="8452341" cy="421393"/>
+            <a:off x="2142933" y="2875403"/>
+            <a:ext cx="7859236" cy="764293"/>
           </a:xfrm>
           <a:prstGeom prst="rect">
             <a:avLst/>
@@ -6297,11 +8664,40 @@
           <a:p>
             <a:pPr/>
             <a:r>
-              <a:t>Розглядаємо два впорядкування: природне та червоно-чорне. </a:t>
+              <a:t>У якості модельної розглядаємо задачу для рівнянь другого порядку в прямокутнику з заданими граничними умовами.</a:t>
             </a:r>
           </a:p>
         </p:txBody>
       </p:sp>
+      <p:pic>
+        <p:nvPicPr>
+          <p:cNvPr id="148" name="pasted-image.png" descr="pasted-image.png"/>
+          <p:cNvPicPr>
+            <a:picLocks noChangeAspect="1"/>
+          </p:cNvPicPr>
+          <p:nvPr/>
+        </p:nvPicPr>
+        <p:blipFill>
+          <a:blip r:embed="rId4">
+            <a:extLst/>
+          </a:blip>
+          <a:stretch>
+            <a:fillRect/>
+          </a:stretch>
+        </p:blipFill>
+        <p:spPr>
+          <a:xfrm>
+            <a:off x="4948601" y="4081797"/>
+            <a:ext cx="2247901" cy="1320801"/>
+          </a:xfrm>
+          <a:prstGeom prst="rect">
+            <a:avLst/>
+          </a:prstGeom>
+          <a:ln w="12700">
+            <a:miter lim="400000"/>
+          </a:ln>
+        </p:spPr>
+      </p:pic>
     </p:spTree>
   </p:cSld>
   <p:clrMapOvr>
@@ -6311,7 +8707,7 @@
 </p:sld>
 </file>
 
-<file path=ppt/slides/slide8.xml><?xml version="1.0" encoding="utf-8"?>
+<file path=ppt/slides/slide7.xml><?xml version="1.0" encoding="utf-8"?>
 <p:sld xmlns:a="http://schemas.openxmlformats.org/drawingml/2006/main" xmlns:r="http://schemas.openxmlformats.org/officeDocument/2006/relationships" xmlns:p="http://schemas.openxmlformats.org/presentationml/2006/main" showMasterSp="1" showMasterPhAnim="1">
   <p:cSld>
     <p:spTree>
@@ -6330,7 +8726,7 @@
       </p:grpSpPr>
       <p:pic>
         <p:nvPicPr>
-          <p:cNvPr id="158" name="Рисунок 1" descr="Рисунок 1"/>
+          <p:cNvPr id="150" name="Рисунок 1" descr="Рисунок 1"/>
           <p:cNvPicPr>
             <a:picLocks noChangeAspect="1"/>
           </p:cNvPicPr>
@@ -6345,9 +8741,9 @@
           </a:stretch>
         </p:blipFill>
         <p:spPr>
-          <a:xfrm>
-            <a:off x="0" y="3892212"/>
-            <a:ext cx="6119448" cy="3985541"/>
+          <a:xfrm rot="10800000">
+            <a:off x="6072552" y="3845319"/>
+            <a:ext cx="6119448" cy="3985542"/>
           </a:xfrm>
           <a:prstGeom prst="rect">
             <a:avLst/>
@@ -6359,14 +8755,14 @@
       </p:pic>
       <p:sp>
         <p:nvSpPr>
-          <p:cNvPr id="159" name="TextBox 2"/>
-          <p:cNvSpPr/>
+          <p:cNvPr id="151" name="TextBox 2"/>
+          <p:cNvSpPr txBox="1"/>
           <p:nvPr/>
         </p:nvSpPr>
         <p:spPr>
           <a:xfrm>
             <a:off x="164122" y="363415"/>
-            <a:ext cx="11523785" cy="764293"/>
+            <a:ext cx="11523785" cy="691330"/>
           </a:xfrm>
           <a:prstGeom prst="rect">
             <a:avLst/>
@@ -6402,12 +8798,12 @@
               </a:defRPr>
             </a:pPr>
             <a:r>
-              <a:t>ЧАСТИНА 2. </a:t>
+              <a:t>ЧАСТИНА 3. </a:t>
             </a:r>
           </a:p>
           <a:p>
             <a:pPr algn="ctr">
-              <a:defRPr b="1" sz="2400">
+              <a:defRPr b="1">
                 <a:effectLst>
                   <a:outerShdw sx="100000" sy="100000" kx="0" ky="0" algn="b" rotWithShape="0" blurRad="38100" dist="19050" dir="2700000">
                     <a:srgbClr val="000000">
@@ -6422,14 +8818,14 @@
               </a:defRPr>
             </a:pPr>
             <a:r>
-              <a:t>Аналіз алгоритмів ітераційних методів</a:t>
+              <a:t>ПАРАЛЕЛЬНІ АЛГОРИТМИ ТА ЧИСЕЛЬНІ ЕКСПЕРИМЕНТИ АРХІТЕКТУРИ 1 CPU + 1 GPU</a:t>
             </a:r>
           </a:p>
         </p:txBody>
       </p:sp>
       <p:pic>
         <p:nvPicPr>
-          <p:cNvPr id="160" name="Рисунок 3" descr="Рисунок 3"/>
+          <p:cNvPr id="152" name="Рисунок 3" descr="Рисунок 3"/>
           <p:cNvPicPr>
             <a:picLocks noChangeAspect="1"/>
           </p:cNvPicPr>
@@ -6458,326 +8854,14 @@
       </p:pic>
       <p:sp>
         <p:nvSpPr>
-          <p:cNvPr id="161" name="TextBox 4"/>
-          <p:cNvSpPr/>
+          <p:cNvPr id="153" name="TextBox 4"/>
+          <p:cNvSpPr txBox="1"/>
           <p:nvPr/>
         </p:nvSpPr>
         <p:spPr>
           <a:xfrm>
-            <a:off x="2028091" y="1543664"/>
-            <a:ext cx="9777047" cy="421392"/>
-          </a:xfrm>
-          <a:prstGeom prst="rect">
-            <a:avLst/>
-          </a:prstGeom>
-          <a:ln w="12700">
-            <a:miter lim="400000"/>
-          </a:ln>
-          <a:extLst>
-            <a:ext uri="{C572A759-6A51-4108-AA02-DFA0A04FC94B}">
-              <ma14:wrappingTextBoxFlag xmlns:ma14="http://schemas.microsoft.com/office/mac/drawingml/2011/main" val="1"/>
-            </a:ext>
-          </a:extLst>
-        </p:spPr>
-        <p:txBody>
-          <a:bodyPr lIns="45719" rIns="45719">
-            <a:spAutoFit/>
-          </a:bodyPr>
-          <a:lstStyle>
-            <a:lvl1pPr>
-              <a:defRPr b="1" sz="2400">
-                <a:effectLst>
-                  <a:outerShdw sx="100000" sy="100000" kx="0" ky="0" algn="b" rotWithShape="0" blurRad="38100" dist="38100" dir="2700000">
-                    <a:srgbClr val="000000">
-                      <a:alpha val="43137"/>
-                    </a:srgbClr>
-                  </a:outerShdw>
-                </a:effectLst>
-                <a:latin typeface="Times New Roman"/>
-                <a:ea typeface="Times New Roman"/>
-                <a:cs typeface="Times New Roman"/>
-                <a:sym typeface="Times New Roman"/>
-              </a:defRPr>
-            </a:lvl1pPr>
-          </a:lstStyle>
-          <a:p>
-            <a:pPr/>
-            <a:r>
-              <a:t>Аналіз алгоритмів та їх вдосконалення</a:t>
-            </a:r>
-          </a:p>
-        </p:txBody>
-      </p:sp>
-      <p:sp>
-        <p:nvSpPr>
-          <p:cNvPr id="162" name="TextBox 6"/>
-          <p:cNvSpPr/>
-          <p:nvPr/>
-        </p:nvSpPr>
-        <p:spPr>
-          <a:xfrm>
-            <a:off x="2270622" y="2005328"/>
-            <a:ext cx="7776057" cy="2709551"/>
-          </a:xfrm>
-          <a:prstGeom prst="rect">
-            <a:avLst/>
-          </a:prstGeom>
-          <a:ln w="12700">
-            <a:miter lim="400000"/>
-          </a:ln>
-          <a:extLst>
-            <a:ext uri="{C572A759-6A51-4108-AA02-DFA0A04FC94B}">
-              <ma14:wrappingTextBoxFlag xmlns:ma14="http://schemas.microsoft.com/office/mac/drawingml/2011/main" val="1"/>
-            </a:ext>
-          </a:extLst>
-        </p:spPr>
-        <p:txBody>
-          <a:bodyPr lIns="45719" rIns="45719">
-            <a:spAutoFit/>
-          </a:bodyPr>
-          <a:lstStyle/>
-          <a:p>
-            <a:pPr>
-              <a:defRPr sz="2000">
-                <a:latin typeface="Times New Roman"/>
-                <a:ea typeface="Times New Roman"/>
-                <a:cs typeface="Times New Roman"/>
-                <a:sym typeface="Times New Roman"/>
-              </a:defRPr>
-            </a:pPr>
-            <a:r>
-              <a:t>Запропоновані методи вдосконалення гібридних систем:</a:t>
-            </a:r>
-          </a:p>
-          <a:p>
-            <a:pPr marL="342900" indent="-342900">
-              <a:buSzPct val="100000"/>
-              <a:buChar char="▪"/>
-              <a:defRPr sz="2000">
-                <a:latin typeface="Times New Roman"/>
-                <a:ea typeface="Times New Roman"/>
-                <a:cs typeface="Times New Roman"/>
-                <a:sym typeface="Times New Roman"/>
-              </a:defRPr>
-            </a:pPr>
-            <a:r>
-              <a:t>розподіл математичної складності через збільшення кількості GPU</a:t>
-            </a:r>
-          </a:p>
-          <a:p>
-            <a:pPr marL="342900" indent="-342900">
-              <a:buSzPct val="100000"/>
-              <a:buChar char="▪"/>
-              <a:defRPr sz="2000">
-                <a:latin typeface="Times New Roman"/>
-                <a:ea typeface="Times New Roman"/>
-                <a:cs typeface="Times New Roman"/>
-                <a:sym typeface="Times New Roman"/>
-              </a:defRPr>
-            </a:pPr>
-            <a:r>
-              <a:t>подальше збільшення кількості CPU та паралельна синхронізація даних</a:t>
-            </a:r>
-          </a:p>
-          <a:p>
-            <a:pPr marL="342900" indent="-342900">
-              <a:buSzPct val="100000"/>
-              <a:buChar char="▪"/>
-              <a:defRPr sz="2000">
-                <a:latin typeface="Times New Roman"/>
-                <a:ea typeface="Times New Roman"/>
-                <a:cs typeface="Times New Roman"/>
-                <a:sym typeface="Times New Roman"/>
-              </a:defRPr>
-            </a:pPr>
-            <a:r>
-              <a:t>аналіз збільшення складності розрахунків за рахунок збільшення розмірності</a:t>
-            </a:r>
-          </a:p>
-          <a:p>
-            <a:pPr>
-              <a:defRPr sz="2000">
-                <a:latin typeface="Times New Roman"/>
-                <a:ea typeface="Times New Roman"/>
-                <a:cs typeface="Times New Roman"/>
-                <a:sym typeface="Times New Roman"/>
-              </a:defRPr>
-            </a:pPr>
-          </a:p>
-          <a:p>
-            <a:pPr marL="342900" indent="-342900">
-              <a:buSzPct val="100000"/>
-              <a:buChar char="▪"/>
-              <a:defRPr sz="2000">
-                <a:latin typeface="Times New Roman"/>
-                <a:ea typeface="Times New Roman"/>
-                <a:cs typeface="Times New Roman"/>
-                <a:sym typeface="Times New Roman"/>
-              </a:defRPr>
-            </a:pPr>
-          </a:p>
-        </p:txBody>
-      </p:sp>
-    </p:spTree>
-  </p:cSld>
-  <p:clrMapOvr>
-    <a:masterClrMapping/>
-  </p:clrMapOvr>
-  <p:transition xmlns:p14="http://schemas.microsoft.com/office/powerpoint/2010/main" spd="med" advClick="1"/>
-</p:sld>
-</file>
-
-<file path=ppt/slides/slide9.xml><?xml version="1.0" encoding="utf-8"?>
-<p:sld xmlns:a="http://schemas.openxmlformats.org/drawingml/2006/main" xmlns:r="http://schemas.openxmlformats.org/officeDocument/2006/relationships" xmlns:p="http://schemas.openxmlformats.org/presentationml/2006/main" showMasterSp="1" showMasterPhAnim="1">
-  <p:cSld>
-    <p:spTree>
-      <p:nvGrpSpPr>
-        <p:cNvPr id="1" name=""/>
-        <p:cNvGrpSpPr/>
-        <p:nvPr/>
-      </p:nvGrpSpPr>
-      <p:grpSpPr>
-        <a:xfrm>
-          <a:off x="0" y="0"/>
-          <a:ext cx="0" cy="0"/>
-          <a:chOff x="0" y="0"/>
-          <a:chExt cx="0" cy="0"/>
-        </a:xfrm>
-      </p:grpSpPr>
-      <p:pic>
-        <p:nvPicPr>
-          <p:cNvPr id="164" name="Рисунок 1" descr="Рисунок 1"/>
-          <p:cNvPicPr>
-            <a:picLocks noChangeAspect="1"/>
-          </p:cNvPicPr>
-          <p:nvPr/>
-        </p:nvPicPr>
-        <p:blipFill>
-          <a:blip r:embed="rId2">
-            <a:extLst/>
-          </a:blip>
-          <a:stretch>
-            <a:fillRect/>
-          </a:stretch>
-        </p:blipFill>
-        <p:spPr>
-          <a:xfrm rot="10800000">
-            <a:off x="6072552" y="3868766"/>
-            <a:ext cx="6119448" cy="3985542"/>
-          </a:xfrm>
-          <a:prstGeom prst="rect">
-            <a:avLst/>
-          </a:prstGeom>
-          <a:ln w="12700">
-            <a:miter lim="400000"/>
-          </a:ln>
-        </p:spPr>
-      </p:pic>
-      <p:sp>
-        <p:nvSpPr>
-          <p:cNvPr id="165" name="TextBox 2"/>
-          <p:cNvSpPr/>
-          <p:nvPr/>
-        </p:nvSpPr>
-        <p:spPr>
-          <a:xfrm>
-            <a:off x="164122" y="363415"/>
-            <a:ext cx="11523785" cy="789941"/>
-          </a:xfrm>
-          <a:prstGeom prst="rect">
-            <a:avLst/>
-          </a:prstGeom>
-          <a:ln w="12700">
-            <a:miter lim="400000"/>
-          </a:ln>
-          <a:extLst>
-            <a:ext uri="{C572A759-6A51-4108-AA02-DFA0A04FC94B}">
-              <ma14:wrappingTextBoxFlag xmlns:ma14="http://schemas.microsoft.com/office/mac/drawingml/2011/main" val="1"/>
-            </a:ext>
-          </a:extLst>
-        </p:spPr>
-        <p:txBody>
-          <a:bodyPr lIns="45719" rIns="45719">
-            <a:spAutoFit/>
-          </a:bodyPr>
-          <a:lstStyle/>
-          <a:p>
-            <a:pPr algn="ctr">
-              <a:defRPr b="1" sz="2400">
-                <a:effectLst>
-                  <a:outerShdw sx="100000" sy="100000" kx="0" ky="0" algn="b" rotWithShape="0" blurRad="38100" dist="19050" dir="2700000">
-                    <a:srgbClr val="000000">
-                      <a:alpha val="40000"/>
-                    </a:srgbClr>
-                  </a:outerShdw>
-                </a:effectLst>
-                <a:latin typeface="Times New Roman"/>
-                <a:ea typeface="Times New Roman"/>
-                <a:cs typeface="Times New Roman"/>
-                <a:sym typeface="Times New Roman"/>
-              </a:defRPr>
-            </a:pPr>
-            <a:r>
-              <a:t>ЧАСТИНА 3. </a:t>
-            </a:r>
-          </a:p>
-          <a:p>
-            <a:pPr algn="ctr">
-              <a:defRPr b="1" sz="2400">
-                <a:effectLst>
-                  <a:outerShdw sx="100000" sy="100000" kx="0" ky="0" algn="b" rotWithShape="0" blurRad="38100" dist="19050" dir="2700000">
-                    <a:srgbClr val="000000">
-                      <a:alpha val="40000"/>
-                    </a:srgbClr>
-                  </a:outerShdw>
-                </a:effectLst>
-              </a:defRPr>
-            </a:pPr>
-            <a:r>
-              <a:t>Паралельні алгоритми та чисельні експерименти</a:t>
-            </a:r>
-          </a:p>
-        </p:txBody>
-      </p:sp>
-      <p:pic>
-        <p:nvPicPr>
-          <p:cNvPr id="166" name="Рисунок 3" descr="Рисунок 3"/>
-          <p:cNvPicPr>
-            <a:picLocks noChangeAspect="1"/>
-          </p:cNvPicPr>
-          <p:nvPr/>
-        </p:nvPicPr>
-        <p:blipFill>
-          <a:blip r:embed="rId3">
-            <a:extLst/>
-          </a:blip>
-          <a:stretch>
-            <a:fillRect/>
-          </a:stretch>
-        </p:blipFill>
-        <p:spPr>
-          <a:xfrm>
-            <a:off x="3816225" y="712667"/>
-            <a:ext cx="4219576" cy="1076326"/>
-          </a:xfrm>
-          <a:prstGeom prst="rect">
-            <a:avLst/>
-          </a:prstGeom>
-          <a:ln w="12700">
-            <a:miter lim="400000"/>
-          </a:ln>
-        </p:spPr>
-      </p:pic>
-      <p:sp>
-        <p:nvSpPr>
-          <p:cNvPr id="167" name="TextBox 4"/>
-          <p:cNvSpPr/>
-          <p:nvPr/>
-        </p:nvSpPr>
-        <p:spPr>
-          <a:xfrm>
-            <a:off x="2813535" y="1543664"/>
-            <a:ext cx="6224956" cy="421392"/>
+            <a:off x="375136" y="1558158"/>
+            <a:ext cx="11394831" cy="421393"/>
           </a:xfrm>
           <a:prstGeom prst="rect">
             <a:avLst/>
@@ -6815,1408 +8899,524 @@
           <a:p>
             <a:pPr/>
             <a:r>
-              <a:t>Чисельні експерименти</a:t>
+              <a:t>Методи</a:t>
             </a:r>
           </a:p>
         </p:txBody>
       </p:sp>
-      <p:graphicFrame>
-        <p:nvGraphicFramePr>
-          <p:cNvPr id="168" name="Таблица 6"/>
-          <p:cNvGraphicFramePr/>
-          <p:nvPr/>
-        </p:nvGraphicFramePr>
-        <p:xfrm>
-          <a:off x="2004642" y="2235303"/>
-          <a:ext cx="7033848" cy="1633465"/>
-        </p:xfrm>
-        <a:graphic xmlns:a="http://schemas.openxmlformats.org/drawingml/2006/main">
-          <a:graphicData uri="http://schemas.openxmlformats.org/drawingml/2006/table">
-            <a:tbl>
-              <a:tblPr firstCol="1" firstRow="0" lastCol="0" lastRow="0" bandCol="0" bandRow="0" rtl="0">
-                <a:tableStyleId>{4C3C2611-4C71-4FC5-86AE-919BDF0F9419}</a:tableStyleId>
-              </a:tblPr>
-              <a:tblGrid>
-                <a:gridCol w="1351455"/>
-                <a:gridCol w="1338094"/>
-                <a:gridCol w="1338094"/>
-                <a:gridCol w="1503102"/>
-                <a:gridCol w="1503102"/>
-              </a:tblGrid>
-              <a:tr h="353891">
-                <a:tc rowSpan="2">
-                  <a:txBody>
-                    <a:bodyPr/>
-                    <a:lstStyle/>
-                    <a:p>
-                      <a:pPr algn="just">
-                        <a:lnSpc>
-                          <a:spcPct val="150000"/>
-                        </a:lnSpc>
-                        <a:spcBef>
-                          <a:spcPts val="600"/>
-                        </a:spcBef>
-                        <a:defRPr sz="1800"/>
-                      </a:pPr>
-                      <a:r>
-                        <a:rPr b="1" sz="1200"/>
-                        <a:t> </a:t>
-                      </a:r>
-                    </a:p>
-                  </a:txBody>
-                  <a:tcPr marL="0" marR="0" marT="0" marB="0" anchor="t" anchorCtr="0" horzOverflow="overflow">
-                    <a:lnT w="12700">
-                      <a:solidFill>
-                        <a:srgbClr val="000000"/>
-                      </a:solidFill>
-                    </a:lnT>
-                    <a:lnB w="12700">
-                      <a:solidFill>
-                        <a:srgbClr val="000000"/>
-                      </a:solidFill>
-                    </a:lnB>
-                  </a:tcPr>
-                </a:tc>
-                <a:tc gridSpan="2">
-                  <a:txBody>
-                    <a:bodyPr/>
-                    <a:lstStyle/>
-                    <a:p>
-                      <a:pPr algn="ctr">
-                        <a:lnSpc>
-                          <a:spcPct val="150000"/>
-                        </a:lnSpc>
-                        <a:spcBef>
-                          <a:spcPts val="600"/>
-                        </a:spcBef>
-                        <a:defRPr sz="1800"/>
-                      </a:pPr>
-                      <a:r>
-                        <a:rPr b="1" sz="1200"/>
-                        <a:t>Метод Річардсона</a:t>
-                      </a:r>
-                    </a:p>
-                  </a:txBody>
-                  <a:tcPr marL="0" marR="0" marT="0" marB="0" anchor="t" anchorCtr="0" horzOverflow="overflow">
-                    <a:lnT w="12700">
-                      <a:solidFill>
-                        <a:srgbClr val="000000"/>
-                      </a:solidFill>
-                    </a:lnT>
-                    <a:lnB w="12700">
-                      <a:solidFill>
-                        <a:srgbClr val="000000"/>
-                      </a:solidFill>
-                    </a:lnB>
-                  </a:tcPr>
-                </a:tc>
-                <a:tc hMerge="1">
-                  <a:tcPr/>
-                </a:tc>
-                <a:tc gridSpan="2">
-                  <a:txBody>
-                    <a:bodyPr/>
-                    <a:lstStyle/>
-                    <a:p>
-                      <a:pPr algn="ctr">
-                        <a:lnSpc>
-                          <a:spcPct val="150000"/>
-                        </a:lnSpc>
-                        <a:spcBef>
-                          <a:spcPts val="600"/>
-                        </a:spcBef>
-                        <a:defRPr b="1"/>
-                      </a:pPr>
-                      <a:r>
-                        <a:t>M</a:t>
-                      </a:r>
-                      <a:r>
-                        <a:t>етод верхньої релаксації</a:t>
-                      </a:r>
-                    </a:p>
-                  </a:txBody>
-                  <a:tcPr marL="0" marR="0" marT="0" marB="0" anchor="t" anchorCtr="0" horzOverflow="overflow">
-                    <a:lnT w="12700">
-                      <a:solidFill>
-                        <a:srgbClr val="000000"/>
-                      </a:solidFill>
-                    </a:lnT>
-                    <a:lnB w="12700">
-                      <a:solidFill>
-                        <a:srgbClr val="000000"/>
-                      </a:solidFill>
-                    </a:lnB>
-                  </a:tcPr>
-                </a:tc>
-                <a:tc hMerge="1">
-                  <a:tcPr/>
-                </a:tc>
-              </a:tr>
-              <a:tr h="353891">
-                <a:tc vMerge="1">
-                  <a:tcPr/>
-                </a:tc>
-                <a:tc>
-                  <a:txBody>
-                    <a:bodyPr/>
-                    <a:lstStyle/>
-                    <a:p>
-                      <a:pPr algn="ctr">
-                        <a:lnSpc>
-                          <a:spcPct val="150000"/>
-                        </a:lnSpc>
-                        <a:spcBef>
-                          <a:spcPts val="600"/>
-                        </a:spcBef>
-                      </a:pPr>
-                      <a:r>
-                        <a:t>1 </a:t>
-                      </a:r>
-                      <a:r>
-                        <a:t>CPU</a:t>
-                      </a:r>
-                    </a:p>
-                  </a:txBody>
-                  <a:tcPr marL="0" marR="0" marT="0" marB="0" anchor="t" anchorCtr="0" horzOverflow="overflow">
-                    <a:lnL w="12700">
-                      <a:solidFill>
-                        <a:srgbClr val="000000"/>
-                      </a:solidFill>
-                    </a:lnL>
-                    <a:lnT w="12700">
-                      <a:solidFill>
-                        <a:srgbClr val="000000"/>
-                      </a:solidFill>
-                    </a:lnT>
-                    <a:solidFill>
-                      <a:srgbClr val="000000">
-                        <a:alpha val="20000"/>
-                      </a:srgbClr>
-                    </a:solidFill>
-                  </a:tcPr>
-                </a:tc>
-                <a:tc>
-                  <a:txBody>
-                    <a:bodyPr/>
-                    <a:lstStyle/>
-                    <a:p>
-                      <a:pPr algn="ctr">
-                        <a:lnSpc>
-                          <a:spcPct val="150000"/>
-                        </a:lnSpc>
-                        <a:spcBef>
-                          <a:spcPts val="600"/>
-                        </a:spcBef>
-                        <a:defRPr sz="1800"/>
-                      </a:pPr>
-                      <a:r>
-                        <a:rPr sz="1200"/>
-                        <a:t>1 CPU + 1 GPU</a:t>
-                      </a:r>
-                    </a:p>
-                  </a:txBody>
-                  <a:tcPr marL="0" marR="0" marT="0" marB="0" anchor="t" anchorCtr="0" horzOverflow="overflow">
-                    <a:lnT w="12700">
-                      <a:solidFill>
-                        <a:srgbClr val="000000"/>
-                      </a:solidFill>
-                    </a:lnT>
-                    <a:solidFill>
-                      <a:srgbClr val="000000">
-                        <a:alpha val="20000"/>
-                      </a:srgbClr>
-                    </a:solidFill>
-                  </a:tcPr>
-                </a:tc>
-                <a:tc>
-                  <a:txBody>
-                    <a:bodyPr/>
-                    <a:lstStyle/>
-                    <a:p>
-                      <a:pPr algn="ctr">
-                        <a:lnSpc>
-                          <a:spcPct val="150000"/>
-                        </a:lnSpc>
-                        <a:spcBef>
-                          <a:spcPts val="600"/>
-                        </a:spcBef>
-                        <a:defRPr sz="1800"/>
-                      </a:pPr>
-                      <a:r>
-                        <a:rPr sz="1200"/>
-                        <a:t>1 CPU</a:t>
-                      </a:r>
-                    </a:p>
-                  </a:txBody>
-                  <a:tcPr marL="0" marR="0" marT="0" marB="0" anchor="t" anchorCtr="0" horzOverflow="overflow">
-                    <a:lnT w="12700">
-                      <a:solidFill>
-                        <a:srgbClr val="000000"/>
-                      </a:solidFill>
-                    </a:lnT>
-                    <a:solidFill>
-                      <a:srgbClr val="000000">
-                        <a:alpha val="20000"/>
-                      </a:srgbClr>
-                    </a:solidFill>
-                  </a:tcPr>
-                </a:tc>
-                <a:tc>
-                  <a:txBody>
-                    <a:bodyPr/>
-                    <a:lstStyle/>
-                    <a:p>
-                      <a:pPr algn="ctr">
-                        <a:lnSpc>
-                          <a:spcPct val="150000"/>
-                        </a:lnSpc>
-                        <a:spcBef>
-                          <a:spcPts val="600"/>
-                        </a:spcBef>
-                        <a:defRPr sz="1800"/>
-                      </a:pPr>
-                      <a:r>
-                        <a:rPr sz="1200"/>
-                        <a:t>1CPU + 1 GPU</a:t>
-                      </a:r>
-                    </a:p>
-                  </a:txBody>
-                  <a:tcPr marL="0" marR="0" marT="0" marB="0" anchor="t" anchorCtr="0" horzOverflow="overflow">
-                    <a:lnT w="12700">
-                      <a:solidFill>
-                        <a:srgbClr val="000000"/>
-                      </a:solidFill>
-                    </a:lnT>
-                    <a:solidFill>
-                      <a:srgbClr val="000000">
-                        <a:alpha val="20000"/>
-                      </a:srgbClr>
-                    </a:solidFill>
-                  </a:tcPr>
-                </a:tc>
-              </a:tr>
-              <a:tr h="433313">
-                <a:tc>
-                  <a:txBody>
-                    <a:bodyPr/>
-                    <a:lstStyle/>
-                    <a:p>
-                      <a:pPr algn="just">
-                        <a:lnSpc>
-                          <a:spcPct val="150000"/>
-                        </a:lnSpc>
-                        <a:spcBef>
-                          <a:spcPts val="600"/>
-                        </a:spcBef>
-                        <a:defRPr sz="1800"/>
-                      </a:pPr>
-                      <a:r>
-                        <a:rPr b="1" sz="1200"/>
-                        <a:t>Головний цикл</a:t>
-                      </a:r>
-                    </a:p>
-                  </a:txBody>
-                  <a:tcPr marL="0" marR="0" marT="0" marB="0" anchor="t" anchorCtr="0" horzOverflow="overflow">
-                    <a:lnT w="12700">
-                      <a:solidFill>
-                        <a:srgbClr val="000000"/>
-                      </a:solidFill>
-                    </a:lnT>
-                  </a:tcPr>
-                </a:tc>
-                <a:tc>
-                  <a:txBody>
-                    <a:bodyPr/>
-                    <a:lstStyle/>
-                    <a:p>
-                      <a:pPr algn="ctr">
-                        <a:lnSpc>
-                          <a:spcPct val="150000"/>
-                        </a:lnSpc>
-                        <a:spcBef>
-                          <a:spcPts val="600"/>
-                        </a:spcBef>
-                        <a:defRPr sz="1800"/>
-                      </a:pPr>
-                      <a:r>
-                        <a:rPr sz="1200"/>
-                        <a:t>0,01355</a:t>
-                      </a:r>
-                    </a:p>
-                  </a:txBody>
-                  <a:tcPr marL="0" marR="0" marT="0" marB="0" anchor="t" anchorCtr="0" horzOverflow="overflow"/>
-                </a:tc>
-                <a:tc>
-                  <a:txBody>
-                    <a:bodyPr/>
-                    <a:lstStyle/>
-                    <a:p>
-                      <a:pPr algn="ctr">
-                        <a:lnSpc>
-                          <a:spcPct val="150000"/>
-                        </a:lnSpc>
-                        <a:spcBef>
-                          <a:spcPts val="600"/>
-                        </a:spcBef>
-                        <a:defRPr sz="1800"/>
-                      </a:pPr>
-                      <a:r>
-                        <a:rPr sz="1200"/>
-                        <a:t>0,00049</a:t>
-                      </a:r>
-                    </a:p>
-                  </a:txBody>
-                  <a:tcPr marL="0" marR="0" marT="0" marB="0" anchor="t" anchorCtr="0" horzOverflow="overflow"/>
-                </a:tc>
-                <a:tc>
-                  <a:txBody>
-                    <a:bodyPr/>
-                    <a:lstStyle/>
-                    <a:p>
-                      <a:pPr algn="ctr">
-                        <a:lnSpc>
-                          <a:spcPct val="150000"/>
-                        </a:lnSpc>
-                        <a:spcBef>
-                          <a:spcPts val="600"/>
-                        </a:spcBef>
-                        <a:defRPr sz="1800"/>
-                      </a:pPr>
-                      <a:r>
-                        <a:rPr sz="1200"/>
-                        <a:t>0,0172671</a:t>
-                      </a:r>
-                    </a:p>
-                  </a:txBody>
-                  <a:tcPr marL="0" marR="0" marT="0" marB="0" anchor="t" anchorCtr="0" horzOverflow="overflow"/>
-                </a:tc>
-                <a:tc>
-                  <a:txBody>
-                    <a:bodyPr/>
-                    <a:lstStyle/>
-                    <a:p>
-                      <a:pPr algn="ctr">
-                        <a:lnSpc>
-                          <a:spcPct val="150000"/>
-                        </a:lnSpc>
-                        <a:spcBef>
-                          <a:spcPts val="600"/>
-                        </a:spcBef>
-                        <a:defRPr sz="1800"/>
-                      </a:pPr>
-                      <a:r>
-                        <a:rPr sz="1200"/>
-                        <a:t>0,003865</a:t>
-                      </a:r>
-                    </a:p>
-                  </a:txBody>
-                  <a:tcPr marL="0" marR="0" marT="0" marB="0" anchor="t" anchorCtr="0" horzOverflow="overflow"/>
-                </a:tc>
-              </a:tr>
-              <a:tr h="492368">
-                <a:tc>
-                  <a:txBody>
-                    <a:bodyPr/>
-                    <a:lstStyle/>
-                    <a:p>
-                      <a:pPr algn="just">
-                        <a:lnSpc>
-                          <a:spcPct val="150000"/>
-                        </a:lnSpc>
-                        <a:spcBef>
-                          <a:spcPts val="600"/>
-                        </a:spcBef>
-                        <a:defRPr sz="1800"/>
-                      </a:pPr>
-                      <a:r>
-                        <a:rPr b="1" sz="1200"/>
-                        <a:t>Загальний цикл</a:t>
-                      </a:r>
-                    </a:p>
-                  </a:txBody>
-                  <a:tcPr marL="0" marR="0" marT="0" marB="0" anchor="t" anchorCtr="0" horzOverflow="overflow">
-                    <a:lnB w="12700">
-                      <a:solidFill>
-                        <a:srgbClr val="000000"/>
-                      </a:solidFill>
-                    </a:lnB>
-                    <a:solidFill>
-                      <a:srgbClr val="000000">
-                        <a:alpha val="20000"/>
-                      </a:srgbClr>
-                    </a:solidFill>
-                  </a:tcPr>
-                </a:tc>
-                <a:tc>
-                  <a:txBody>
-                    <a:bodyPr/>
-                    <a:lstStyle/>
-                    <a:p>
-                      <a:pPr algn="ctr">
-                        <a:lnSpc>
-                          <a:spcPct val="150000"/>
-                        </a:lnSpc>
-                        <a:spcBef>
-                          <a:spcPts val="600"/>
-                        </a:spcBef>
-                        <a:defRPr sz="1800"/>
-                      </a:pPr>
-                      <a:r>
-                        <a:rPr sz="1200"/>
-                        <a:t>0,032</a:t>
-                      </a:r>
-                    </a:p>
-                  </a:txBody>
-                  <a:tcPr marL="0" marR="0" marT="0" marB="0" anchor="t" anchorCtr="0" horzOverflow="overflow">
-                    <a:lnB w="12700">
-                      <a:solidFill>
-                        <a:srgbClr val="000000"/>
-                      </a:solidFill>
-                    </a:lnB>
-                    <a:solidFill>
-                      <a:srgbClr val="000000">
-                        <a:alpha val="20000"/>
-                      </a:srgbClr>
-                    </a:solidFill>
-                  </a:tcPr>
-                </a:tc>
-                <a:tc>
-                  <a:txBody>
-                    <a:bodyPr/>
-                    <a:lstStyle/>
-                    <a:p>
-                      <a:pPr algn="ctr">
-                        <a:lnSpc>
-                          <a:spcPct val="150000"/>
-                        </a:lnSpc>
-                        <a:spcBef>
-                          <a:spcPts val="600"/>
-                        </a:spcBef>
-                        <a:defRPr sz="1800"/>
-                      </a:pPr>
-                      <a:r>
-                        <a:rPr sz="1200"/>
-                        <a:t>2,82</a:t>
-                      </a:r>
-                    </a:p>
-                  </a:txBody>
-                  <a:tcPr marL="0" marR="0" marT="0" marB="0" anchor="t" anchorCtr="0" horzOverflow="overflow">
-                    <a:lnB w="12700">
-                      <a:solidFill>
-                        <a:srgbClr val="000000"/>
-                      </a:solidFill>
-                    </a:lnB>
-                    <a:solidFill>
-                      <a:srgbClr val="000000">
-                        <a:alpha val="20000"/>
-                      </a:srgbClr>
-                    </a:solidFill>
-                  </a:tcPr>
-                </a:tc>
-                <a:tc>
-                  <a:txBody>
-                    <a:bodyPr/>
-                    <a:lstStyle/>
-                    <a:p>
-                      <a:pPr algn="ctr">
-                        <a:lnSpc>
-                          <a:spcPct val="150000"/>
-                        </a:lnSpc>
-                        <a:spcBef>
-                          <a:spcPts val="600"/>
-                        </a:spcBef>
-                        <a:defRPr sz="1800"/>
-                      </a:pPr>
-                      <a:r>
-                        <a:rPr sz="1200"/>
-                        <a:t>0,0846629</a:t>
-                      </a:r>
-                    </a:p>
-                  </a:txBody>
-                  <a:tcPr marL="0" marR="0" marT="0" marB="0" anchor="t" anchorCtr="0" horzOverflow="overflow">
-                    <a:lnB w="12700">
-                      <a:solidFill>
-                        <a:srgbClr val="000000"/>
-                      </a:solidFill>
-                    </a:lnB>
-                    <a:solidFill>
-                      <a:srgbClr val="000000">
-                        <a:alpha val="20000"/>
-                      </a:srgbClr>
-                    </a:solidFill>
-                  </a:tcPr>
-                </a:tc>
-                <a:tc>
-                  <a:txBody>
-                    <a:bodyPr/>
-                    <a:lstStyle/>
-                    <a:p>
-                      <a:pPr algn="ctr">
-                        <a:lnSpc>
-                          <a:spcPct val="150000"/>
-                        </a:lnSpc>
-                        <a:spcBef>
-                          <a:spcPts val="600"/>
-                        </a:spcBef>
-                        <a:defRPr sz="1800"/>
-                      </a:pPr>
-                      <a:r>
-                        <a:rPr sz="1200"/>
-                        <a:t>0,632961</a:t>
-                      </a:r>
-                    </a:p>
-                  </a:txBody>
-                  <a:tcPr marL="0" marR="0" marT="0" marB="0" anchor="t" anchorCtr="0" horzOverflow="overflow">
-                    <a:lnB w="12700">
-                      <a:solidFill>
-                        <a:srgbClr val="000000"/>
-                      </a:solidFill>
-                    </a:lnB>
-                    <a:solidFill>
-                      <a:srgbClr val="000000">
-                        <a:alpha val="20000"/>
-                      </a:srgbClr>
-                    </a:solidFill>
-                  </a:tcPr>
-                </a:tc>
-              </a:tr>
-            </a:tbl>
-          </a:graphicData>
-        </a:graphic>
-      </p:graphicFrame>
-      <p:graphicFrame>
-        <p:nvGraphicFramePr>
-          <p:cNvPr id="169" name="Таблица 7"/>
-          <p:cNvGraphicFramePr/>
-          <p:nvPr/>
-        </p:nvGraphicFramePr>
-        <p:xfrm>
-          <a:off x="2056811" y="4541727"/>
-          <a:ext cx="6981680" cy="1441554"/>
-        </p:xfrm>
-        <a:graphic xmlns:a="http://schemas.openxmlformats.org/drawingml/2006/main">
-          <a:graphicData uri="http://schemas.openxmlformats.org/drawingml/2006/table">
-            <a:tbl>
-              <a:tblPr firstCol="1" firstRow="0" lastCol="0" lastRow="0" bandCol="0" bandRow="0" rtl="0">
-                <a:tableStyleId>{4C3C2611-4C71-4FC5-86AE-919BDF0F9419}</a:tableStyleId>
-              </a:tblPr>
-              <a:tblGrid>
-                <a:gridCol w="1331293"/>
-                <a:gridCol w="1331293"/>
-                <a:gridCol w="1331293"/>
-                <a:gridCol w="1493900"/>
-                <a:gridCol w="1493900"/>
-              </a:tblGrid>
-              <a:tr h="350593">
-                <a:tc rowSpan="2">
-                  <a:txBody>
-                    <a:bodyPr/>
-                    <a:lstStyle/>
-                    <a:p>
-                      <a:pPr algn="just">
-                        <a:lnSpc>
-                          <a:spcPct val="150000"/>
-                        </a:lnSpc>
-                        <a:spcBef>
-                          <a:spcPts val="600"/>
-                        </a:spcBef>
-                        <a:defRPr sz="1800"/>
-                      </a:pPr>
-                      <a:r>
-                        <a:rPr b="1" sz="1200"/>
-                        <a:t> </a:t>
-                      </a:r>
-                    </a:p>
-                  </a:txBody>
-                  <a:tcPr marL="0" marR="0" marT="0" marB="0" anchor="t" anchorCtr="0" horzOverflow="overflow">
-                    <a:lnL w="12700">
-                      <a:solidFill>
-                        <a:srgbClr val="000000"/>
-                      </a:solidFill>
-                    </a:lnL>
-                    <a:lnR w="12700">
-                      <a:solidFill>
-                        <a:srgbClr val="000000"/>
-                      </a:solidFill>
-                    </a:lnR>
-                    <a:lnT w="12700">
-                      <a:solidFill>
-                        <a:srgbClr val="000000"/>
-                      </a:solidFill>
-                    </a:lnT>
-                    <a:lnB w="25400">
-                      <a:solidFill>
-                        <a:srgbClr val="000000"/>
-                      </a:solidFill>
-                    </a:lnB>
-                  </a:tcPr>
-                </a:tc>
-                <a:tc gridSpan="2">
-                  <a:txBody>
-                    <a:bodyPr/>
-                    <a:lstStyle/>
-                    <a:p>
-                      <a:pPr algn="ctr">
-                        <a:lnSpc>
-                          <a:spcPct val="150000"/>
-                        </a:lnSpc>
-                        <a:spcBef>
-                          <a:spcPts val="600"/>
-                        </a:spcBef>
-                        <a:defRPr sz="1800"/>
-                      </a:pPr>
-                      <a:r>
-                        <a:rPr b="1" sz="1200"/>
-                        <a:t>Метод Річардсона</a:t>
-                      </a:r>
-                    </a:p>
-                  </a:txBody>
-                  <a:tcPr marL="0" marR="0" marT="0" marB="0" anchor="t" anchorCtr="0" horzOverflow="overflow">
-                    <a:lnL w="12700">
-                      <a:solidFill>
-                        <a:srgbClr val="000000"/>
-                      </a:solidFill>
-                    </a:lnL>
-                    <a:lnR w="12700">
-                      <a:solidFill>
-                        <a:srgbClr val="000000"/>
-                      </a:solidFill>
-                    </a:lnR>
-                    <a:lnT w="12700">
-                      <a:solidFill>
-                        <a:srgbClr val="000000"/>
-                      </a:solidFill>
-                    </a:lnT>
-                    <a:lnB w="25400">
-                      <a:solidFill>
-                        <a:srgbClr val="000000"/>
-                      </a:solidFill>
-                    </a:lnB>
-                  </a:tcPr>
-                </a:tc>
-                <a:tc hMerge="1">
-                  <a:tcPr/>
-                </a:tc>
-                <a:tc gridSpan="2">
-                  <a:txBody>
-                    <a:bodyPr/>
-                    <a:lstStyle/>
-                    <a:p>
-                      <a:pPr algn="ctr">
-                        <a:lnSpc>
-                          <a:spcPct val="150000"/>
-                        </a:lnSpc>
-                        <a:spcBef>
-                          <a:spcPts val="600"/>
-                        </a:spcBef>
-                        <a:defRPr b="1"/>
-                      </a:pPr>
-                      <a:r>
-                        <a:t>M</a:t>
-                      </a:r>
-                      <a:r>
-                        <a:t>етод верхньої релаксації</a:t>
-                      </a:r>
-                    </a:p>
-                  </a:txBody>
-                  <a:tcPr marL="0" marR="0" marT="0" marB="0" anchor="t" anchorCtr="0" horzOverflow="overflow">
-                    <a:lnL w="12700">
-                      <a:solidFill>
-                        <a:srgbClr val="000000"/>
-                      </a:solidFill>
-                    </a:lnL>
-                    <a:lnR w="12700">
-                      <a:solidFill>
-                        <a:srgbClr val="000000"/>
-                      </a:solidFill>
-                    </a:lnR>
-                    <a:lnT w="12700">
-                      <a:solidFill>
-                        <a:srgbClr val="000000"/>
-                      </a:solidFill>
-                    </a:lnT>
-                    <a:lnB w="25400">
-                      <a:solidFill>
-                        <a:srgbClr val="000000"/>
-                      </a:solidFill>
-                    </a:lnB>
-                  </a:tcPr>
-                </a:tc>
-                <a:tc hMerge="1">
-                  <a:tcPr/>
-                </a:tc>
-              </a:tr>
-              <a:tr h="350593">
-                <a:tc vMerge="1">
-                  <a:tcPr/>
-                </a:tc>
-                <a:tc>
-                  <a:txBody>
-                    <a:bodyPr/>
-                    <a:lstStyle/>
-                    <a:p>
-                      <a:pPr algn="ctr">
-                        <a:lnSpc>
-                          <a:spcPct val="150000"/>
-                        </a:lnSpc>
-                        <a:spcBef>
-                          <a:spcPts val="600"/>
-                        </a:spcBef>
-                      </a:pPr>
-                      <a:r>
-                        <a:t>1 </a:t>
-                      </a:r>
-                      <a:r>
-                        <a:t>CPU</a:t>
-                      </a:r>
-                    </a:p>
-                  </a:txBody>
-                  <a:tcPr marL="0" marR="0" marT="0" marB="0" anchor="t" anchorCtr="0" horzOverflow="overflow">
-                    <a:lnL w="25400">
-                      <a:solidFill>
-                        <a:srgbClr val="000000"/>
-                      </a:solidFill>
-                    </a:lnL>
-                    <a:lnR w="12700">
-                      <a:solidFill>
-                        <a:srgbClr val="000000"/>
-                      </a:solidFill>
-                    </a:lnR>
-                    <a:lnT w="25400">
-                      <a:solidFill>
-                        <a:srgbClr val="000000"/>
-                      </a:solidFill>
-                    </a:lnT>
-                    <a:lnB w="12700">
-                      <a:solidFill>
-                        <a:srgbClr val="000000"/>
-                      </a:solidFill>
-                    </a:lnB>
-                    <a:solidFill>
-                      <a:srgbClr val="000000">
-                        <a:alpha val="20000"/>
-                      </a:srgbClr>
-                    </a:solidFill>
-                  </a:tcPr>
-                </a:tc>
-                <a:tc>
-                  <a:txBody>
-                    <a:bodyPr/>
-                    <a:lstStyle/>
-                    <a:p>
-                      <a:pPr algn="ctr">
-                        <a:lnSpc>
-                          <a:spcPct val="150000"/>
-                        </a:lnSpc>
-                        <a:spcBef>
-                          <a:spcPts val="600"/>
-                        </a:spcBef>
-                        <a:defRPr sz="1800"/>
-                      </a:pPr>
-                      <a:r>
-                        <a:rPr sz="1200"/>
-                        <a:t>1 CPU + 1 GPU</a:t>
-                      </a:r>
-                    </a:p>
-                  </a:txBody>
-                  <a:tcPr marL="0" marR="0" marT="0" marB="0" anchor="t" anchorCtr="0" horzOverflow="overflow">
-                    <a:lnL w="12700">
-                      <a:solidFill>
-                        <a:srgbClr val="000000"/>
-                      </a:solidFill>
-                    </a:lnL>
-                    <a:lnR w="12700">
-                      <a:solidFill>
-                        <a:srgbClr val="000000"/>
-                      </a:solidFill>
-                    </a:lnR>
-                    <a:lnT w="25400">
-                      <a:solidFill>
-                        <a:srgbClr val="000000"/>
-                      </a:solidFill>
-                    </a:lnT>
-                    <a:lnB w="12700">
-                      <a:solidFill>
-                        <a:srgbClr val="000000"/>
-                      </a:solidFill>
-                    </a:lnB>
-                    <a:solidFill>
-                      <a:srgbClr val="000000">
-                        <a:alpha val="20000"/>
-                      </a:srgbClr>
-                    </a:solidFill>
-                  </a:tcPr>
-                </a:tc>
-                <a:tc>
-                  <a:txBody>
-                    <a:bodyPr/>
-                    <a:lstStyle/>
-                    <a:p>
-                      <a:pPr algn="ctr">
-                        <a:lnSpc>
-                          <a:spcPct val="150000"/>
-                        </a:lnSpc>
-                        <a:spcBef>
-                          <a:spcPts val="600"/>
-                        </a:spcBef>
-                        <a:defRPr sz="1800"/>
-                      </a:pPr>
-                      <a:r>
-                        <a:rPr sz="1200"/>
-                        <a:t>1 CPU</a:t>
-                      </a:r>
-                    </a:p>
-                  </a:txBody>
-                  <a:tcPr marL="0" marR="0" marT="0" marB="0" anchor="t" anchorCtr="0" horzOverflow="overflow">
-                    <a:lnL w="12700">
-                      <a:solidFill>
-                        <a:srgbClr val="000000"/>
-                      </a:solidFill>
-                    </a:lnL>
-                    <a:lnR w="12700">
-                      <a:solidFill>
-                        <a:srgbClr val="000000"/>
-                      </a:solidFill>
-                    </a:lnR>
-                    <a:lnT w="25400">
-                      <a:solidFill>
-                        <a:srgbClr val="000000"/>
-                      </a:solidFill>
-                    </a:lnT>
-                    <a:lnB w="12700">
-                      <a:solidFill>
-                        <a:srgbClr val="000000"/>
-                      </a:solidFill>
-                    </a:lnB>
-                    <a:solidFill>
-                      <a:srgbClr val="000000">
-                        <a:alpha val="20000"/>
-                      </a:srgbClr>
-                    </a:solidFill>
-                  </a:tcPr>
-                </a:tc>
-                <a:tc>
-                  <a:txBody>
-                    <a:bodyPr/>
-                    <a:lstStyle/>
-                    <a:p>
-                      <a:pPr algn="ctr">
-                        <a:lnSpc>
-                          <a:spcPct val="150000"/>
-                        </a:lnSpc>
-                        <a:spcBef>
-                          <a:spcPts val="600"/>
-                        </a:spcBef>
-                        <a:defRPr sz="1800"/>
-                      </a:pPr>
-                      <a:r>
-                        <a:rPr sz="1200"/>
-                        <a:t>1CPU + 1 GPU</a:t>
-                      </a:r>
-                    </a:p>
-                  </a:txBody>
-                  <a:tcPr marL="0" marR="0" marT="0" marB="0" anchor="t" anchorCtr="0" horzOverflow="overflow">
-                    <a:lnL w="12700">
-                      <a:solidFill>
-                        <a:srgbClr val="000000"/>
-                      </a:solidFill>
-                    </a:lnL>
-                    <a:lnR w="12700">
-                      <a:solidFill>
-                        <a:srgbClr val="000000"/>
-                      </a:solidFill>
-                    </a:lnR>
-                    <a:lnT w="25400">
-                      <a:solidFill>
-                        <a:srgbClr val="000000"/>
-                      </a:solidFill>
-                    </a:lnT>
-                    <a:lnB w="12700">
-                      <a:solidFill>
-                        <a:srgbClr val="000000"/>
-                      </a:solidFill>
-                    </a:lnB>
-                    <a:solidFill>
-                      <a:srgbClr val="000000">
-                        <a:alpha val="20000"/>
-                      </a:srgbClr>
-                    </a:solidFill>
-                  </a:tcPr>
-                </a:tc>
-              </a:tr>
-              <a:tr h="360717">
-                <a:tc>
-                  <a:txBody>
-                    <a:bodyPr/>
-                    <a:lstStyle/>
-                    <a:p>
-                      <a:pPr algn="just">
-                        <a:lnSpc>
-                          <a:spcPct val="150000"/>
-                        </a:lnSpc>
-                        <a:spcBef>
-                          <a:spcPts val="600"/>
-                        </a:spcBef>
-                        <a:defRPr sz="1800"/>
-                      </a:pPr>
-                      <a:r>
-                        <a:rPr b="1" sz="1200"/>
-                        <a:t>Головний цикл</a:t>
-                      </a:r>
-                    </a:p>
-                  </a:txBody>
-                  <a:tcPr marL="0" marR="0" marT="0" marB="0" anchor="t" anchorCtr="0" horzOverflow="overflow">
-                    <a:lnL w="12700">
-                      <a:solidFill>
-                        <a:srgbClr val="000000"/>
-                      </a:solidFill>
-                    </a:lnL>
-                    <a:lnR w="12700">
-                      <a:solidFill>
-                        <a:srgbClr val="000000"/>
-                      </a:solidFill>
-                    </a:lnR>
-                    <a:lnT w="25400">
-                      <a:solidFill>
-                        <a:srgbClr val="000000"/>
-                      </a:solidFill>
-                    </a:lnT>
-                    <a:lnB w="12700">
-                      <a:solidFill>
-                        <a:srgbClr val="000000"/>
-                      </a:solidFill>
-                    </a:lnB>
-                  </a:tcPr>
-                </a:tc>
-                <a:tc>
-                  <a:txBody>
-                    <a:bodyPr/>
-                    <a:lstStyle/>
-                    <a:p>
-                      <a:pPr algn="ctr">
-                        <a:lnSpc>
-                          <a:spcPct val="150000"/>
-                        </a:lnSpc>
-                        <a:spcBef>
-                          <a:spcPts val="600"/>
-                        </a:spcBef>
-                        <a:defRPr sz="1800"/>
-                      </a:pPr>
-                      <a:r>
-                        <a:rPr sz="1200"/>
-                        <a:t>0,734045</a:t>
-                      </a:r>
-                    </a:p>
-                  </a:txBody>
-                  <a:tcPr marL="0" marR="0" marT="0" marB="0" anchor="t" anchorCtr="0" horzOverflow="overflow">
-                    <a:lnL w="12700">
-                      <a:solidFill>
-                        <a:srgbClr val="000000"/>
-                      </a:solidFill>
-                    </a:lnL>
-                    <a:lnR w="12700">
-                      <a:solidFill>
-                        <a:srgbClr val="000000"/>
-                      </a:solidFill>
-                    </a:lnR>
-                    <a:lnT w="12700">
-                      <a:solidFill>
-                        <a:srgbClr val="000000"/>
-                      </a:solidFill>
-                    </a:lnT>
-                    <a:lnB w="12700">
-                      <a:solidFill>
-                        <a:srgbClr val="000000"/>
-                      </a:solidFill>
-                    </a:lnB>
-                  </a:tcPr>
-                </a:tc>
-                <a:tc>
-                  <a:txBody>
-                    <a:bodyPr/>
-                    <a:lstStyle/>
-                    <a:p>
-                      <a:pPr algn="ctr">
-                        <a:lnSpc>
-                          <a:spcPct val="150000"/>
-                        </a:lnSpc>
-                        <a:spcBef>
-                          <a:spcPts val="600"/>
-                        </a:spcBef>
-                        <a:defRPr sz="1800"/>
-                      </a:pPr>
-                      <a:r>
-                        <a:rPr sz="1200"/>
-                        <a:t>0,001432</a:t>
-                      </a:r>
-                    </a:p>
-                  </a:txBody>
-                  <a:tcPr marL="0" marR="0" marT="0" marB="0" anchor="t" anchorCtr="0" horzOverflow="overflow">
-                    <a:lnL w="12700">
-                      <a:solidFill>
-                        <a:srgbClr val="000000"/>
-                      </a:solidFill>
-                    </a:lnL>
-                    <a:lnR w="12700">
-                      <a:solidFill>
-                        <a:srgbClr val="000000"/>
-                      </a:solidFill>
-                    </a:lnR>
-                    <a:lnT w="12700">
-                      <a:solidFill>
-                        <a:srgbClr val="000000"/>
-                      </a:solidFill>
-                    </a:lnT>
-                    <a:lnB w="12700">
-                      <a:solidFill>
-                        <a:srgbClr val="000000"/>
-                      </a:solidFill>
-                    </a:lnB>
-                  </a:tcPr>
-                </a:tc>
-                <a:tc>
-                  <a:txBody>
-                    <a:bodyPr/>
-                    <a:lstStyle/>
-                    <a:p>
-                      <a:pPr algn="ctr">
-                        <a:lnSpc>
-                          <a:spcPct val="150000"/>
-                        </a:lnSpc>
-                        <a:spcBef>
-                          <a:spcPts val="600"/>
-                        </a:spcBef>
-                        <a:defRPr sz="1800"/>
-                      </a:pPr>
-                      <a:r>
-                        <a:rPr sz="1200"/>
-                        <a:t>0,87493</a:t>
-                      </a:r>
-                    </a:p>
-                  </a:txBody>
-                  <a:tcPr marL="0" marR="0" marT="0" marB="0" anchor="t" anchorCtr="0" horzOverflow="overflow">
-                    <a:lnL w="12700">
-                      <a:solidFill>
-                        <a:srgbClr val="000000"/>
-                      </a:solidFill>
-                    </a:lnL>
-                    <a:lnR w="12700">
-                      <a:solidFill>
-                        <a:srgbClr val="000000"/>
-                      </a:solidFill>
-                    </a:lnR>
-                    <a:lnT w="12700">
-                      <a:solidFill>
-                        <a:srgbClr val="000000"/>
-                      </a:solidFill>
-                    </a:lnT>
-                    <a:lnB w="12700">
-                      <a:solidFill>
-                        <a:srgbClr val="000000"/>
-                      </a:solidFill>
-                    </a:lnB>
-                  </a:tcPr>
-                </a:tc>
-                <a:tc>
-                  <a:txBody>
-                    <a:bodyPr/>
-                    <a:lstStyle/>
-                    <a:p>
-                      <a:pPr algn="ctr">
-                        <a:lnSpc>
-                          <a:spcPct val="150000"/>
-                        </a:lnSpc>
-                        <a:spcBef>
-                          <a:spcPts val="600"/>
-                        </a:spcBef>
-                        <a:defRPr sz="1800"/>
-                      </a:pPr>
-                      <a:r>
-                        <a:rPr sz="1200"/>
-                        <a:t>0,0133061</a:t>
-                      </a:r>
-                    </a:p>
-                  </a:txBody>
-                  <a:tcPr marL="0" marR="0" marT="0" marB="0" anchor="t" anchorCtr="0" horzOverflow="overflow">
-                    <a:lnL w="12700">
-                      <a:solidFill>
-                        <a:srgbClr val="000000"/>
-                      </a:solidFill>
-                    </a:lnL>
-                    <a:lnR w="12700">
-                      <a:solidFill>
-                        <a:srgbClr val="000000"/>
-                      </a:solidFill>
-                    </a:lnR>
-                    <a:lnT w="12700">
-                      <a:solidFill>
-                        <a:srgbClr val="000000"/>
-                      </a:solidFill>
-                    </a:lnT>
-                    <a:lnB w="12700">
-                      <a:solidFill>
-                        <a:srgbClr val="000000"/>
-                      </a:solidFill>
-                    </a:lnB>
-                  </a:tcPr>
-                </a:tc>
-              </a:tr>
-              <a:tr h="379650">
-                <a:tc>
-                  <a:txBody>
-                    <a:bodyPr/>
-                    <a:lstStyle/>
-                    <a:p>
-                      <a:pPr algn="just">
-                        <a:lnSpc>
-                          <a:spcPct val="150000"/>
-                        </a:lnSpc>
-                        <a:spcBef>
-                          <a:spcPts val="600"/>
-                        </a:spcBef>
-                        <a:defRPr sz="1800"/>
-                      </a:pPr>
-                      <a:r>
-                        <a:rPr b="1" sz="1200"/>
-                        <a:t>Загальний цикл</a:t>
-                      </a:r>
-                    </a:p>
-                  </a:txBody>
-                  <a:tcPr marL="0" marR="0" marT="0" marB="0" anchor="t" anchorCtr="0" horzOverflow="overflow">
-                    <a:lnL w="12700">
-                      <a:solidFill>
-                        <a:srgbClr val="000000"/>
-                      </a:solidFill>
-                    </a:lnL>
-                    <a:lnR w="12700">
-                      <a:solidFill>
-                        <a:srgbClr val="000000"/>
-                      </a:solidFill>
-                    </a:lnR>
-                    <a:lnT w="12700">
-                      <a:solidFill>
-                        <a:srgbClr val="000000"/>
-                      </a:solidFill>
-                    </a:lnT>
-                    <a:lnB w="12700">
-                      <a:solidFill>
-                        <a:srgbClr val="000000"/>
-                      </a:solidFill>
-                    </a:lnB>
-                    <a:solidFill>
-                      <a:srgbClr val="000000">
-                        <a:alpha val="20000"/>
-                      </a:srgbClr>
-                    </a:solidFill>
-                  </a:tcPr>
-                </a:tc>
-                <a:tc>
-                  <a:txBody>
-                    <a:bodyPr/>
-                    <a:lstStyle/>
-                    <a:p>
-                      <a:pPr algn="ctr">
-                        <a:lnSpc>
-                          <a:spcPct val="150000"/>
-                        </a:lnSpc>
-                        <a:spcBef>
-                          <a:spcPts val="600"/>
-                        </a:spcBef>
-                        <a:defRPr sz="1800"/>
-                      </a:pPr>
-                      <a:r>
-                        <a:rPr sz="1200"/>
-                        <a:t>6,6208</a:t>
-                      </a:r>
-                    </a:p>
-                  </a:txBody>
-                  <a:tcPr marL="0" marR="0" marT="0" marB="0" anchor="t" anchorCtr="0" horzOverflow="overflow">
-                    <a:lnL w="12700">
-                      <a:solidFill>
-                        <a:srgbClr val="000000"/>
-                      </a:solidFill>
-                    </a:lnL>
-                    <a:lnR w="12700">
-                      <a:solidFill>
-                        <a:srgbClr val="000000"/>
-                      </a:solidFill>
-                    </a:lnR>
-                    <a:lnT w="12700">
-                      <a:solidFill>
-                        <a:srgbClr val="000000"/>
-                      </a:solidFill>
-                    </a:lnT>
-                    <a:lnB w="12700">
-                      <a:solidFill>
-                        <a:srgbClr val="000000"/>
-                      </a:solidFill>
-                    </a:lnB>
-                    <a:solidFill>
-                      <a:srgbClr val="000000">
-                        <a:alpha val="20000"/>
-                      </a:srgbClr>
-                    </a:solidFill>
-                  </a:tcPr>
-                </a:tc>
-                <a:tc>
-                  <a:txBody>
-                    <a:bodyPr/>
-                    <a:lstStyle/>
-                    <a:p>
-                      <a:pPr algn="ctr">
-                        <a:lnSpc>
-                          <a:spcPct val="150000"/>
-                        </a:lnSpc>
-                        <a:spcBef>
-                          <a:spcPts val="600"/>
-                        </a:spcBef>
-                        <a:defRPr sz="1800"/>
-                      </a:pPr>
-                      <a:r>
-                        <a:rPr sz="1200"/>
-                        <a:t>8,8451</a:t>
-                      </a:r>
-                    </a:p>
-                  </a:txBody>
-                  <a:tcPr marL="0" marR="0" marT="0" marB="0" anchor="t" anchorCtr="0" horzOverflow="overflow">
-                    <a:lnL w="12700">
-                      <a:solidFill>
-                        <a:srgbClr val="000000"/>
-                      </a:solidFill>
-                    </a:lnL>
-                    <a:lnR w="12700">
-                      <a:solidFill>
-                        <a:srgbClr val="000000"/>
-                      </a:solidFill>
-                    </a:lnR>
-                    <a:lnT w="12700">
-                      <a:solidFill>
-                        <a:srgbClr val="000000"/>
-                      </a:solidFill>
-                    </a:lnT>
-                    <a:lnB w="12700">
-                      <a:solidFill>
-                        <a:srgbClr val="000000"/>
-                      </a:solidFill>
-                    </a:lnB>
-                    <a:solidFill>
-                      <a:srgbClr val="000000">
-                        <a:alpha val="20000"/>
-                      </a:srgbClr>
-                    </a:solidFill>
-                  </a:tcPr>
-                </a:tc>
-                <a:tc>
-                  <a:txBody>
-                    <a:bodyPr/>
-                    <a:lstStyle/>
-                    <a:p>
-                      <a:pPr algn="ctr">
-                        <a:lnSpc>
-                          <a:spcPct val="150000"/>
-                        </a:lnSpc>
-                        <a:spcBef>
-                          <a:spcPts val="600"/>
-                        </a:spcBef>
-                        <a:defRPr sz="1800"/>
-                      </a:pPr>
-                      <a:r>
-                        <a:rPr sz="1200"/>
-                        <a:t>33,807</a:t>
-                      </a:r>
-                    </a:p>
-                  </a:txBody>
-                  <a:tcPr marL="0" marR="0" marT="0" marB="0" anchor="t" anchorCtr="0" horzOverflow="overflow">
-                    <a:lnL w="12700">
-                      <a:solidFill>
-                        <a:srgbClr val="000000"/>
-                      </a:solidFill>
-                    </a:lnL>
-                    <a:lnR w="12700">
-                      <a:solidFill>
-                        <a:srgbClr val="000000"/>
-                      </a:solidFill>
-                    </a:lnR>
-                    <a:lnT w="12700">
-                      <a:solidFill>
-                        <a:srgbClr val="000000"/>
-                      </a:solidFill>
-                    </a:lnT>
-                    <a:lnB w="12700">
-                      <a:solidFill>
-                        <a:srgbClr val="000000"/>
-                      </a:solidFill>
-                    </a:lnB>
-                    <a:solidFill>
-                      <a:srgbClr val="000000">
-                        <a:alpha val="20000"/>
-                      </a:srgbClr>
-                    </a:solidFill>
-                  </a:tcPr>
-                </a:tc>
-                <a:tc>
-                  <a:txBody>
-                    <a:bodyPr/>
-                    <a:lstStyle/>
-                    <a:p>
-                      <a:pPr algn="ctr">
-                        <a:lnSpc>
-                          <a:spcPct val="150000"/>
-                        </a:lnSpc>
-                        <a:spcBef>
-                          <a:spcPts val="600"/>
-                        </a:spcBef>
-                        <a:defRPr sz="1800"/>
-                      </a:pPr>
-                      <a:r>
-                        <a:rPr sz="1200"/>
-                        <a:t>33,6342</a:t>
-                      </a:r>
-                    </a:p>
-                  </a:txBody>
-                  <a:tcPr marL="0" marR="0" marT="0" marB="0" anchor="t" anchorCtr="0" horzOverflow="overflow">
-                    <a:lnL w="12700">
-                      <a:solidFill>
-                        <a:srgbClr val="000000"/>
-                      </a:solidFill>
-                    </a:lnL>
-                    <a:lnR w="12700">
-                      <a:solidFill>
-                        <a:srgbClr val="000000"/>
-                      </a:solidFill>
-                    </a:lnR>
-                    <a:lnT w="12700">
-                      <a:solidFill>
-                        <a:srgbClr val="000000"/>
-                      </a:solidFill>
-                    </a:lnT>
-                    <a:lnB w="12700">
-                      <a:solidFill>
-                        <a:srgbClr val="000000"/>
-                      </a:solidFill>
-                    </a:lnB>
-                    <a:solidFill>
-                      <a:srgbClr val="000000">
-                        <a:alpha val="20000"/>
-                      </a:srgbClr>
-                    </a:solidFill>
-                  </a:tcPr>
-                </a:tc>
-              </a:tr>
-            </a:tbl>
-          </a:graphicData>
-        </a:graphic>
-      </p:graphicFrame>
       <p:sp>
         <p:nvSpPr>
-          <p:cNvPr id="170" name="TextBox 8"/>
-          <p:cNvSpPr/>
+          <p:cNvPr id="154" name="Метод Річардсона…"/>
+          <p:cNvSpPr txBox="1"/>
+          <p:nvPr/>
+        </p:nvSpPr>
+        <p:spPr>
+          <a:xfrm>
+            <a:off x="4187005" y="3249929"/>
+            <a:ext cx="3771093" cy="764293"/>
+          </a:xfrm>
+          <a:prstGeom prst="rect">
+            <a:avLst/>
+          </a:prstGeom>
+          <a:ln w="12700">
+            <a:miter lim="400000"/>
+          </a:ln>
+          <a:extLst>
+            <a:ext uri="{C572A759-6A51-4108-AA02-DFA0A04FC94B}">
+              <ma14:wrappingTextBoxFlag xmlns:ma14="http://schemas.microsoft.com/office/mac/drawingml/2011/main" val="1"/>
+            </a:ext>
+          </a:extLst>
+        </p:spPr>
+        <p:txBody>
+          <a:bodyPr wrap="none" lIns="45719" rIns="45719">
+            <a:spAutoFit/>
+          </a:bodyPr>
+          <a:lstStyle/>
+          <a:p>
+            <a:pPr marL="240631" indent="-240631">
+              <a:buSzPct val="100000"/>
+              <a:buChar char="•"/>
+              <a:defRPr sz="2400">
+                <a:latin typeface="Times New Roman"/>
+                <a:ea typeface="Times New Roman"/>
+                <a:cs typeface="Times New Roman"/>
+                <a:sym typeface="Times New Roman"/>
+              </a:defRPr>
+            </a:pPr>
+            <a:r>
+              <a:t>Метод Річардсона</a:t>
+            </a:r>
+          </a:p>
+          <a:p>
+            <a:pPr marL="240631" indent="-240631">
+              <a:buSzPct val="100000"/>
+              <a:buChar char="•"/>
+              <a:defRPr sz="2400">
+                <a:latin typeface="Times New Roman"/>
+                <a:ea typeface="Times New Roman"/>
+                <a:cs typeface="Times New Roman"/>
+                <a:sym typeface="Times New Roman"/>
+              </a:defRPr>
+            </a:pPr>
+            <a:r>
+              <a:t>Метод верхньої релаксації</a:t>
+            </a:r>
+          </a:p>
+        </p:txBody>
+      </p:sp>
+    </p:spTree>
+  </p:cSld>
+  <p:clrMapOvr>
+    <a:masterClrMapping/>
+  </p:clrMapOvr>
+  <p:transition xmlns:p14="http://schemas.microsoft.com/office/powerpoint/2010/main" spd="med" advClick="1"/>
+</p:sld>
+</file>
+
+<file path=ppt/slides/slide8.xml><?xml version="1.0" encoding="utf-8"?>
+<p:sld xmlns:a="http://schemas.openxmlformats.org/drawingml/2006/main" xmlns:r="http://schemas.openxmlformats.org/officeDocument/2006/relationships" xmlns:p="http://schemas.openxmlformats.org/presentationml/2006/main" showMasterSp="1" showMasterPhAnim="1">
+  <p:cSld>
+    <p:spTree>
+      <p:nvGrpSpPr>
+        <p:cNvPr id="1" name=""/>
+        <p:cNvGrpSpPr/>
+        <p:nvPr/>
+      </p:nvGrpSpPr>
+      <p:grpSpPr>
+        <a:xfrm>
+          <a:off x="0" y="0"/>
+          <a:ext cx="0" cy="0"/>
+          <a:chOff x="0" y="0"/>
+          <a:chExt cx="0" cy="0"/>
+        </a:xfrm>
+      </p:grpSpPr>
+      <p:pic>
+        <p:nvPicPr>
+          <p:cNvPr id="156" name="Рисунок 1" descr="Рисунок 1"/>
+          <p:cNvPicPr>
+            <a:picLocks noChangeAspect="1"/>
+          </p:cNvPicPr>
+          <p:nvPr/>
+        </p:nvPicPr>
+        <p:blipFill>
+          <a:blip r:embed="rId2">
+            <a:extLst/>
+          </a:blip>
+          <a:stretch>
+            <a:fillRect/>
+          </a:stretch>
+        </p:blipFill>
+        <p:spPr>
+          <a:xfrm rot="10800000">
+            <a:off x="6072552" y="3845319"/>
+            <a:ext cx="6119448" cy="3985542"/>
+          </a:xfrm>
+          <a:prstGeom prst="rect">
+            <a:avLst/>
+          </a:prstGeom>
+          <a:ln w="12700">
+            <a:miter lim="400000"/>
+          </a:ln>
+        </p:spPr>
+      </p:pic>
+      <p:sp>
+        <p:nvSpPr>
+          <p:cNvPr id="157" name="TextBox 2"/>
+          <p:cNvSpPr txBox="1"/>
+          <p:nvPr/>
+        </p:nvSpPr>
+        <p:spPr>
+          <a:xfrm>
+            <a:off x="164122" y="363415"/>
+            <a:ext cx="11523785" cy="691330"/>
+          </a:xfrm>
+          <a:prstGeom prst="rect">
+            <a:avLst/>
+          </a:prstGeom>
+          <a:ln w="12700">
+            <a:miter lim="400000"/>
+          </a:ln>
+          <a:extLst>
+            <a:ext uri="{C572A759-6A51-4108-AA02-DFA0A04FC94B}">
+              <ma14:wrappingTextBoxFlag xmlns:ma14="http://schemas.microsoft.com/office/mac/drawingml/2011/main" val="1"/>
+            </a:ext>
+          </a:extLst>
+        </p:spPr>
+        <p:txBody>
+          <a:bodyPr lIns="45719" rIns="45719">
+            <a:spAutoFit/>
+          </a:bodyPr>
+          <a:lstStyle/>
+          <a:p>
+            <a:pPr algn="ctr">
+              <a:defRPr b="1" sz="2400">
+                <a:effectLst>
+                  <a:outerShdw sx="100000" sy="100000" kx="0" ky="0" algn="b" rotWithShape="0" blurRad="38100" dist="19050" dir="2700000">
+                    <a:srgbClr val="000000">
+                      <a:alpha val="40000"/>
+                    </a:srgbClr>
+                  </a:outerShdw>
+                </a:effectLst>
+                <a:latin typeface="Times New Roman"/>
+                <a:ea typeface="Times New Roman"/>
+                <a:cs typeface="Times New Roman"/>
+                <a:sym typeface="Times New Roman"/>
+              </a:defRPr>
+            </a:pPr>
+            <a:r>
+              <a:t>ЧАСТИНА 3. </a:t>
+            </a:r>
+          </a:p>
+          <a:p>
+            <a:pPr algn="ctr">
+              <a:defRPr b="1">
+                <a:effectLst>
+                  <a:outerShdw sx="100000" sy="100000" kx="0" ky="0" algn="b" rotWithShape="0" blurRad="38100" dist="19050" dir="2700000">
+                    <a:srgbClr val="000000">
+                      <a:alpha val="40000"/>
+                    </a:srgbClr>
+                  </a:outerShdw>
+                </a:effectLst>
+                <a:latin typeface="Times New Roman"/>
+                <a:ea typeface="Times New Roman"/>
+                <a:cs typeface="Times New Roman"/>
+                <a:sym typeface="Times New Roman"/>
+              </a:defRPr>
+            </a:pPr>
+            <a:r>
+              <a:t>ПАРАЛЕЛЬНІ АЛГОРИТМИ ТА ЧИСЕЛЬНІ ЕКСПЕРИМЕНТИ АРХІТЕКТУРИ 1 CPU + 1 GPU</a:t>
+            </a:r>
+          </a:p>
+        </p:txBody>
+      </p:sp>
+      <p:pic>
+        <p:nvPicPr>
+          <p:cNvPr id="158" name="Рисунок 3" descr="Рисунок 3"/>
+          <p:cNvPicPr>
+            <a:picLocks noChangeAspect="1"/>
+          </p:cNvPicPr>
+          <p:nvPr/>
+        </p:nvPicPr>
+        <p:blipFill>
+          <a:blip r:embed="rId3">
+            <a:extLst/>
+          </a:blip>
+          <a:stretch>
+            <a:fillRect/>
+          </a:stretch>
+        </p:blipFill>
+        <p:spPr>
+          <a:xfrm>
+            <a:off x="3816225" y="712667"/>
+            <a:ext cx="4219576" cy="1076326"/>
+          </a:xfrm>
+          <a:prstGeom prst="rect">
+            <a:avLst/>
+          </a:prstGeom>
+          <a:ln w="12700">
+            <a:miter lim="400000"/>
+          </a:ln>
+        </p:spPr>
+      </p:pic>
+      <p:sp>
+        <p:nvSpPr>
+          <p:cNvPr id="159" name="TextBox 4"/>
+          <p:cNvSpPr txBox="1"/>
+          <p:nvPr/>
+        </p:nvSpPr>
+        <p:spPr>
+          <a:xfrm>
+            <a:off x="375136" y="1558158"/>
+            <a:ext cx="11394831" cy="421393"/>
+          </a:xfrm>
+          <a:prstGeom prst="rect">
+            <a:avLst/>
+          </a:prstGeom>
+          <a:ln w="12700">
+            <a:miter lim="400000"/>
+          </a:ln>
+          <a:extLst>
+            <a:ext uri="{C572A759-6A51-4108-AA02-DFA0A04FC94B}">
+              <ma14:wrappingTextBoxFlag xmlns:ma14="http://schemas.microsoft.com/office/mac/drawingml/2011/main" val="1"/>
+            </a:ext>
+          </a:extLst>
+        </p:spPr>
+        <p:txBody>
+          <a:bodyPr lIns="45719" rIns="45719">
+            <a:spAutoFit/>
+          </a:bodyPr>
+          <a:lstStyle>
+            <a:lvl1pPr algn="ctr">
+              <a:defRPr b="1" sz="2400">
+                <a:effectLst>
+                  <a:outerShdw sx="100000" sy="100000" kx="0" ky="0" algn="b" rotWithShape="0" blurRad="38100" dist="38100" dir="2700000">
+                    <a:srgbClr val="000000">
+                      <a:alpha val="43137"/>
+                    </a:srgbClr>
+                  </a:outerShdw>
+                </a:effectLst>
+                <a:latin typeface="Times New Roman"/>
+                <a:ea typeface="Times New Roman"/>
+                <a:cs typeface="Times New Roman"/>
+                <a:sym typeface="Times New Roman"/>
+              </a:defRPr>
+            </a:lvl1pPr>
+          </a:lstStyle>
+          <a:p>
+            <a:pPr/>
+            <a:r>
+              <a:t>Попередня обробка діагонального розбиття</a:t>
+            </a:r>
+          </a:p>
+        </p:txBody>
+      </p:sp>
+      <p:pic>
+        <p:nvPicPr>
+          <p:cNvPr id="160" name="pasted-image.png" descr="pasted-image.png"/>
+          <p:cNvPicPr>
+            <a:picLocks noChangeAspect="1"/>
+          </p:cNvPicPr>
+          <p:nvPr/>
+        </p:nvPicPr>
+        <p:blipFill>
+          <a:blip r:embed="rId4">
+            <a:extLst/>
+          </a:blip>
+          <a:stretch>
+            <a:fillRect/>
+          </a:stretch>
+        </p:blipFill>
+        <p:spPr>
+          <a:xfrm>
+            <a:off x="2954214" y="2482964"/>
+            <a:ext cx="5943601" cy="3644901"/>
+          </a:xfrm>
+          <a:prstGeom prst="rect">
+            <a:avLst/>
+          </a:prstGeom>
+          <a:ln w="12700">
+            <a:miter lim="400000"/>
+          </a:ln>
+        </p:spPr>
+      </p:pic>
+    </p:spTree>
+  </p:cSld>
+  <p:clrMapOvr>
+    <a:masterClrMapping/>
+  </p:clrMapOvr>
+  <p:transition xmlns:p14="http://schemas.microsoft.com/office/powerpoint/2010/main" spd="med" advClick="1"/>
+</p:sld>
+</file>
+
+<file path=ppt/slides/slide9.xml><?xml version="1.0" encoding="utf-8"?>
+<p:sld xmlns:a="http://schemas.openxmlformats.org/drawingml/2006/main" xmlns:r="http://schemas.openxmlformats.org/officeDocument/2006/relationships" xmlns:p="http://schemas.openxmlformats.org/presentationml/2006/main" showMasterSp="1" showMasterPhAnim="1">
+  <p:cSld>
+    <p:spTree>
+      <p:nvGrpSpPr>
+        <p:cNvPr id="1" name=""/>
+        <p:cNvGrpSpPr/>
+        <p:nvPr/>
+      </p:nvGrpSpPr>
+      <p:grpSpPr>
+        <a:xfrm>
+          <a:off x="0" y="0"/>
+          <a:ext cx="0" cy="0"/>
+          <a:chOff x="0" y="0"/>
+          <a:chExt cx="0" cy="0"/>
+        </a:xfrm>
+      </p:grpSpPr>
+      <p:pic>
+        <p:nvPicPr>
+          <p:cNvPr id="162" name="Рисунок 1" descr="Рисунок 1"/>
+          <p:cNvPicPr>
+            <a:picLocks noChangeAspect="1"/>
+          </p:cNvPicPr>
+          <p:nvPr/>
+        </p:nvPicPr>
+        <p:blipFill>
+          <a:blip r:embed="rId2">
+            <a:extLst/>
+          </a:blip>
+          <a:stretch>
+            <a:fillRect/>
+          </a:stretch>
+        </p:blipFill>
+        <p:spPr>
+          <a:xfrm rot="10800000">
+            <a:off x="6072552" y="3868766"/>
+            <a:ext cx="6119448" cy="3985542"/>
+          </a:xfrm>
+          <a:prstGeom prst="rect">
+            <a:avLst/>
+          </a:prstGeom>
+          <a:ln w="12700">
+            <a:miter lim="400000"/>
+          </a:ln>
+        </p:spPr>
+      </p:pic>
+      <p:sp>
+        <p:nvSpPr>
+          <p:cNvPr id="163" name="TextBox 2"/>
+          <p:cNvSpPr txBox="1"/>
+          <p:nvPr/>
+        </p:nvSpPr>
+        <p:spPr>
+          <a:xfrm>
+            <a:off x="164122" y="363415"/>
+            <a:ext cx="11523785" cy="691330"/>
+          </a:xfrm>
+          <a:prstGeom prst="rect">
+            <a:avLst/>
+          </a:prstGeom>
+          <a:ln w="12700">
+            <a:miter lim="400000"/>
+          </a:ln>
+          <a:extLst>
+            <a:ext uri="{C572A759-6A51-4108-AA02-DFA0A04FC94B}">
+              <ma14:wrappingTextBoxFlag xmlns:ma14="http://schemas.microsoft.com/office/mac/drawingml/2011/main" val="1"/>
+            </a:ext>
+          </a:extLst>
+        </p:spPr>
+        <p:txBody>
+          <a:bodyPr lIns="45719" rIns="45719">
+            <a:spAutoFit/>
+          </a:bodyPr>
+          <a:lstStyle/>
+          <a:p>
+            <a:pPr algn="ctr">
+              <a:defRPr b="1" sz="2400">
+                <a:effectLst>
+                  <a:outerShdw sx="100000" sy="100000" kx="0" ky="0" algn="b" rotWithShape="0" blurRad="38100" dist="19050" dir="2700000">
+                    <a:srgbClr val="000000">
+                      <a:alpha val="40000"/>
+                    </a:srgbClr>
+                  </a:outerShdw>
+                </a:effectLst>
+                <a:latin typeface="Times New Roman"/>
+                <a:ea typeface="Times New Roman"/>
+                <a:cs typeface="Times New Roman"/>
+                <a:sym typeface="Times New Roman"/>
+              </a:defRPr>
+            </a:pPr>
+            <a:r>
+              <a:t>ЧАСТИНА 3. </a:t>
+            </a:r>
+          </a:p>
+          <a:p>
+            <a:pPr algn="ctr">
+              <a:defRPr b="1">
+                <a:effectLst>
+                  <a:outerShdw sx="100000" sy="100000" kx="0" ky="0" algn="b" rotWithShape="0" blurRad="38100" dist="19050" dir="2700000">
+                    <a:srgbClr val="000000">
+                      <a:alpha val="40000"/>
+                    </a:srgbClr>
+                  </a:outerShdw>
+                </a:effectLst>
+              </a:defRPr>
+            </a:pPr>
+            <a:r>
+              <a:rPr>
+                <a:latin typeface="Times New Roman"/>
+                <a:ea typeface="Times New Roman"/>
+                <a:cs typeface="Times New Roman"/>
+                <a:sym typeface="Times New Roman"/>
+              </a:rPr>
+              <a:t>ПАРАЛЕЛЬНІ АЛГОРИТМИ ТА ЧИСЕЛЬНІ ЕКСПЕРИМЕНТИ АРХІТЕКТУРИ 1 CPU + 1 GPU</a:t>
+            </a:r>
+          </a:p>
+        </p:txBody>
+      </p:sp>
+      <p:pic>
+        <p:nvPicPr>
+          <p:cNvPr id="164" name="Рисунок 3" descr="Рисунок 3"/>
+          <p:cNvPicPr>
+            <a:picLocks noChangeAspect="1"/>
+          </p:cNvPicPr>
+          <p:nvPr/>
+        </p:nvPicPr>
+        <p:blipFill>
+          <a:blip r:embed="rId3">
+            <a:extLst/>
+          </a:blip>
+          <a:stretch>
+            <a:fillRect/>
+          </a:stretch>
+        </p:blipFill>
+        <p:spPr>
+          <a:xfrm>
+            <a:off x="3816225" y="712667"/>
+            <a:ext cx="4219576" cy="1076326"/>
+          </a:xfrm>
+          <a:prstGeom prst="rect">
+            <a:avLst/>
+          </a:prstGeom>
+          <a:ln w="12700">
+            <a:miter lim="400000"/>
+          </a:ln>
+        </p:spPr>
+      </p:pic>
+      <p:sp>
+        <p:nvSpPr>
+          <p:cNvPr id="165" name="TextBox 4"/>
+          <p:cNvSpPr txBox="1"/>
+          <p:nvPr/>
+        </p:nvSpPr>
+        <p:spPr>
+          <a:xfrm>
+            <a:off x="2813536" y="1543664"/>
+            <a:ext cx="6224955" cy="421392"/>
+          </a:xfrm>
+          <a:prstGeom prst="rect">
+            <a:avLst/>
+          </a:prstGeom>
+          <a:ln w="12700">
+            <a:miter lim="400000"/>
+          </a:ln>
+          <a:extLst>
+            <a:ext uri="{C572A759-6A51-4108-AA02-DFA0A04FC94B}">
+              <ma14:wrappingTextBoxFlag xmlns:ma14="http://schemas.microsoft.com/office/mac/drawingml/2011/main" val="1"/>
+            </a:ext>
+          </a:extLst>
+        </p:spPr>
+        <p:txBody>
+          <a:bodyPr lIns="45719" rIns="45719">
+            <a:spAutoFit/>
+          </a:bodyPr>
+          <a:lstStyle>
+            <a:lvl1pPr algn="ctr">
+              <a:defRPr b="1" sz="2400">
+                <a:effectLst>
+                  <a:outerShdw sx="100000" sy="100000" kx="0" ky="0" algn="b" rotWithShape="0" blurRad="38100" dist="38100" dir="2700000">
+                    <a:srgbClr val="000000">
+                      <a:alpha val="43137"/>
+                    </a:srgbClr>
+                  </a:outerShdw>
+                </a:effectLst>
+                <a:latin typeface="Times New Roman"/>
+                <a:ea typeface="Times New Roman"/>
+                <a:cs typeface="Times New Roman"/>
+                <a:sym typeface="Times New Roman"/>
+              </a:defRPr>
+            </a:lvl1pPr>
+          </a:lstStyle>
+          <a:p>
+            <a:pPr/>
+            <a:r>
+              <a:t>Чисельні експерименти</a:t>
+            </a:r>
+          </a:p>
+        </p:txBody>
+      </p:sp>
+      <p:sp>
+        <p:nvSpPr>
+          <p:cNvPr id="166" name="TextBox 8"/>
+          <p:cNvSpPr txBox="1"/>
           <p:nvPr/>
         </p:nvSpPr>
         <p:spPr>
           <a:xfrm>
             <a:off x="4642337" y="3974122"/>
-            <a:ext cx="1699847" cy="358141"/>
+            <a:ext cx="1699848" cy="358141"/>
           </a:xfrm>
           <a:prstGeom prst="rect">
             <a:avLst/>
@@ -8247,14 +9447,14 @@
       </p:sp>
       <p:sp>
         <p:nvSpPr>
-          <p:cNvPr id="171" name="TextBox 9"/>
-          <p:cNvSpPr/>
+          <p:cNvPr id="167" name="TextBox 9"/>
+          <p:cNvSpPr txBox="1"/>
           <p:nvPr/>
         </p:nvSpPr>
         <p:spPr>
           <a:xfrm>
             <a:off x="4642337" y="6321068"/>
-            <a:ext cx="1699847" cy="358141"/>
+            <a:ext cx="1699848" cy="358141"/>
           </a:xfrm>
           <a:prstGeom prst="rect">
             <a:avLst/>
@@ -8280,6 +9480,1732 @@
             <a:r>
               <a:t>25 кроків</a:t>
             </a:r>
+          </a:p>
+        </p:txBody>
+      </p:sp>
+      <p:graphicFrame>
+        <p:nvGraphicFramePr>
+          <p:cNvPr id="168" name="Table"/>
+          <p:cNvGraphicFramePr/>
+          <p:nvPr/>
+        </p:nvGraphicFramePr>
+        <p:xfrm>
+          <a:off x="2145457" y="2523038"/>
+          <a:ext cx="7573815" cy="1455945"/>
+        </p:xfrm>
+        <a:graphic xmlns:a="http://schemas.openxmlformats.org/drawingml/2006/main">
+          <a:graphicData uri="http://schemas.openxmlformats.org/drawingml/2006/table">
+            <a:tbl>
+              <a:tblPr firstCol="0" firstRow="0" lastCol="0" lastRow="0" bandCol="0" bandRow="0" rtl="0">
+                <a:tableStyleId>{4C3C2611-4C71-4FC5-86AE-919BDF0F9419}</a:tableStyleId>
+              </a:tblPr>
+              <a:tblGrid>
+                <a:gridCol w="1735619"/>
+                <a:gridCol w="962323"/>
+                <a:gridCol w="1735619"/>
+                <a:gridCol w="1202904"/>
+                <a:gridCol w="1924647"/>
+              </a:tblGrid>
+              <a:tr h="363589">
+                <a:tc rowSpan="2">
+                  <a:txBody>
+                    <a:bodyPr/>
+                    <a:lstStyle/>
+                    <a:p>
+                      <a:pPr algn="l">
+                        <a:defRPr sz="1800"/>
+                      </a:pPr>
+                    </a:p>
+                  </a:txBody>
+                  <a:tcPr marL="50800" marR="50800" marT="50800" marB="50800" anchor="t" anchorCtr="0" horzOverflow="overflow">
+                    <a:lnL w="12700">
+                      <a:solidFill>
+                        <a:srgbClr val="000000"/>
+                      </a:solidFill>
+                      <a:miter lim="400000"/>
+                    </a:lnL>
+                    <a:lnR w="12700">
+                      <a:solidFill>
+                        <a:srgbClr val="000000"/>
+                      </a:solidFill>
+                      <a:miter lim="400000"/>
+                    </a:lnR>
+                    <a:lnT w="12700">
+                      <a:solidFill>
+                        <a:srgbClr val="000000"/>
+                      </a:solidFill>
+                      <a:miter lim="400000"/>
+                    </a:lnT>
+                    <a:lnB w="12700">
+                      <a:solidFill>
+                        <a:srgbClr val="000000"/>
+                      </a:solidFill>
+                      <a:miter lim="400000"/>
+                    </a:lnB>
+                  </a:tcPr>
+                </a:tc>
+                <a:tc gridSpan="2">
+                  <a:txBody>
+                    <a:bodyPr/>
+                    <a:lstStyle/>
+                    <a:p>
+                      <a:pPr algn="ctr" defTabSz="449580">
+                        <a:lnSpc>
+                          <a:spcPct val="150000"/>
+                        </a:lnSpc>
+                        <a:defRPr sz="1800"/>
+                      </a:pPr>
+                      <a:r>
+                        <a:rPr sz="1200"/>
+                        <a:t>Метод Річардсона</a:t>
+                      </a:r>
+                    </a:p>
+                  </a:txBody>
+                  <a:tcPr marL="50800" marR="50800" marT="50800" marB="50800" anchor="t" anchorCtr="0" horzOverflow="overflow">
+                    <a:lnL w="12700">
+                      <a:solidFill>
+                        <a:srgbClr val="000000"/>
+                      </a:solidFill>
+                      <a:miter lim="400000"/>
+                    </a:lnL>
+                    <a:lnR w="12700">
+                      <a:solidFill>
+                        <a:srgbClr val="000000"/>
+                      </a:solidFill>
+                      <a:miter lim="400000"/>
+                    </a:lnR>
+                    <a:lnT w="12700">
+                      <a:solidFill>
+                        <a:srgbClr val="000000"/>
+                      </a:solidFill>
+                      <a:miter lim="400000"/>
+                    </a:lnT>
+                    <a:lnB w="12700">
+                      <a:solidFill>
+                        <a:srgbClr val="000000"/>
+                      </a:solidFill>
+                      <a:miter lim="400000"/>
+                    </a:lnB>
+                  </a:tcPr>
+                </a:tc>
+                <a:tc hMerge="1">
+                  <a:tcPr/>
+                </a:tc>
+                <a:tc gridSpan="2">
+                  <a:txBody>
+                    <a:bodyPr/>
+                    <a:lstStyle/>
+                    <a:p>
+                      <a:pPr algn="ctr" defTabSz="449580">
+                        <a:lnSpc>
+                          <a:spcPct val="150000"/>
+                        </a:lnSpc>
+                        <a:defRPr sz="1800"/>
+                      </a:pPr>
+                      <a:r>
+                        <a:rPr sz="1200"/>
+                        <a:t>Mетод верхньої релаксації</a:t>
+                      </a:r>
+                    </a:p>
+                  </a:txBody>
+                  <a:tcPr marL="50800" marR="50800" marT="50800" marB="50800" anchor="t" anchorCtr="0" horzOverflow="overflow">
+                    <a:lnL w="12700">
+                      <a:solidFill>
+                        <a:srgbClr val="000000"/>
+                      </a:solidFill>
+                      <a:miter lim="400000"/>
+                    </a:lnL>
+                    <a:lnR w="12700">
+                      <a:solidFill>
+                        <a:srgbClr val="000000"/>
+                      </a:solidFill>
+                      <a:miter lim="400000"/>
+                    </a:lnR>
+                    <a:lnT w="12700">
+                      <a:solidFill>
+                        <a:srgbClr val="000000"/>
+                      </a:solidFill>
+                      <a:miter lim="400000"/>
+                    </a:lnT>
+                    <a:lnB w="12700">
+                      <a:solidFill>
+                        <a:srgbClr val="000000"/>
+                      </a:solidFill>
+                      <a:miter lim="400000"/>
+                    </a:lnB>
+                  </a:tcPr>
+                </a:tc>
+                <a:tc hMerge="1">
+                  <a:tcPr/>
+                </a:tc>
+              </a:tr>
+              <a:tr h="363589">
+                <a:tc vMerge="1">
+                  <a:tcPr/>
+                </a:tc>
+                <a:tc>
+                  <a:txBody>
+                    <a:bodyPr/>
+                    <a:lstStyle/>
+                    <a:p>
+                      <a:pPr algn="ctr" defTabSz="449580">
+                        <a:lnSpc>
+                          <a:spcPct val="150000"/>
+                        </a:lnSpc>
+                        <a:defRPr sz="1800"/>
+                      </a:pPr>
+                      <a:r>
+                        <a:rPr sz="1200"/>
+                        <a:t>1 CPU</a:t>
+                      </a:r>
+                    </a:p>
+                  </a:txBody>
+                  <a:tcPr marL="50800" marR="50800" marT="50800" marB="50800" anchor="t" anchorCtr="0" horzOverflow="overflow">
+                    <a:lnL w="12700">
+                      <a:solidFill>
+                        <a:srgbClr val="000000"/>
+                      </a:solidFill>
+                      <a:miter lim="400000"/>
+                    </a:lnL>
+                    <a:lnR w="12700">
+                      <a:solidFill>
+                        <a:srgbClr val="000000"/>
+                      </a:solidFill>
+                      <a:miter lim="400000"/>
+                    </a:lnR>
+                    <a:lnT w="12700">
+                      <a:solidFill>
+                        <a:srgbClr val="000000"/>
+                      </a:solidFill>
+                      <a:miter lim="400000"/>
+                    </a:lnT>
+                    <a:lnB w="12700">
+                      <a:solidFill>
+                        <a:srgbClr val="000000"/>
+                      </a:solidFill>
+                      <a:miter lim="400000"/>
+                    </a:lnB>
+                  </a:tcPr>
+                </a:tc>
+                <a:tc>
+                  <a:txBody>
+                    <a:bodyPr/>
+                    <a:lstStyle/>
+                    <a:p>
+                      <a:pPr algn="ctr" defTabSz="449580">
+                        <a:lnSpc>
+                          <a:spcPct val="150000"/>
+                        </a:lnSpc>
+                        <a:defRPr sz="1800"/>
+                      </a:pPr>
+                      <a:r>
+                        <a:rPr sz="1200"/>
+                        <a:t>1 CPU + 1 GPU</a:t>
+                      </a:r>
+                    </a:p>
+                  </a:txBody>
+                  <a:tcPr marL="50800" marR="50800" marT="50800" marB="50800" anchor="t" anchorCtr="0" horzOverflow="overflow">
+                    <a:lnL w="12700">
+                      <a:solidFill>
+                        <a:srgbClr val="000000"/>
+                      </a:solidFill>
+                      <a:miter lim="400000"/>
+                    </a:lnL>
+                    <a:lnR w="12700">
+                      <a:solidFill>
+                        <a:srgbClr val="000000"/>
+                      </a:solidFill>
+                      <a:miter lim="400000"/>
+                    </a:lnR>
+                    <a:lnT w="12700">
+                      <a:solidFill>
+                        <a:srgbClr val="000000"/>
+                      </a:solidFill>
+                      <a:miter lim="400000"/>
+                    </a:lnT>
+                    <a:lnB w="12700">
+                      <a:solidFill>
+                        <a:srgbClr val="000000"/>
+                      </a:solidFill>
+                      <a:miter lim="400000"/>
+                    </a:lnB>
+                  </a:tcPr>
+                </a:tc>
+                <a:tc>
+                  <a:txBody>
+                    <a:bodyPr/>
+                    <a:lstStyle/>
+                    <a:p>
+                      <a:pPr algn="ctr" defTabSz="449580">
+                        <a:lnSpc>
+                          <a:spcPct val="150000"/>
+                        </a:lnSpc>
+                        <a:defRPr sz="1800"/>
+                      </a:pPr>
+                      <a:r>
+                        <a:rPr sz="1200"/>
+                        <a:t>1 CPU</a:t>
+                      </a:r>
+                    </a:p>
+                  </a:txBody>
+                  <a:tcPr marL="50800" marR="50800" marT="50800" marB="50800" anchor="t" anchorCtr="0" horzOverflow="overflow">
+                    <a:lnL w="12700">
+                      <a:solidFill>
+                        <a:srgbClr val="000000"/>
+                      </a:solidFill>
+                      <a:miter lim="400000"/>
+                    </a:lnL>
+                    <a:lnR w="12700">
+                      <a:solidFill>
+                        <a:srgbClr val="000000"/>
+                      </a:solidFill>
+                      <a:miter lim="400000"/>
+                    </a:lnR>
+                    <a:lnT w="12700">
+                      <a:solidFill>
+                        <a:srgbClr val="000000"/>
+                      </a:solidFill>
+                      <a:miter lim="400000"/>
+                    </a:lnT>
+                    <a:lnB w="12700">
+                      <a:solidFill>
+                        <a:srgbClr val="000000"/>
+                      </a:solidFill>
+                      <a:miter lim="400000"/>
+                    </a:lnB>
+                  </a:tcPr>
+                </a:tc>
+                <a:tc>
+                  <a:txBody>
+                    <a:bodyPr/>
+                    <a:lstStyle/>
+                    <a:p>
+                      <a:pPr algn="ctr" defTabSz="449580">
+                        <a:lnSpc>
+                          <a:spcPct val="150000"/>
+                        </a:lnSpc>
+                        <a:defRPr sz="1800"/>
+                      </a:pPr>
+                      <a:r>
+                        <a:rPr sz="1200"/>
+                        <a:t>1CPU + 1 GPU</a:t>
+                      </a:r>
+                    </a:p>
+                  </a:txBody>
+                  <a:tcPr marL="50800" marR="50800" marT="50800" marB="50800" anchor="t" anchorCtr="0" horzOverflow="overflow">
+                    <a:lnL w="12700">
+                      <a:solidFill>
+                        <a:srgbClr val="000000"/>
+                      </a:solidFill>
+                      <a:miter lim="400000"/>
+                    </a:lnL>
+                    <a:lnR w="12700">
+                      <a:solidFill>
+                        <a:srgbClr val="000000"/>
+                      </a:solidFill>
+                      <a:miter lim="400000"/>
+                    </a:lnR>
+                    <a:lnT w="12700">
+                      <a:solidFill>
+                        <a:srgbClr val="000000"/>
+                      </a:solidFill>
+                      <a:miter lim="400000"/>
+                    </a:lnT>
+                    <a:lnB w="12700">
+                      <a:solidFill>
+                        <a:srgbClr val="000000"/>
+                      </a:solidFill>
+                      <a:miter lim="400000"/>
+                    </a:lnB>
+                  </a:tcPr>
+                </a:tc>
+              </a:tr>
+              <a:tr h="363589">
+                <a:tc>
+                  <a:txBody>
+                    <a:bodyPr/>
+                    <a:lstStyle/>
+                    <a:p>
+                      <a:pPr algn="just" defTabSz="449580">
+                        <a:lnSpc>
+                          <a:spcPct val="150000"/>
+                        </a:lnSpc>
+                        <a:defRPr sz="1800"/>
+                      </a:pPr>
+                      <a:r>
+                        <a:rPr sz="1200"/>
+                        <a:t>Головний цикл</a:t>
+                      </a:r>
+                    </a:p>
+                  </a:txBody>
+                  <a:tcPr marL="50800" marR="50800" marT="50800" marB="50800" anchor="t" anchorCtr="0" horzOverflow="overflow">
+                    <a:lnL w="12700">
+                      <a:solidFill>
+                        <a:srgbClr val="000000"/>
+                      </a:solidFill>
+                      <a:miter lim="400000"/>
+                    </a:lnL>
+                    <a:lnR w="12700">
+                      <a:solidFill>
+                        <a:srgbClr val="000000"/>
+                      </a:solidFill>
+                      <a:miter lim="400000"/>
+                    </a:lnR>
+                    <a:lnT w="12700">
+                      <a:solidFill>
+                        <a:srgbClr val="000000"/>
+                      </a:solidFill>
+                      <a:miter lim="400000"/>
+                    </a:lnT>
+                    <a:lnB w="12700">
+                      <a:solidFill>
+                        <a:srgbClr val="000000"/>
+                      </a:solidFill>
+                      <a:miter lim="400000"/>
+                    </a:lnB>
+                  </a:tcPr>
+                </a:tc>
+                <a:tc>
+                  <a:txBody>
+                    <a:bodyPr/>
+                    <a:lstStyle/>
+                    <a:p>
+                      <a:pPr algn="ctr" defTabSz="449580">
+                        <a:lnSpc>
+                          <a:spcPct val="150000"/>
+                        </a:lnSpc>
+                        <a:defRPr sz="1800"/>
+                      </a:pPr>
+                      <a:r>
+                        <a:rPr sz="1200"/>
+                        <a:t>0,01355</a:t>
+                      </a:r>
+                    </a:p>
+                  </a:txBody>
+                  <a:tcPr marL="50800" marR="50800" marT="50800" marB="50800" anchor="t" anchorCtr="0" horzOverflow="overflow">
+                    <a:lnL w="12700">
+                      <a:solidFill>
+                        <a:srgbClr val="000000"/>
+                      </a:solidFill>
+                      <a:miter lim="400000"/>
+                    </a:lnL>
+                    <a:lnR w="12700">
+                      <a:solidFill>
+                        <a:srgbClr val="000000"/>
+                      </a:solidFill>
+                      <a:miter lim="400000"/>
+                    </a:lnR>
+                    <a:lnT w="12700">
+                      <a:solidFill>
+                        <a:srgbClr val="000000"/>
+                      </a:solidFill>
+                      <a:miter lim="400000"/>
+                    </a:lnT>
+                    <a:lnB w="12700">
+                      <a:solidFill>
+                        <a:srgbClr val="000000"/>
+                      </a:solidFill>
+                      <a:miter lim="400000"/>
+                    </a:lnB>
+                  </a:tcPr>
+                </a:tc>
+                <a:tc>
+                  <a:txBody>
+                    <a:bodyPr/>
+                    <a:lstStyle/>
+                    <a:p>
+                      <a:pPr algn="ctr" defTabSz="449580">
+                        <a:lnSpc>
+                          <a:spcPct val="150000"/>
+                        </a:lnSpc>
+                        <a:defRPr sz="1800"/>
+                      </a:pPr>
+                      <a:r>
+                        <a:rPr sz="1200"/>
+                        <a:t>0,0049</a:t>
+                      </a:r>
+                    </a:p>
+                  </a:txBody>
+                  <a:tcPr marL="50800" marR="50800" marT="50800" marB="50800" anchor="t" anchorCtr="0" horzOverflow="overflow">
+                    <a:lnL w="12700">
+                      <a:solidFill>
+                        <a:srgbClr val="000000"/>
+                      </a:solidFill>
+                      <a:miter lim="400000"/>
+                    </a:lnL>
+                    <a:lnR w="12700">
+                      <a:solidFill>
+                        <a:srgbClr val="000000"/>
+                      </a:solidFill>
+                      <a:miter lim="400000"/>
+                    </a:lnR>
+                    <a:lnT w="12700">
+                      <a:solidFill>
+                        <a:srgbClr val="000000"/>
+                      </a:solidFill>
+                      <a:miter lim="400000"/>
+                    </a:lnT>
+                    <a:lnB w="12700">
+                      <a:solidFill>
+                        <a:srgbClr val="000000"/>
+                      </a:solidFill>
+                      <a:miter lim="400000"/>
+                    </a:lnB>
+                  </a:tcPr>
+                </a:tc>
+                <a:tc>
+                  <a:txBody>
+                    <a:bodyPr/>
+                    <a:lstStyle/>
+                    <a:p>
+                      <a:pPr algn="ctr" defTabSz="449580">
+                        <a:lnSpc>
+                          <a:spcPct val="150000"/>
+                        </a:lnSpc>
+                        <a:defRPr sz="1800"/>
+                      </a:pPr>
+                      <a:r>
+                        <a:rPr sz="1200"/>
+                        <a:t>0,172671</a:t>
+                      </a:r>
+                    </a:p>
+                  </a:txBody>
+                  <a:tcPr marL="50800" marR="50800" marT="50800" marB="50800" anchor="t" anchorCtr="0" horzOverflow="overflow">
+                    <a:lnL w="12700">
+                      <a:solidFill>
+                        <a:srgbClr val="000000"/>
+                      </a:solidFill>
+                      <a:miter lim="400000"/>
+                    </a:lnL>
+                    <a:lnR w="12700">
+                      <a:solidFill>
+                        <a:srgbClr val="000000"/>
+                      </a:solidFill>
+                      <a:miter lim="400000"/>
+                    </a:lnR>
+                    <a:lnT w="12700">
+                      <a:solidFill>
+                        <a:srgbClr val="000000"/>
+                      </a:solidFill>
+                      <a:miter lim="400000"/>
+                    </a:lnT>
+                    <a:lnB w="12700">
+                      <a:solidFill>
+                        <a:srgbClr val="000000"/>
+                      </a:solidFill>
+                      <a:miter lim="400000"/>
+                    </a:lnB>
+                  </a:tcPr>
+                </a:tc>
+                <a:tc>
+                  <a:txBody>
+                    <a:bodyPr/>
+                    <a:lstStyle/>
+                    <a:p>
+                      <a:pPr algn="ctr" defTabSz="449580">
+                        <a:lnSpc>
+                          <a:spcPct val="150000"/>
+                        </a:lnSpc>
+                        <a:defRPr sz="1800"/>
+                      </a:pPr>
+                      <a:r>
+                        <a:rPr sz="1200"/>
+                        <a:t>0,03865</a:t>
+                      </a:r>
+                    </a:p>
+                  </a:txBody>
+                  <a:tcPr marL="50800" marR="50800" marT="50800" marB="50800" anchor="t" anchorCtr="0" horzOverflow="overflow">
+                    <a:lnL w="12700">
+                      <a:solidFill>
+                        <a:srgbClr val="000000"/>
+                      </a:solidFill>
+                      <a:miter lim="400000"/>
+                    </a:lnL>
+                    <a:lnR w="12700">
+                      <a:solidFill>
+                        <a:srgbClr val="000000"/>
+                      </a:solidFill>
+                      <a:miter lim="400000"/>
+                    </a:lnR>
+                    <a:lnT w="12700">
+                      <a:solidFill>
+                        <a:srgbClr val="000000"/>
+                      </a:solidFill>
+                      <a:miter lim="400000"/>
+                    </a:lnT>
+                    <a:lnB w="12700">
+                      <a:solidFill>
+                        <a:srgbClr val="000000"/>
+                      </a:solidFill>
+                      <a:miter lim="400000"/>
+                    </a:lnB>
+                  </a:tcPr>
+                </a:tc>
+              </a:tr>
+              <a:tr h="363589">
+                <a:tc>
+                  <a:txBody>
+                    <a:bodyPr/>
+                    <a:lstStyle/>
+                    <a:p>
+                      <a:pPr algn="just" defTabSz="449580">
+                        <a:lnSpc>
+                          <a:spcPct val="150000"/>
+                        </a:lnSpc>
+                        <a:defRPr sz="1800"/>
+                      </a:pPr>
+                      <a:r>
+                        <a:rPr sz="1200"/>
+                        <a:t>Загальний цикл</a:t>
+                      </a:r>
+                    </a:p>
+                  </a:txBody>
+                  <a:tcPr marL="50800" marR="50800" marT="50800" marB="50800" anchor="t" anchorCtr="0" horzOverflow="overflow">
+                    <a:lnL w="12700">
+                      <a:solidFill>
+                        <a:srgbClr val="000000"/>
+                      </a:solidFill>
+                      <a:miter lim="400000"/>
+                    </a:lnL>
+                    <a:lnR w="12700">
+                      <a:solidFill>
+                        <a:srgbClr val="000000"/>
+                      </a:solidFill>
+                      <a:miter lim="400000"/>
+                    </a:lnR>
+                    <a:lnT w="12700">
+                      <a:solidFill>
+                        <a:srgbClr val="000000"/>
+                      </a:solidFill>
+                      <a:miter lim="400000"/>
+                    </a:lnT>
+                    <a:lnB w="12700">
+                      <a:solidFill>
+                        <a:srgbClr val="000000"/>
+                      </a:solidFill>
+                      <a:miter lim="400000"/>
+                    </a:lnB>
+                  </a:tcPr>
+                </a:tc>
+                <a:tc>
+                  <a:txBody>
+                    <a:bodyPr/>
+                    <a:lstStyle/>
+                    <a:p>
+                      <a:pPr defTabSz="449580">
+                        <a:lnSpc>
+                          <a:spcPct val="150000"/>
+                        </a:lnSpc>
+                        <a:defRPr sz="1800"/>
+                      </a:pPr>
+                      <a:r>
+                        <a:rPr sz="1200"/>
+                        <a:t>0.032</a:t>
+                      </a:r>
+                    </a:p>
+                  </a:txBody>
+                  <a:tcPr marL="50800" marR="50800" marT="50800" marB="50800" anchor="t" anchorCtr="0" horzOverflow="overflow">
+                    <a:lnL w="12700">
+                      <a:solidFill>
+                        <a:srgbClr val="000000"/>
+                      </a:solidFill>
+                      <a:miter lim="400000"/>
+                    </a:lnL>
+                    <a:lnR w="12700">
+                      <a:solidFill>
+                        <a:srgbClr val="000000"/>
+                      </a:solidFill>
+                      <a:miter lim="400000"/>
+                    </a:lnR>
+                    <a:lnT w="12700">
+                      <a:solidFill>
+                        <a:srgbClr val="000000"/>
+                      </a:solidFill>
+                      <a:miter lim="400000"/>
+                    </a:lnT>
+                    <a:lnB w="12700">
+                      <a:solidFill>
+                        <a:srgbClr val="000000"/>
+                      </a:solidFill>
+                      <a:miter lim="400000"/>
+                    </a:lnB>
+                  </a:tcPr>
+                </a:tc>
+                <a:tc>
+                  <a:txBody>
+                    <a:bodyPr/>
+                    <a:lstStyle/>
+                    <a:p>
+                      <a:pPr algn="ctr" defTabSz="449580">
+                        <a:lnSpc>
+                          <a:spcPct val="150000"/>
+                        </a:lnSpc>
+                        <a:defRPr sz="1800"/>
+                      </a:pPr>
+                      <a:r>
+                        <a:rPr sz="1200"/>
+                        <a:t>2,82</a:t>
+                      </a:r>
+                    </a:p>
+                  </a:txBody>
+                  <a:tcPr marL="50800" marR="50800" marT="50800" marB="50800" anchor="t" anchorCtr="0" horzOverflow="overflow">
+                    <a:lnL w="12700">
+                      <a:solidFill>
+                        <a:srgbClr val="000000"/>
+                      </a:solidFill>
+                      <a:miter lim="400000"/>
+                    </a:lnL>
+                    <a:lnR w="12700">
+                      <a:solidFill>
+                        <a:srgbClr val="000000"/>
+                      </a:solidFill>
+                      <a:miter lim="400000"/>
+                    </a:lnR>
+                    <a:lnT w="12700">
+                      <a:solidFill>
+                        <a:srgbClr val="000000"/>
+                      </a:solidFill>
+                      <a:miter lim="400000"/>
+                    </a:lnT>
+                    <a:lnB w="12700">
+                      <a:solidFill>
+                        <a:srgbClr val="000000"/>
+                      </a:solidFill>
+                      <a:miter lim="400000"/>
+                    </a:lnB>
+                  </a:tcPr>
+                </a:tc>
+                <a:tc>
+                  <a:txBody>
+                    <a:bodyPr/>
+                    <a:lstStyle/>
+                    <a:p>
+                      <a:pPr algn="ctr" defTabSz="449580">
+                        <a:lnSpc>
+                          <a:spcPct val="150000"/>
+                        </a:lnSpc>
+                        <a:defRPr sz="1800"/>
+                      </a:pPr>
+                      <a:r>
+                        <a:rPr sz="1200"/>
+                        <a:t>0,0846629</a:t>
+                      </a:r>
+                    </a:p>
+                  </a:txBody>
+                  <a:tcPr marL="50800" marR="50800" marT="50800" marB="50800" anchor="t" anchorCtr="0" horzOverflow="overflow">
+                    <a:lnL w="12700">
+                      <a:solidFill>
+                        <a:srgbClr val="000000"/>
+                      </a:solidFill>
+                      <a:miter lim="400000"/>
+                    </a:lnL>
+                    <a:lnR w="12700">
+                      <a:solidFill>
+                        <a:srgbClr val="000000"/>
+                      </a:solidFill>
+                      <a:miter lim="400000"/>
+                    </a:lnR>
+                    <a:lnT w="12700">
+                      <a:solidFill>
+                        <a:srgbClr val="000000"/>
+                      </a:solidFill>
+                      <a:miter lim="400000"/>
+                    </a:lnT>
+                    <a:lnB w="12700">
+                      <a:solidFill>
+                        <a:srgbClr val="000000"/>
+                      </a:solidFill>
+                      <a:miter lim="400000"/>
+                    </a:lnB>
+                  </a:tcPr>
+                </a:tc>
+                <a:tc>
+                  <a:txBody>
+                    <a:bodyPr/>
+                    <a:lstStyle/>
+                    <a:p>
+                      <a:pPr algn="ctr" defTabSz="449580">
+                        <a:lnSpc>
+                          <a:spcPct val="150000"/>
+                        </a:lnSpc>
+                        <a:defRPr sz="1800"/>
+                      </a:pPr>
+                      <a:r>
+                        <a:rPr sz="1200"/>
+                        <a:t>0,632961</a:t>
+                      </a:r>
+                    </a:p>
+                  </a:txBody>
+                  <a:tcPr marL="50800" marR="50800" marT="50800" marB="50800" anchor="t" anchorCtr="0" horzOverflow="overflow">
+                    <a:lnL w="12700">
+                      <a:solidFill>
+                        <a:srgbClr val="000000"/>
+                      </a:solidFill>
+                      <a:miter lim="400000"/>
+                    </a:lnL>
+                    <a:lnR w="12700">
+                      <a:solidFill>
+                        <a:srgbClr val="000000"/>
+                      </a:solidFill>
+                      <a:miter lim="400000"/>
+                    </a:lnR>
+                    <a:lnT w="12700">
+                      <a:solidFill>
+                        <a:srgbClr val="000000"/>
+                      </a:solidFill>
+                      <a:miter lim="400000"/>
+                    </a:lnT>
+                    <a:lnB w="12700">
+                      <a:solidFill>
+                        <a:srgbClr val="000000"/>
+                      </a:solidFill>
+                      <a:miter lim="400000"/>
+                    </a:lnB>
+                  </a:tcPr>
+                </a:tc>
+              </a:tr>
+            </a:tbl>
+          </a:graphicData>
+        </a:graphic>
+      </p:graphicFrame>
+      <p:sp>
+        <p:nvSpPr>
+          <p:cNvPr id="169" name="Text"/>
+          <p:cNvSpPr txBox="1"/>
+          <p:nvPr/>
+        </p:nvSpPr>
+        <p:spPr>
+          <a:xfrm>
+            <a:off x="2145457" y="2523038"/>
+            <a:ext cx="127001" cy="624841"/>
+          </a:xfrm>
+          <a:prstGeom prst="rect">
+            <a:avLst/>
+          </a:prstGeom>
+          <a:ln w="12700">
+            <a:miter lim="400000"/>
+          </a:ln>
+          <a:extLst>
+            <a:ext uri="{C572A759-6A51-4108-AA02-DFA0A04FC94B}">
+              <ma14:wrappingTextBoxFlag xmlns:ma14="http://schemas.microsoft.com/office/mac/drawingml/2011/main" val="1"/>
+            </a:ext>
+          </a:extLst>
+        </p:spPr>
+        <p:txBody>
+          <a:bodyPr wrap="none" lIns="45719" rIns="45719">
+            <a:spAutoFit/>
+          </a:bodyPr>
+          <a:lstStyle/>
+          <a:p>
+            <a:pPr defTabSz="12700">
+              <a:tabLst>
+                <a:tab pos="355600" algn="l"/>
+                <a:tab pos="711200" algn="l"/>
+                <a:tab pos="1066800" algn="l"/>
+                <a:tab pos="1422400" algn="l"/>
+                <a:tab pos="1778000" algn="l"/>
+                <a:tab pos="2133600" algn="l"/>
+                <a:tab pos="2489200" algn="l"/>
+                <a:tab pos="2844800" algn="l"/>
+                <a:tab pos="3200400" algn="l"/>
+                <a:tab pos="3556000" algn="l"/>
+                <a:tab pos="3911600" algn="l"/>
+                <a:tab pos="4267200" algn="l"/>
+              </a:tabLst>
+              <a:defRPr sz="1200">
+                <a:latin typeface="+mj-lt"/>
+                <a:ea typeface="+mj-ea"/>
+                <a:cs typeface="+mj-cs"/>
+                <a:sym typeface="Helvetica"/>
+              </a:defRPr>
+            </a:pPr>
+          </a:p>
+          <a:p>
+            <a:pPr defTabSz="12700">
+              <a:tabLst>
+                <a:tab pos="355600" algn="l"/>
+                <a:tab pos="711200" algn="l"/>
+                <a:tab pos="1066800" algn="l"/>
+                <a:tab pos="1422400" algn="l"/>
+                <a:tab pos="1778000" algn="l"/>
+                <a:tab pos="2133600" algn="l"/>
+                <a:tab pos="2489200" algn="l"/>
+                <a:tab pos="2844800" algn="l"/>
+                <a:tab pos="3200400" algn="l"/>
+                <a:tab pos="3556000" algn="l"/>
+                <a:tab pos="3911600" algn="l"/>
+                <a:tab pos="4267200" algn="l"/>
+              </a:tabLst>
+              <a:defRPr sz="1200">
+                <a:latin typeface="+mj-lt"/>
+                <a:ea typeface="+mj-ea"/>
+                <a:cs typeface="+mj-cs"/>
+                <a:sym typeface="Helvetica"/>
+              </a:defRPr>
+            </a:pPr>
+          </a:p>
+        </p:txBody>
+      </p:sp>
+      <p:graphicFrame>
+        <p:nvGraphicFramePr>
+          <p:cNvPr id="170" name="Table"/>
+          <p:cNvGraphicFramePr/>
+          <p:nvPr/>
+        </p:nvGraphicFramePr>
+        <p:xfrm>
+          <a:off x="2139107" y="4711441"/>
+          <a:ext cx="7586515" cy="1636648"/>
+        </p:xfrm>
+        <a:graphic xmlns:a="http://schemas.openxmlformats.org/drawingml/2006/main">
+          <a:graphicData uri="http://schemas.openxmlformats.org/drawingml/2006/table">
+            <a:tbl>
+              <a:tblPr firstCol="0" firstRow="0" lastCol="0" lastRow="0" bandCol="0" bandRow="0" rtl="0">
+                <a:tableStyleId>{4C3C2611-4C71-4FC5-86AE-919BDF0F9419}</a:tableStyleId>
+              </a:tblPr>
+              <a:tblGrid>
+                <a:gridCol w="1772961"/>
+                <a:gridCol w="1084432"/>
+                <a:gridCol w="1772961"/>
+                <a:gridCol w="963940"/>
+                <a:gridCol w="1979519"/>
+              </a:tblGrid>
+              <a:tr h="405986">
+                <a:tc rowSpan="2">
+                  <a:txBody>
+                    <a:bodyPr/>
+                    <a:lstStyle/>
+                    <a:p>
+                      <a:pPr algn="l">
+                        <a:defRPr sz="1800"/>
+                      </a:pPr>
+                    </a:p>
+                  </a:txBody>
+                  <a:tcPr marL="50800" marR="50800" marT="50800" marB="50800" anchor="t" anchorCtr="0" horzOverflow="overflow">
+                    <a:lnL w="12700">
+                      <a:solidFill>
+                        <a:srgbClr val="000000"/>
+                      </a:solidFill>
+                      <a:miter lim="400000"/>
+                    </a:lnL>
+                    <a:lnR w="12700">
+                      <a:solidFill>
+                        <a:srgbClr val="000000"/>
+                      </a:solidFill>
+                      <a:miter lim="400000"/>
+                    </a:lnR>
+                    <a:lnT w="12700">
+                      <a:solidFill>
+                        <a:srgbClr val="000000"/>
+                      </a:solidFill>
+                      <a:miter lim="400000"/>
+                    </a:lnT>
+                    <a:lnB w="12700">
+                      <a:solidFill>
+                        <a:srgbClr val="000000"/>
+                      </a:solidFill>
+                      <a:miter lim="400000"/>
+                    </a:lnB>
+                  </a:tcPr>
+                </a:tc>
+                <a:tc gridSpan="2">
+                  <a:txBody>
+                    <a:bodyPr/>
+                    <a:lstStyle/>
+                    <a:p>
+                      <a:pPr algn="ctr" defTabSz="449580">
+                        <a:lnSpc>
+                          <a:spcPct val="150000"/>
+                        </a:lnSpc>
+                        <a:defRPr sz="1800"/>
+                      </a:pPr>
+                      <a:r>
+                        <a:rPr sz="1200"/>
+                        <a:t>Метод Річардсона</a:t>
+                      </a:r>
+                    </a:p>
+                  </a:txBody>
+                  <a:tcPr marL="50800" marR="50800" marT="50800" marB="50800" anchor="t" anchorCtr="0" horzOverflow="overflow">
+                    <a:lnL w="12700">
+                      <a:solidFill>
+                        <a:srgbClr val="000000"/>
+                      </a:solidFill>
+                      <a:miter lim="400000"/>
+                    </a:lnL>
+                    <a:lnR w="12700">
+                      <a:solidFill>
+                        <a:srgbClr val="000000"/>
+                      </a:solidFill>
+                      <a:miter lim="400000"/>
+                    </a:lnR>
+                    <a:lnT w="12700">
+                      <a:solidFill>
+                        <a:srgbClr val="000000"/>
+                      </a:solidFill>
+                      <a:miter lim="400000"/>
+                    </a:lnT>
+                    <a:lnB w="12700">
+                      <a:solidFill>
+                        <a:srgbClr val="000000"/>
+                      </a:solidFill>
+                      <a:miter lim="400000"/>
+                    </a:lnB>
+                  </a:tcPr>
+                </a:tc>
+                <a:tc hMerge="1">
+                  <a:tcPr/>
+                </a:tc>
+                <a:tc gridSpan="2">
+                  <a:txBody>
+                    <a:bodyPr/>
+                    <a:lstStyle/>
+                    <a:p>
+                      <a:pPr algn="ctr" defTabSz="449580">
+                        <a:lnSpc>
+                          <a:spcPct val="150000"/>
+                        </a:lnSpc>
+                        <a:defRPr sz="1800"/>
+                      </a:pPr>
+                      <a:r>
+                        <a:rPr sz="1200"/>
+                        <a:t>Mетод верхньої релаксації</a:t>
+                      </a:r>
+                    </a:p>
+                  </a:txBody>
+                  <a:tcPr marL="50800" marR="50800" marT="50800" marB="50800" anchor="t" anchorCtr="0" horzOverflow="overflow">
+                    <a:lnL w="12700">
+                      <a:solidFill>
+                        <a:srgbClr val="000000"/>
+                      </a:solidFill>
+                      <a:miter lim="400000"/>
+                    </a:lnL>
+                    <a:lnR w="12700">
+                      <a:solidFill>
+                        <a:srgbClr val="000000"/>
+                      </a:solidFill>
+                      <a:miter lim="400000"/>
+                    </a:lnR>
+                    <a:lnT w="12700">
+                      <a:solidFill>
+                        <a:srgbClr val="000000"/>
+                      </a:solidFill>
+                      <a:miter lim="400000"/>
+                    </a:lnT>
+                    <a:lnB w="12700">
+                      <a:solidFill>
+                        <a:srgbClr val="000000"/>
+                      </a:solidFill>
+                      <a:miter lim="400000"/>
+                    </a:lnB>
+                  </a:tcPr>
+                </a:tc>
+                <a:tc hMerge="1">
+                  <a:tcPr/>
+                </a:tc>
+              </a:tr>
+              <a:tr h="405986">
+                <a:tc vMerge="1">
+                  <a:tcPr/>
+                </a:tc>
+                <a:tc>
+                  <a:txBody>
+                    <a:bodyPr/>
+                    <a:lstStyle/>
+                    <a:p>
+                      <a:pPr algn="ctr" defTabSz="449580">
+                        <a:lnSpc>
+                          <a:spcPct val="150000"/>
+                        </a:lnSpc>
+                        <a:defRPr sz="1800"/>
+                      </a:pPr>
+                      <a:r>
+                        <a:rPr sz="1200"/>
+                        <a:t>1 CPU</a:t>
+                      </a:r>
+                    </a:p>
+                  </a:txBody>
+                  <a:tcPr marL="50800" marR="50800" marT="50800" marB="50800" anchor="t" anchorCtr="0" horzOverflow="overflow">
+                    <a:lnL w="12700">
+                      <a:solidFill>
+                        <a:srgbClr val="000000"/>
+                      </a:solidFill>
+                      <a:miter lim="400000"/>
+                    </a:lnL>
+                    <a:lnR w="12700">
+                      <a:solidFill>
+                        <a:srgbClr val="000000"/>
+                      </a:solidFill>
+                      <a:miter lim="400000"/>
+                    </a:lnR>
+                    <a:lnT w="12700">
+                      <a:solidFill>
+                        <a:srgbClr val="000000"/>
+                      </a:solidFill>
+                      <a:miter lim="400000"/>
+                    </a:lnT>
+                    <a:lnB w="12700">
+                      <a:solidFill>
+                        <a:srgbClr val="000000"/>
+                      </a:solidFill>
+                      <a:miter lim="400000"/>
+                    </a:lnB>
+                  </a:tcPr>
+                </a:tc>
+                <a:tc>
+                  <a:txBody>
+                    <a:bodyPr/>
+                    <a:lstStyle/>
+                    <a:p>
+                      <a:pPr algn="ctr" defTabSz="449580">
+                        <a:lnSpc>
+                          <a:spcPct val="150000"/>
+                        </a:lnSpc>
+                        <a:defRPr sz="1800"/>
+                      </a:pPr>
+                      <a:r>
+                        <a:rPr sz="1200"/>
+                        <a:t>1 CPU + 1 GPU</a:t>
+                      </a:r>
+                    </a:p>
+                  </a:txBody>
+                  <a:tcPr marL="50800" marR="50800" marT="50800" marB="50800" anchor="t" anchorCtr="0" horzOverflow="overflow">
+                    <a:lnL w="12700">
+                      <a:solidFill>
+                        <a:srgbClr val="000000"/>
+                      </a:solidFill>
+                      <a:miter lim="400000"/>
+                    </a:lnL>
+                    <a:lnR w="12700">
+                      <a:solidFill>
+                        <a:srgbClr val="000000"/>
+                      </a:solidFill>
+                      <a:miter lim="400000"/>
+                    </a:lnR>
+                    <a:lnT w="12700">
+                      <a:solidFill>
+                        <a:srgbClr val="000000"/>
+                      </a:solidFill>
+                      <a:miter lim="400000"/>
+                    </a:lnT>
+                    <a:lnB w="12700">
+                      <a:solidFill>
+                        <a:srgbClr val="000000"/>
+                      </a:solidFill>
+                      <a:miter lim="400000"/>
+                    </a:lnB>
+                  </a:tcPr>
+                </a:tc>
+                <a:tc>
+                  <a:txBody>
+                    <a:bodyPr/>
+                    <a:lstStyle/>
+                    <a:p>
+                      <a:pPr algn="ctr" defTabSz="449580">
+                        <a:lnSpc>
+                          <a:spcPct val="150000"/>
+                        </a:lnSpc>
+                        <a:defRPr sz="1800"/>
+                      </a:pPr>
+                      <a:r>
+                        <a:rPr sz="1200"/>
+                        <a:t>1 CPU</a:t>
+                      </a:r>
+                    </a:p>
+                  </a:txBody>
+                  <a:tcPr marL="50800" marR="50800" marT="50800" marB="50800" anchor="t" anchorCtr="0" horzOverflow="overflow">
+                    <a:lnL w="12700">
+                      <a:solidFill>
+                        <a:srgbClr val="000000"/>
+                      </a:solidFill>
+                      <a:miter lim="400000"/>
+                    </a:lnL>
+                    <a:lnR w="12700">
+                      <a:solidFill>
+                        <a:srgbClr val="000000"/>
+                      </a:solidFill>
+                      <a:miter lim="400000"/>
+                    </a:lnR>
+                    <a:lnT w="12700">
+                      <a:solidFill>
+                        <a:srgbClr val="000000"/>
+                      </a:solidFill>
+                      <a:miter lim="400000"/>
+                    </a:lnT>
+                    <a:lnB w="12700">
+                      <a:solidFill>
+                        <a:srgbClr val="000000"/>
+                      </a:solidFill>
+                      <a:miter lim="400000"/>
+                    </a:lnB>
+                  </a:tcPr>
+                </a:tc>
+                <a:tc>
+                  <a:txBody>
+                    <a:bodyPr/>
+                    <a:lstStyle/>
+                    <a:p>
+                      <a:pPr algn="ctr" defTabSz="449580">
+                        <a:lnSpc>
+                          <a:spcPct val="150000"/>
+                        </a:lnSpc>
+                        <a:defRPr sz="1800"/>
+                      </a:pPr>
+                      <a:r>
+                        <a:rPr sz="1200"/>
+                        <a:t>1CPU + 1 GPU</a:t>
+                      </a:r>
+                    </a:p>
+                  </a:txBody>
+                  <a:tcPr marL="50800" marR="50800" marT="50800" marB="50800" anchor="t" anchorCtr="0" horzOverflow="overflow">
+                    <a:lnL w="12700">
+                      <a:solidFill>
+                        <a:srgbClr val="000000"/>
+                      </a:solidFill>
+                      <a:miter lim="400000"/>
+                    </a:lnL>
+                    <a:lnR w="12700">
+                      <a:solidFill>
+                        <a:srgbClr val="000000"/>
+                      </a:solidFill>
+                      <a:miter lim="400000"/>
+                    </a:lnR>
+                    <a:lnT w="12700">
+                      <a:solidFill>
+                        <a:srgbClr val="000000"/>
+                      </a:solidFill>
+                      <a:miter lim="400000"/>
+                    </a:lnT>
+                    <a:lnB w="12700">
+                      <a:solidFill>
+                        <a:srgbClr val="000000"/>
+                      </a:solidFill>
+                      <a:miter lim="400000"/>
+                    </a:lnB>
+                  </a:tcPr>
+                </a:tc>
+              </a:tr>
+              <a:tr h="405986">
+                <a:tc>
+                  <a:txBody>
+                    <a:bodyPr/>
+                    <a:lstStyle/>
+                    <a:p>
+                      <a:pPr algn="just" defTabSz="449580">
+                        <a:lnSpc>
+                          <a:spcPct val="150000"/>
+                        </a:lnSpc>
+                        <a:defRPr sz="1800"/>
+                      </a:pPr>
+                      <a:r>
+                        <a:rPr sz="1200"/>
+                        <a:t>Головний цикл</a:t>
+                      </a:r>
+                    </a:p>
+                  </a:txBody>
+                  <a:tcPr marL="50800" marR="50800" marT="50800" marB="50800" anchor="t" anchorCtr="0" horzOverflow="overflow">
+                    <a:lnL w="12700">
+                      <a:solidFill>
+                        <a:srgbClr val="000000"/>
+                      </a:solidFill>
+                      <a:miter lim="400000"/>
+                    </a:lnL>
+                    <a:lnR w="12700">
+                      <a:solidFill>
+                        <a:srgbClr val="000000"/>
+                      </a:solidFill>
+                      <a:miter lim="400000"/>
+                    </a:lnR>
+                    <a:lnT w="12700">
+                      <a:solidFill>
+                        <a:srgbClr val="000000"/>
+                      </a:solidFill>
+                      <a:miter lim="400000"/>
+                    </a:lnT>
+                    <a:lnB w="12700">
+                      <a:solidFill>
+                        <a:srgbClr val="000000"/>
+                      </a:solidFill>
+                      <a:miter lim="400000"/>
+                    </a:lnB>
+                  </a:tcPr>
+                </a:tc>
+                <a:tc>
+                  <a:txBody>
+                    <a:bodyPr/>
+                    <a:lstStyle/>
+                    <a:p>
+                      <a:pPr algn="ctr" defTabSz="449580">
+                        <a:lnSpc>
+                          <a:spcPct val="150000"/>
+                        </a:lnSpc>
+                        <a:defRPr sz="1800"/>
+                      </a:pPr>
+                      <a:r>
+                        <a:rPr sz="1200"/>
+                        <a:t>0,734045</a:t>
+                      </a:r>
+                    </a:p>
+                  </a:txBody>
+                  <a:tcPr marL="50800" marR="50800" marT="50800" marB="50800" anchor="t" anchorCtr="0" horzOverflow="overflow">
+                    <a:lnL w="12700">
+                      <a:solidFill>
+                        <a:srgbClr val="000000"/>
+                      </a:solidFill>
+                      <a:miter lim="400000"/>
+                    </a:lnL>
+                    <a:lnR w="12700">
+                      <a:solidFill>
+                        <a:srgbClr val="000000"/>
+                      </a:solidFill>
+                      <a:miter lim="400000"/>
+                    </a:lnR>
+                    <a:lnT w="12700">
+                      <a:solidFill>
+                        <a:srgbClr val="000000"/>
+                      </a:solidFill>
+                      <a:miter lim="400000"/>
+                    </a:lnT>
+                    <a:lnB w="12700">
+                      <a:solidFill>
+                        <a:srgbClr val="000000"/>
+                      </a:solidFill>
+                      <a:miter lim="400000"/>
+                    </a:lnB>
+                  </a:tcPr>
+                </a:tc>
+                <a:tc>
+                  <a:txBody>
+                    <a:bodyPr/>
+                    <a:lstStyle/>
+                    <a:p>
+                      <a:pPr algn="ctr" defTabSz="449580">
+                        <a:lnSpc>
+                          <a:spcPct val="150000"/>
+                        </a:lnSpc>
+                        <a:defRPr sz="1800"/>
+                      </a:pPr>
+                      <a:r>
+                        <a:rPr sz="1200"/>
+                        <a:t>0,07132</a:t>
+                      </a:r>
+                    </a:p>
+                  </a:txBody>
+                  <a:tcPr marL="50800" marR="50800" marT="50800" marB="50800" anchor="t" anchorCtr="0" horzOverflow="overflow">
+                    <a:lnL w="12700">
+                      <a:solidFill>
+                        <a:srgbClr val="000000"/>
+                      </a:solidFill>
+                      <a:miter lim="400000"/>
+                    </a:lnL>
+                    <a:lnR w="12700">
+                      <a:solidFill>
+                        <a:srgbClr val="000000"/>
+                      </a:solidFill>
+                      <a:miter lim="400000"/>
+                    </a:lnR>
+                    <a:lnT w="12700">
+                      <a:solidFill>
+                        <a:srgbClr val="000000"/>
+                      </a:solidFill>
+                      <a:miter lim="400000"/>
+                    </a:lnT>
+                    <a:lnB w="12700">
+                      <a:solidFill>
+                        <a:srgbClr val="000000"/>
+                      </a:solidFill>
+                      <a:miter lim="400000"/>
+                    </a:lnB>
+                  </a:tcPr>
+                </a:tc>
+                <a:tc>
+                  <a:txBody>
+                    <a:bodyPr/>
+                    <a:lstStyle/>
+                    <a:p>
+                      <a:pPr algn="ctr" defTabSz="449580">
+                        <a:lnSpc>
+                          <a:spcPct val="150000"/>
+                        </a:lnSpc>
+                        <a:defRPr sz="1800"/>
+                      </a:pPr>
+                      <a:r>
+                        <a:rPr sz="1200"/>
+                        <a:t>0,87493</a:t>
+                      </a:r>
+                    </a:p>
+                  </a:txBody>
+                  <a:tcPr marL="50800" marR="50800" marT="50800" marB="50800" anchor="t" anchorCtr="0" horzOverflow="overflow">
+                    <a:lnL w="12700">
+                      <a:solidFill>
+                        <a:srgbClr val="000000"/>
+                      </a:solidFill>
+                      <a:miter lim="400000"/>
+                    </a:lnL>
+                    <a:lnR w="12700">
+                      <a:solidFill>
+                        <a:srgbClr val="000000"/>
+                      </a:solidFill>
+                      <a:miter lim="400000"/>
+                    </a:lnR>
+                    <a:lnT w="12700">
+                      <a:solidFill>
+                        <a:srgbClr val="000000"/>
+                      </a:solidFill>
+                      <a:miter lim="400000"/>
+                    </a:lnT>
+                    <a:lnB w="12700">
+                      <a:solidFill>
+                        <a:srgbClr val="000000"/>
+                      </a:solidFill>
+                      <a:miter lim="400000"/>
+                    </a:lnB>
+                  </a:tcPr>
+                </a:tc>
+                <a:tc>
+                  <a:txBody>
+                    <a:bodyPr/>
+                    <a:lstStyle/>
+                    <a:p>
+                      <a:pPr algn="ctr" defTabSz="449580">
+                        <a:lnSpc>
+                          <a:spcPct val="150000"/>
+                        </a:lnSpc>
+                        <a:defRPr sz="1800"/>
+                      </a:pPr>
+                      <a:r>
+                        <a:rPr sz="1200"/>
+                        <a:t>0,133061</a:t>
+                      </a:r>
+                    </a:p>
+                  </a:txBody>
+                  <a:tcPr marL="50800" marR="50800" marT="50800" marB="50800" anchor="t" anchorCtr="0" horzOverflow="overflow">
+                    <a:lnL w="12700">
+                      <a:solidFill>
+                        <a:srgbClr val="000000"/>
+                      </a:solidFill>
+                      <a:miter lim="400000"/>
+                    </a:lnL>
+                    <a:lnR w="12700">
+                      <a:solidFill>
+                        <a:srgbClr val="000000"/>
+                      </a:solidFill>
+                      <a:miter lim="400000"/>
+                    </a:lnR>
+                    <a:lnT w="12700">
+                      <a:solidFill>
+                        <a:srgbClr val="000000"/>
+                      </a:solidFill>
+                      <a:miter lim="400000"/>
+                    </a:lnT>
+                    <a:lnB w="12700">
+                      <a:solidFill>
+                        <a:srgbClr val="000000"/>
+                      </a:solidFill>
+                      <a:miter lim="400000"/>
+                    </a:lnB>
+                  </a:tcPr>
+                </a:tc>
+              </a:tr>
+              <a:tr h="405986">
+                <a:tc>
+                  <a:txBody>
+                    <a:bodyPr/>
+                    <a:lstStyle/>
+                    <a:p>
+                      <a:pPr algn="just" defTabSz="449580">
+                        <a:lnSpc>
+                          <a:spcPct val="150000"/>
+                        </a:lnSpc>
+                        <a:defRPr sz="1800"/>
+                      </a:pPr>
+                      <a:r>
+                        <a:rPr sz="1200"/>
+                        <a:t>Загальний цикл</a:t>
+                      </a:r>
+                    </a:p>
+                  </a:txBody>
+                  <a:tcPr marL="50800" marR="50800" marT="50800" marB="50800" anchor="t" anchorCtr="0" horzOverflow="overflow">
+                    <a:lnL w="12700">
+                      <a:solidFill>
+                        <a:srgbClr val="000000"/>
+                      </a:solidFill>
+                      <a:miter lim="400000"/>
+                    </a:lnL>
+                    <a:lnR w="12700">
+                      <a:solidFill>
+                        <a:srgbClr val="000000"/>
+                      </a:solidFill>
+                      <a:miter lim="400000"/>
+                    </a:lnR>
+                    <a:lnT w="12700">
+                      <a:solidFill>
+                        <a:srgbClr val="000000"/>
+                      </a:solidFill>
+                      <a:miter lim="400000"/>
+                    </a:lnT>
+                    <a:lnB w="12700">
+                      <a:solidFill>
+                        <a:srgbClr val="000000"/>
+                      </a:solidFill>
+                      <a:miter lim="400000"/>
+                    </a:lnB>
+                  </a:tcPr>
+                </a:tc>
+                <a:tc>
+                  <a:txBody>
+                    <a:bodyPr/>
+                    <a:lstStyle/>
+                    <a:p>
+                      <a:pPr algn="ctr" defTabSz="449580">
+                        <a:lnSpc>
+                          <a:spcPct val="150000"/>
+                        </a:lnSpc>
+                        <a:defRPr sz="1800"/>
+                      </a:pPr>
+                      <a:r>
+                        <a:rPr sz="1200"/>
+                        <a:t>6,6208</a:t>
+                      </a:r>
+                    </a:p>
+                  </a:txBody>
+                  <a:tcPr marL="50800" marR="50800" marT="50800" marB="50800" anchor="t" anchorCtr="0" horzOverflow="overflow">
+                    <a:lnL w="12700">
+                      <a:solidFill>
+                        <a:srgbClr val="000000"/>
+                      </a:solidFill>
+                      <a:miter lim="400000"/>
+                    </a:lnL>
+                    <a:lnR w="12700">
+                      <a:solidFill>
+                        <a:srgbClr val="000000"/>
+                      </a:solidFill>
+                      <a:miter lim="400000"/>
+                    </a:lnR>
+                    <a:lnT w="12700">
+                      <a:solidFill>
+                        <a:srgbClr val="000000"/>
+                      </a:solidFill>
+                      <a:miter lim="400000"/>
+                    </a:lnT>
+                    <a:lnB w="12700">
+                      <a:solidFill>
+                        <a:srgbClr val="000000"/>
+                      </a:solidFill>
+                      <a:miter lim="400000"/>
+                    </a:lnB>
+                  </a:tcPr>
+                </a:tc>
+                <a:tc>
+                  <a:txBody>
+                    <a:bodyPr/>
+                    <a:lstStyle/>
+                    <a:p>
+                      <a:pPr algn="ctr" defTabSz="449580">
+                        <a:lnSpc>
+                          <a:spcPct val="150000"/>
+                        </a:lnSpc>
+                        <a:defRPr sz="1800"/>
+                      </a:pPr>
+                      <a:r>
+                        <a:rPr sz="1200"/>
+                        <a:t>8,8451</a:t>
+                      </a:r>
+                    </a:p>
+                  </a:txBody>
+                  <a:tcPr marL="50800" marR="50800" marT="50800" marB="50800" anchor="t" anchorCtr="0" horzOverflow="overflow">
+                    <a:lnL w="12700">
+                      <a:solidFill>
+                        <a:srgbClr val="000000"/>
+                      </a:solidFill>
+                      <a:miter lim="400000"/>
+                    </a:lnL>
+                    <a:lnR w="12700">
+                      <a:solidFill>
+                        <a:srgbClr val="000000"/>
+                      </a:solidFill>
+                      <a:miter lim="400000"/>
+                    </a:lnR>
+                    <a:lnT w="12700">
+                      <a:solidFill>
+                        <a:srgbClr val="000000"/>
+                      </a:solidFill>
+                      <a:miter lim="400000"/>
+                    </a:lnT>
+                    <a:lnB w="12700">
+                      <a:solidFill>
+                        <a:srgbClr val="000000"/>
+                      </a:solidFill>
+                      <a:miter lim="400000"/>
+                    </a:lnB>
+                  </a:tcPr>
+                </a:tc>
+                <a:tc>
+                  <a:txBody>
+                    <a:bodyPr/>
+                    <a:lstStyle/>
+                    <a:p>
+                      <a:pPr defTabSz="449580">
+                        <a:lnSpc>
+                          <a:spcPct val="150000"/>
+                        </a:lnSpc>
+                        <a:defRPr sz="1800"/>
+                      </a:pPr>
+                      <a:r>
+                        <a:rPr sz="1200"/>
+                        <a:t>33,807</a:t>
+                      </a:r>
+                    </a:p>
+                  </a:txBody>
+                  <a:tcPr marL="50800" marR="50800" marT="50800" marB="50800" anchor="t" anchorCtr="0" horzOverflow="overflow">
+                    <a:lnL w="12700">
+                      <a:solidFill>
+                        <a:srgbClr val="000000"/>
+                      </a:solidFill>
+                      <a:miter lim="400000"/>
+                    </a:lnL>
+                    <a:lnR w="12700">
+                      <a:solidFill>
+                        <a:srgbClr val="000000"/>
+                      </a:solidFill>
+                      <a:miter lim="400000"/>
+                    </a:lnR>
+                    <a:lnT w="12700">
+                      <a:solidFill>
+                        <a:srgbClr val="000000"/>
+                      </a:solidFill>
+                      <a:miter lim="400000"/>
+                    </a:lnT>
+                    <a:lnB w="12700">
+                      <a:solidFill>
+                        <a:srgbClr val="000000"/>
+                      </a:solidFill>
+                      <a:miter lim="400000"/>
+                    </a:lnB>
+                  </a:tcPr>
+                </a:tc>
+                <a:tc>
+                  <a:txBody>
+                    <a:bodyPr/>
+                    <a:lstStyle/>
+                    <a:p>
+                      <a:pPr algn="ctr" defTabSz="449580">
+                        <a:lnSpc>
+                          <a:spcPct val="150000"/>
+                        </a:lnSpc>
+                        <a:defRPr sz="1800"/>
+                      </a:pPr>
+                      <a:r>
+                        <a:rPr sz="1200"/>
+                        <a:t>33,6342</a:t>
+                      </a:r>
+                    </a:p>
+                  </a:txBody>
+                  <a:tcPr marL="50800" marR="50800" marT="50800" marB="50800" anchor="t" anchorCtr="0" horzOverflow="overflow">
+                    <a:lnL w="12700">
+                      <a:solidFill>
+                        <a:srgbClr val="000000"/>
+                      </a:solidFill>
+                      <a:miter lim="400000"/>
+                    </a:lnL>
+                    <a:lnR w="12700">
+                      <a:solidFill>
+                        <a:srgbClr val="000000"/>
+                      </a:solidFill>
+                      <a:miter lim="400000"/>
+                    </a:lnR>
+                    <a:lnT w="12700">
+                      <a:solidFill>
+                        <a:srgbClr val="000000"/>
+                      </a:solidFill>
+                      <a:miter lim="400000"/>
+                    </a:lnT>
+                    <a:lnB w="12700">
+                      <a:solidFill>
+                        <a:srgbClr val="000000"/>
+                      </a:solidFill>
+                      <a:miter lim="400000"/>
+                    </a:lnB>
+                  </a:tcPr>
+                </a:tc>
+              </a:tr>
+            </a:tbl>
+          </a:graphicData>
+        </a:graphic>
+      </p:graphicFrame>
+      <p:sp>
+        <p:nvSpPr>
+          <p:cNvPr id="171" name="Text"/>
+          <p:cNvSpPr txBox="1"/>
+          <p:nvPr/>
+        </p:nvSpPr>
+        <p:spPr>
+          <a:xfrm>
+            <a:off x="2262733" y="4711441"/>
+            <a:ext cx="127001" cy="624841"/>
+          </a:xfrm>
+          <a:prstGeom prst="rect">
+            <a:avLst/>
+          </a:prstGeom>
+          <a:ln w="12700">
+            <a:miter lim="400000"/>
+          </a:ln>
+          <a:extLst>
+            <a:ext uri="{C572A759-6A51-4108-AA02-DFA0A04FC94B}">
+              <ma14:wrappingTextBoxFlag xmlns:ma14="http://schemas.microsoft.com/office/mac/drawingml/2011/main" val="1"/>
+            </a:ext>
+          </a:extLst>
+        </p:spPr>
+        <p:txBody>
+          <a:bodyPr wrap="none" lIns="45719" rIns="45719">
+            <a:spAutoFit/>
+          </a:bodyPr>
+          <a:lstStyle/>
+          <a:p>
+            <a:pPr defTabSz="12700">
+              <a:tabLst>
+                <a:tab pos="355600" algn="l"/>
+                <a:tab pos="711200" algn="l"/>
+                <a:tab pos="1066800" algn="l"/>
+                <a:tab pos="1422400" algn="l"/>
+                <a:tab pos="1778000" algn="l"/>
+                <a:tab pos="2133600" algn="l"/>
+                <a:tab pos="2489200" algn="l"/>
+                <a:tab pos="2844800" algn="l"/>
+                <a:tab pos="3200400" algn="l"/>
+                <a:tab pos="3556000" algn="l"/>
+                <a:tab pos="3911600" algn="l"/>
+                <a:tab pos="4267200" algn="l"/>
+              </a:tabLst>
+              <a:defRPr sz="1200">
+                <a:latin typeface="+mj-lt"/>
+                <a:ea typeface="+mj-ea"/>
+                <a:cs typeface="+mj-cs"/>
+                <a:sym typeface="Helvetica"/>
+              </a:defRPr>
+            </a:pPr>
+          </a:p>
+          <a:p>
+            <a:pPr defTabSz="12700">
+              <a:tabLst>
+                <a:tab pos="355600" algn="l"/>
+                <a:tab pos="711200" algn="l"/>
+                <a:tab pos="1066800" algn="l"/>
+                <a:tab pos="1422400" algn="l"/>
+                <a:tab pos="1778000" algn="l"/>
+                <a:tab pos="2133600" algn="l"/>
+                <a:tab pos="2489200" algn="l"/>
+                <a:tab pos="2844800" algn="l"/>
+                <a:tab pos="3200400" algn="l"/>
+                <a:tab pos="3556000" algn="l"/>
+                <a:tab pos="3911600" algn="l"/>
+                <a:tab pos="4267200" algn="l"/>
+              </a:tabLst>
+              <a:defRPr sz="1200">
+                <a:latin typeface="+mj-lt"/>
+                <a:ea typeface="+mj-ea"/>
+                <a:cs typeface="+mj-cs"/>
+                <a:sym typeface="Helvetica"/>
+              </a:defRPr>
+            </a:pPr>
           </a:p>
         </p:txBody>
       </p:sp>
